--- a/数据库设计/公路养护数据库设计思路.pptx
+++ b/数据库设计/公路养护数据库设计思路.pptx
@@ -5,19 +5,22 @@
     <p:sldMasterId id="2147483676" r:id="rId1"/>
   </p:sldMasterIdLst>
   <p:notesMasterIdLst>
-    <p:notesMasterId r:id="rId9"/>
+    <p:notesMasterId r:id="rId12"/>
   </p:notesMasterIdLst>
   <p:handoutMasterIdLst>
-    <p:handoutMasterId r:id="rId10"/>
+    <p:handoutMasterId r:id="rId13"/>
   </p:handoutMasterIdLst>
   <p:sldIdLst>
     <p:sldId id="2634" r:id="rId2"/>
     <p:sldId id="2635" r:id="rId3"/>
     <p:sldId id="2639" r:id="rId4"/>
-    <p:sldId id="2640" r:id="rId5"/>
-    <p:sldId id="2638" r:id="rId6"/>
-    <p:sldId id="2637" r:id="rId7"/>
-    <p:sldId id="2376" r:id="rId8"/>
+    <p:sldId id="2642" r:id="rId5"/>
+    <p:sldId id="2640" r:id="rId6"/>
+    <p:sldId id="2641" r:id="rId7"/>
+    <p:sldId id="2643" r:id="rId8"/>
+    <p:sldId id="2638" r:id="rId9"/>
+    <p:sldId id="2637" r:id="rId10"/>
+    <p:sldId id="2376" r:id="rId11"/>
   </p:sldIdLst>
   <p:sldSz cx="9144000" cy="6858000" type="screen4x3"/>
   <p:notesSz cx="7099300" cy="10234613"/>
@@ -270,7 +273,7 @@
               <a:pPr>
                 <a:defRPr/>
               </a:pPr>
-              <a:t>2017/12/14</a:t>
+              <a:t>2017/12/15</a:t>
             </a:fld>
             <a:endParaRPr lang="zh-CN" altLang="en-US"/>
           </a:p>
@@ -913,6 +916,99 @@
 </p:notes>
 </file>
 
+<file path=ppt/notesSlides/notesSlide10.xml><?xml version="1.0" encoding="utf-8"?>
+<p:notes xmlns:a="http://schemas.openxmlformats.org/drawingml/2006/main" xmlns:r="http://schemas.openxmlformats.org/officeDocument/2006/relationships" xmlns:p="http://schemas.openxmlformats.org/presentationml/2006/main">
+  <p:cSld>
+    <p:spTree>
+      <p:nvGrpSpPr>
+        <p:cNvPr id="1" name=""/>
+        <p:cNvGrpSpPr/>
+        <p:nvPr/>
+      </p:nvGrpSpPr>
+      <p:grpSpPr>
+        <a:xfrm>
+          <a:off x="0" y="0"/>
+          <a:ext cx="0" cy="0"/>
+          <a:chOff x="0" y="0"/>
+          <a:chExt cx="0" cy="0"/>
+        </a:xfrm>
+      </p:grpSpPr>
+      <p:sp>
+        <p:nvSpPr>
+          <p:cNvPr id="60418" name="Rectangle 7"/>
+          <p:cNvSpPr>
+            <a:spLocks noGrp="1" noChangeArrowheads="1"/>
+          </p:cNvSpPr>
+          <p:nvPr>
+            <p:ph type="sldNum" sz="quarter" idx="5"/>
+          </p:nvPr>
+        </p:nvSpPr>
+        <p:spPr>
+          <a:noFill/>
+        </p:spPr>
+        <p:txBody>
+          <a:bodyPr/>
+          <a:lstStyle/>
+          <a:p>
+            <a:fld id="{D142B17E-FBF7-4692-ACC8-AFC3FA271605}" type="slidenum">
+              <a:rPr lang="zh-TW" altLang="en-US" smtClean="0"/>
+              <a:pPr/>
+              <a:t>10</a:t>
+            </a:fld>
+            <a:endParaRPr lang="en-US" altLang="zh-TW" smtClean="0"/>
+          </a:p>
+        </p:txBody>
+      </p:sp>
+      <p:sp>
+        <p:nvSpPr>
+          <p:cNvPr id="60419" name="Rectangle 2"/>
+          <p:cNvSpPr>
+            <a:spLocks noGrp="1" noRot="1" noChangeAspect="1" noChangeArrowheads="1" noTextEdit="1"/>
+          </p:cNvSpPr>
+          <p:nvPr>
+            <p:ph type="sldImg"/>
+          </p:nvPr>
+        </p:nvSpPr>
+        <p:spPr>
+          <a:ln/>
+        </p:spPr>
+      </p:sp>
+      <p:sp>
+        <p:nvSpPr>
+          <p:cNvPr id="60420" name="Rectangle 3"/>
+          <p:cNvSpPr>
+            <a:spLocks noGrp="1" noChangeArrowheads="1"/>
+          </p:cNvSpPr>
+          <p:nvPr>
+            <p:ph type="body" idx="1"/>
+          </p:nvPr>
+        </p:nvSpPr>
+        <p:spPr>
+          <a:noFill/>
+          <a:ln/>
+        </p:spPr>
+        <p:txBody>
+          <a:bodyPr/>
+          <a:lstStyle/>
+          <a:p>
+            <a:pPr eaLnBrk="1" hangingPunct="1"/>
+            <a:endParaRPr lang="zh-CN" altLang="en-US" smtClean="0"/>
+          </a:p>
+        </p:txBody>
+      </p:sp>
+    </p:spTree>
+    <p:extLst>
+      <p:ext uri="{BB962C8B-B14F-4D97-AF65-F5344CB8AC3E}">
+        <p14:creationId xmlns:p14="http://schemas.microsoft.com/office/powerpoint/2010/main" val="580669219"/>
+      </p:ext>
+    </p:extLst>
+  </p:cSld>
+  <p:clrMapOvr>
+    <a:masterClrMapping/>
+  </p:clrMapOvr>
+</p:notes>
+</file>
+
 <file path=ppt/notesSlides/notesSlide2.xml><?xml version="1.0" encoding="utf-8"?>
 <p:notes xmlns:a="http://schemas.openxmlformats.org/drawingml/2006/main" xmlns:r="http://schemas.openxmlformats.org/officeDocument/2006/relationships" xmlns:p="http://schemas.openxmlformats.org/presentationml/2006/main">
   <p:cSld>
@@ -957,17 +1053,6 @@
           <a:bodyPr/>
           <a:lstStyle/>
           <a:p>
-            <a:r>
-              <a:rPr lang="zh-CN" altLang="en-US" dirty="0" smtClean="0"/>
-              <a:t>每个项目一页；</a:t>
-            </a:r>
-            <a:endParaRPr lang="en-US" altLang="zh-CN" dirty="0" smtClean="0"/>
-          </a:p>
-          <a:p>
-            <a:r>
-              <a:rPr lang="zh-CN" altLang="en-US" dirty="0" smtClean="0"/>
-              <a:t>持续时间较长的专项工作也用一页</a:t>
-            </a:r>
             <a:endParaRPr lang="zh-CN" altLang="en-US" dirty="0"/>
           </a:p>
         </p:txBody>
@@ -1058,17 +1143,6 @@
           <a:bodyPr/>
           <a:lstStyle/>
           <a:p>
-            <a:r>
-              <a:rPr lang="zh-CN" altLang="en-US" dirty="0" smtClean="0"/>
-              <a:t>每个项目一页；</a:t>
-            </a:r>
-            <a:endParaRPr lang="en-US" altLang="zh-CN" dirty="0" smtClean="0"/>
-          </a:p>
-          <a:p>
-            <a:r>
-              <a:rPr lang="zh-CN" altLang="en-US" dirty="0" smtClean="0"/>
-              <a:t>持续时间较长的专项工作也用一页</a:t>
-            </a:r>
             <a:endParaRPr lang="zh-CN" altLang="en-US" dirty="0"/>
           </a:p>
         </p:txBody>
@@ -1159,30 +1233,7 @@
           <a:bodyPr/>
           <a:lstStyle/>
           <a:p>
-            <a:pPr marL="285750" indent="-285750" algn="l">
-              <a:lnSpc>
-                <a:spcPct val="200000"/>
-              </a:lnSpc>
-              <a:buFont typeface="Wingdings" panose="05000000000000000000" pitchFamily="2" charset="2"/>
-              <a:buChar char="Ø"/>
-            </a:pPr>
-            <a:r>
-              <a:rPr lang="zh-CN" altLang="en-US" sz="1200" dirty="0" smtClean="0">
-                <a:solidFill>
-                  <a:schemeClr val="tx1"/>
-                </a:solidFill>
-                <a:latin typeface="微软雅黑" pitchFamily="34" charset="-122"/>
-                <a:ea typeface="微软雅黑" pitchFamily="34" charset="-122"/>
-              </a:rPr>
-              <a:t>范式；适当 的反规范化；数据字段属性定义规范化；</a:t>
-            </a:r>
-            <a:endParaRPr lang="en-US" altLang="zh-CN" sz="1200" dirty="0" smtClean="0">
-              <a:solidFill>
-                <a:schemeClr val="tx1"/>
-              </a:solidFill>
-              <a:latin typeface="微软雅黑" pitchFamily="34" charset="-122"/>
-              <a:ea typeface="微软雅黑" pitchFamily="34" charset="-122"/>
-            </a:endParaRPr>
+            <a:endParaRPr lang="zh-CN" altLang="en-US" dirty="0"/>
           </a:p>
         </p:txBody>
       </p:sp>
@@ -1218,7 +1269,7 @@
     </p:spTree>
     <p:extLst>
       <p:ext uri="{BB962C8B-B14F-4D97-AF65-F5344CB8AC3E}">
-        <p14:creationId xmlns:p14="http://schemas.microsoft.com/office/powerpoint/2010/main" val="1403428416"/>
+        <p14:creationId xmlns:p14="http://schemas.microsoft.com/office/powerpoint/2010/main" val="3785993605"/>
       </p:ext>
     </p:extLst>
   </p:cSld>
@@ -1272,18 +1323,20 @@
           <a:bodyPr/>
           <a:lstStyle/>
           <a:p>
-            <a:r>
-              <a:rPr lang="zh-CN" altLang="en-US" dirty="0" smtClean="0"/>
-              <a:t>每个项目一页；</a:t>
-            </a:r>
-            <a:endParaRPr lang="en-US" altLang="zh-CN" dirty="0" smtClean="0"/>
-          </a:p>
-          <a:p>
-            <a:r>
-              <a:rPr lang="zh-CN" altLang="en-US" dirty="0" smtClean="0"/>
-              <a:t>持续时间较长的专项工作也用一页</a:t>
-            </a:r>
-            <a:endParaRPr lang="zh-CN" altLang="en-US" dirty="0"/>
+            <a:pPr marL="0" indent="0" algn="l">
+              <a:lnSpc>
+                <a:spcPct val="200000"/>
+              </a:lnSpc>
+              <a:buFont typeface="Wingdings" panose="05000000000000000000" pitchFamily="2" charset="2"/>
+              <a:buNone/>
+            </a:pPr>
+            <a:endParaRPr lang="en-US" altLang="zh-CN" sz="1200" dirty="0" smtClean="0">
+              <a:solidFill>
+                <a:schemeClr val="tx1"/>
+              </a:solidFill>
+              <a:latin typeface="微软雅黑" pitchFamily="34" charset="-122"/>
+              <a:ea typeface="微软雅黑" pitchFamily="34" charset="-122"/>
+            </a:endParaRPr>
           </a:p>
         </p:txBody>
       </p:sp>
@@ -1319,7 +1372,7 @@
     </p:spTree>
     <p:extLst>
       <p:ext uri="{BB962C8B-B14F-4D97-AF65-F5344CB8AC3E}">
-        <p14:creationId xmlns:p14="http://schemas.microsoft.com/office/powerpoint/2010/main" val="3248563411"/>
+        <p14:creationId xmlns:p14="http://schemas.microsoft.com/office/powerpoint/2010/main" val="1403428416"/>
       </p:ext>
     </p:extLst>
   </p:cSld>
@@ -1373,18 +1426,20 @@
           <a:bodyPr/>
           <a:lstStyle/>
           <a:p>
-            <a:r>
-              <a:rPr lang="zh-CN" altLang="en-US" dirty="0" smtClean="0"/>
-              <a:t>每个项目一页；</a:t>
-            </a:r>
-            <a:endParaRPr lang="en-US" altLang="zh-CN" dirty="0" smtClean="0"/>
-          </a:p>
-          <a:p>
-            <a:r>
-              <a:rPr lang="zh-CN" altLang="en-US" dirty="0" smtClean="0"/>
-              <a:t>持续时间较长的专项工作也用一页</a:t>
-            </a:r>
-            <a:endParaRPr lang="zh-CN" altLang="en-US" dirty="0"/>
+            <a:pPr marL="0" indent="0" algn="l">
+              <a:lnSpc>
+                <a:spcPct val="200000"/>
+              </a:lnSpc>
+              <a:buFont typeface="Wingdings" panose="05000000000000000000" pitchFamily="2" charset="2"/>
+              <a:buNone/>
+            </a:pPr>
+            <a:endParaRPr lang="en-US" altLang="zh-CN" sz="1200" dirty="0" smtClean="0">
+              <a:solidFill>
+                <a:schemeClr val="tx1"/>
+              </a:solidFill>
+              <a:latin typeface="微软雅黑" pitchFamily="34" charset="-122"/>
+              <a:ea typeface="微软雅黑" pitchFamily="34" charset="-122"/>
+            </a:endParaRPr>
           </a:p>
         </p:txBody>
       </p:sp>
@@ -1420,7 +1475,7 @@
     </p:spTree>
     <p:extLst>
       <p:ext uri="{BB962C8B-B14F-4D97-AF65-F5344CB8AC3E}">
-        <p14:creationId xmlns:p14="http://schemas.microsoft.com/office/powerpoint/2010/main" val="1905657114"/>
+        <p14:creationId xmlns:p14="http://schemas.microsoft.com/office/powerpoint/2010/main" val="1336897951"/>
       </p:ext>
     </p:extLst>
   </p:cSld>
@@ -1449,71 +1504,709 @@
       </p:grpSpPr>
       <p:sp>
         <p:nvSpPr>
-          <p:cNvPr id="60418" name="Rectangle 7"/>
+          <p:cNvPr id="2" name="幻灯片图像占位符 1"/>
           <p:cNvSpPr>
-            <a:spLocks noGrp="1" noChangeArrowheads="1"/>
-          </p:cNvSpPr>
-          <p:nvPr>
-            <p:ph type="sldNum" sz="quarter" idx="5"/>
-          </p:nvPr>
-        </p:nvSpPr>
-        <p:spPr>
-          <a:noFill/>
-        </p:spPr>
-        <p:txBody>
-          <a:bodyPr/>
-          <a:lstStyle/>
-          <a:p>
-            <a:fld id="{D142B17E-FBF7-4692-ACC8-AFC3FA271605}" type="slidenum">
-              <a:rPr lang="zh-TW" altLang="en-US" smtClean="0"/>
-              <a:pPr/>
-              <a:t>7</a:t>
-            </a:fld>
-            <a:endParaRPr lang="en-US" altLang="zh-TW" smtClean="0"/>
-          </a:p>
-        </p:txBody>
-      </p:sp>
-      <p:sp>
-        <p:nvSpPr>
-          <p:cNvPr id="60419" name="Rectangle 2"/>
-          <p:cNvSpPr>
-            <a:spLocks noGrp="1" noRot="1" noChangeAspect="1" noChangeArrowheads="1" noTextEdit="1"/>
+            <a:spLocks noGrp="1" noRot="1" noChangeAspect="1"/>
           </p:cNvSpPr>
           <p:nvPr>
             <p:ph type="sldImg"/>
           </p:nvPr>
         </p:nvSpPr>
-        <p:spPr>
-          <a:ln/>
-        </p:spPr>
-      </p:sp>
-      <p:sp>
-        <p:nvSpPr>
-          <p:cNvPr id="60420" name="Rectangle 3"/>
+        <p:spPr/>
+      </p:sp>
+      <p:sp>
+        <p:nvSpPr>
+          <p:cNvPr id="3" name="备注占位符 2"/>
           <p:cNvSpPr>
-            <a:spLocks noGrp="1" noChangeArrowheads="1"/>
+            <a:spLocks noGrp="1"/>
           </p:cNvSpPr>
           <p:nvPr>
             <p:ph type="body" idx="1"/>
           </p:nvPr>
         </p:nvSpPr>
-        <p:spPr>
-          <a:noFill/>
-          <a:ln/>
-        </p:spPr>
+        <p:spPr/>
         <p:txBody>
           <a:bodyPr/>
           <a:lstStyle/>
           <a:p>
-            <a:pPr eaLnBrk="1" hangingPunct="1"/>
-            <a:endParaRPr lang="zh-CN" altLang="en-US" smtClean="0"/>
+            <a:pPr algn="l" rtl="0" eaLnBrk="0" fontAlgn="base" hangingPunct="0">
+              <a:lnSpc>
+                <a:spcPct val="100000"/>
+              </a:lnSpc>
+              <a:spcBef>
+                <a:spcPts val="0"/>
+              </a:spcBef>
+              <a:spcAft>
+                <a:spcPct val="0"/>
+              </a:spcAft>
+            </a:pPr>
+            <a:r>
+              <a:rPr lang="en-US" altLang="zh-CN" sz="1200" kern="1200" dirty="0" smtClean="0">
+                <a:solidFill>
+                  <a:schemeClr val="tx1"/>
+                </a:solidFill>
+                <a:latin typeface="Arial" charset="0"/>
+                <a:ea typeface="宋体" pitchFamily="2" charset="-122"/>
+                <a:cs typeface="+mn-cs"/>
+              </a:rPr>
+              <a:t>1. </a:t>
+            </a:r>
+            <a:r>
+              <a:rPr lang="zh-CN" altLang="en-US" sz="1200" kern="1200" dirty="0" smtClean="0">
+                <a:solidFill>
+                  <a:schemeClr val="tx1"/>
+                </a:solidFill>
+                <a:latin typeface="Arial" charset="0"/>
+                <a:ea typeface="宋体" pitchFamily="2" charset="-122"/>
+                <a:cs typeface="+mn-cs"/>
+              </a:rPr>
+              <a:t>增加关系管理与查询；</a:t>
+            </a:r>
+            <a:endParaRPr lang="en-US" altLang="zh-CN" sz="1200" kern="1200" dirty="0" smtClean="0">
+              <a:solidFill>
+                <a:schemeClr val="tx1"/>
+              </a:solidFill>
+              <a:latin typeface="Arial" charset="0"/>
+              <a:ea typeface="宋体" pitchFamily="2" charset="-122"/>
+              <a:cs typeface="+mn-cs"/>
+            </a:endParaRPr>
+          </a:p>
+          <a:p>
+            <a:pPr marL="342900" indent="-342900" algn="l" rtl="0" eaLnBrk="0" fontAlgn="base" hangingPunct="0">
+              <a:lnSpc>
+                <a:spcPct val="100000"/>
+              </a:lnSpc>
+              <a:spcBef>
+                <a:spcPts val="0"/>
+              </a:spcBef>
+              <a:spcAft>
+                <a:spcPct val="0"/>
+              </a:spcAft>
+              <a:defRPr/>
+            </a:pPr>
+            <a:r>
+              <a:rPr lang="en-US" altLang="zh-CN" sz="1200" kern="1200" dirty="0" err="1" smtClean="0">
+                <a:solidFill>
+                  <a:schemeClr val="tx1"/>
+                </a:solidFill>
+                <a:latin typeface="Arial" charset="0"/>
+                <a:ea typeface="宋体" pitchFamily="2" charset="-122"/>
+                <a:cs typeface="+mn-cs"/>
+              </a:rPr>
+              <a:t>eB</a:t>
+            </a:r>
+            <a:r>
+              <a:rPr lang="zh-CN" altLang="en-US" sz="1200" kern="1200" dirty="0" smtClean="0">
+                <a:solidFill>
+                  <a:schemeClr val="tx1"/>
+                </a:solidFill>
+                <a:latin typeface="Arial" charset="0"/>
+                <a:ea typeface="宋体" pitchFamily="2" charset="-122"/>
+                <a:cs typeface="+mn-cs"/>
+              </a:rPr>
+              <a:t>：</a:t>
+            </a:r>
+            <a:endParaRPr lang="en-US" altLang="zh-CN" sz="1200" kern="1200" dirty="0" smtClean="0">
+              <a:solidFill>
+                <a:schemeClr val="tx1"/>
+              </a:solidFill>
+              <a:latin typeface="Arial" charset="0"/>
+              <a:ea typeface="宋体" pitchFamily="2" charset="-122"/>
+              <a:cs typeface="+mn-cs"/>
+            </a:endParaRPr>
+          </a:p>
+          <a:p>
+            <a:pPr marL="342900" indent="-342900" algn="l" rtl="0" eaLnBrk="0" fontAlgn="base" hangingPunct="0">
+              <a:lnSpc>
+                <a:spcPct val="100000"/>
+              </a:lnSpc>
+              <a:spcBef>
+                <a:spcPts val="0"/>
+              </a:spcBef>
+              <a:spcAft>
+                <a:spcPct val="0"/>
+              </a:spcAft>
+              <a:defRPr/>
+            </a:pPr>
+            <a:r>
+              <a:rPr lang="zh-CN" altLang="en-US" sz="1200" kern="1200" dirty="0" smtClean="0">
+                <a:solidFill>
+                  <a:schemeClr val="tx1"/>
+                </a:solidFill>
+                <a:latin typeface="Arial" charset="0"/>
+                <a:ea typeface="宋体" pitchFamily="2" charset="-122"/>
+                <a:cs typeface="+mn-cs"/>
+              </a:rPr>
+              <a:t>配置项：物项 </a:t>
+            </a:r>
+            <a:r>
+              <a:rPr lang="en-US" altLang="zh-CN" sz="1200" kern="1200" dirty="0" smtClean="0">
+                <a:solidFill>
+                  <a:schemeClr val="tx1"/>
+                </a:solidFill>
+                <a:latin typeface="Arial" charset="0"/>
+                <a:ea typeface="宋体" pitchFamily="2" charset="-122"/>
+                <a:cs typeface="+mn-cs"/>
+              </a:rPr>
+              <a:t>Physical Items</a:t>
+            </a:r>
+            <a:r>
+              <a:rPr lang="zh-CN" altLang="en-US" sz="1200" kern="1200" dirty="0" smtClean="0">
+                <a:solidFill>
+                  <a:schemeClr val="tx1"/>
+                </a:solidFill>
+                <a:latin typeface="Arial" charset="0"/>
+                <a:ea typeface="宋体" pitchFamily="2" charset="-122"/>
+                <a:cs typeface="+mn-cs"/>
+              </a:rPr>
+              <a:t>，</a:t>
+            </a:r>
+            <a:r>
+              <a:rPr lang="en-US" altLang="zh-CN" sz="1200" kern="1200" dirty="0" smtClean="0">
+                <a:solidFill>
+                  <a:schemeClr val="tx1"/>
+                </a:solidFill>
+                <a:latin typeface="Arial" charset="0"/>
+                <a:ea typeface="宋体" pitchFamily="2" charset="-122"/>
+                <a:cs typeface="+mn-cs"/>
+              </a:rPr>
+              <a:t>VI Virtual Items</a:t>
+            </a:r>
+            <a:r>
+              <a:rPr lang="zh-CN" altLang="en-US" sz="1200" kern="1200" dirty="0" smtClean="0">
+                <a:solidFill>
+                  <a:schemeClr val="tx1"/>
+                </a:solidFill>
+                <a:latin typeface="Arial" charset="0"/>
+                <a:ea typeface="宋体" pitchFamily="2" charset="-122"/>
+                <a:cs typeface="+mn-cs"/>
+              </a:rPr>
+              <a:t>，工位</a:t>
+            </a:r>
+            <a:r>
+              <a:rPr lang="en-US" altLang="zh-CN" sz="1200" kern="1200" dirty="0" smtClean="0">
+                <a:solidFill>
+                  <a:schemeClr val="tx1"/>
+                </a:solidFill>
+                <a:latin typeface="Arial" charset="0"/>
+                <a:ea typeface="宋体" pitchFamily="2" charset="-122"/>
+                <a:cs typeface="+mn-cs"/>
+              </a:rPr>
+              <a:t>Tag</a:t>
+            </a:r>
+            <a:r>
+              <a:rPr lang="zh-CN" altLang="en-US" sz="1200" kern="1200" dirty="0" smtClean="0">
+                <a:solidFill>
+                  <a:schemeClr val="tx1"/>
+                </a:solidFill>
+                <a:latin typeface="Arial" charset="0"/>
+                <a:ea typeface="宋体" pitchFamily="2" charset="-122"/>
+                <a:cs typeface="+mn-cs"/>
+              </a:rPr>
+              <a:t> ，文档 </a:t>
+            </a:r>
+            <a:r>
+              <a:rPr lang="en-US" altLang="zh-CN" sz="1200" kern="1200" dirty="0" smtClean="0">
+                <a:solidFill>
+                  <a:schemeClr val="tx1"/>
+                </a:solidFill>
+                <a:latin typeface="Arial" charset="0"/>
+                <a:ea typeface="宋体" pitchFamily="2" charset="-122"/>
+                <a:cs typeface="+mn-cs"/>
+              </a:rPr>
+              <a:t>Documents</a:t>
+            </a:r>
+          </a:p>
+          <a:p>
+            <a:pPr marL="342900" indent="-342900" algn="l" rtl="0" eaLnBrk="0" fontAlgn="base" hangingPunct="0">
+              <a:lnSpc>
+                <a:spcPct val="100000"/>
+              </a:lnSpc>
+              <a:spcBef>
+                <a:spcPts val="0"/>
+              </a:spcBef>
+              <a:spcAft>
+                <a:spcPct val="0"/>
+              </a:spcAft>
+              <a:defRPr/>
+            </a:pPr>
+            <a:r>
+              <a:rPr lang="zh-CN" altLang="en-US" sz="1200" kern="1200" dirty="0" smtClean="0">
+                <a:solidFill>
+                  <a:schemeClr val="tx1"/>
+                </a:solidFill>
+                <a:latin typeface="Arial" charset="0"/>
+                <a:ea typeface="宋体" pitchFamily="2" charset="-122"/>
+                <a:cs typeface="+mn-cs"/>
+              </a:rPr>
+              <a:t>关联对象：</a:t>
+            </a:r>
+            <a:r>
+              <a:rPr lang="zh-CN" altLang="en-US" dirty="0" smtClean="0"/>
+              <a:t>组织 </a:t>
+            </a:r>
+            <a:r>
+              <a:rPr lang="en-US" altLang="zh-CN" dirty="0" smtClean="0"/>
+              <a:t>Organizations</a:t>
+            </a:r>
+            <a:r>
+              <a:rPr lang="zh-CN" altLang="en-US" dirty="0" smtClean="0"/>
+              <a:t>，人员 </a:t>
+            </a:r>
+            <a:r>
+              <a:rPr lang="en-US" altLang="zh-CN" dirty="0" smtClean="0"/>
+              <a:t>Persons</a:t>
+            </a:r>
+            <a:r>
+              <a:rPr lang="zh-CN" altLang="en-US" dirty="0" smtClean="0"/>
+              <a:t>，位置 </a:t>
+            </a:r>
+            <a:r>
+              <a:rPr lang="en-US" altLang="zh-CN" dirty="0" smtClean="0"/>
+              <a:t>Locations</a:t>
+            </a:r>
+            <a:r>
+              <a:rPr lang="zh-CN" altLang="en-US" dirty="0" smtClean="0"/>
+              <a:t>，项目 </a:t>
+            </a:r>
+            <a:r>
+              <a:rPr lang="en-US" altLang="zh-CN" dirty="0" smtClean="0"/>
+              <a:t>Projects</a:t>
+            </a:r>
+          </a:p>
+          <a:p>
+            <a:endParaRPr lang="zh-CN" altLang="en-US" dirty="0"/>
+          </a:p>
+        </p:txBody>
+      </p:sp>
+      <p:sp>
+        <p:nvSpPr>
+          <p:cNvPr id="4" name="灯片编号占位符 3"/>
+          <p:cNvSpPr>
+            <a:spLocks noGrp="1"/>
+          </p:cNvSpPr>
+          <p:nvPr>
+            <p:ph type="sldNum" sz="quarter" idx="10"/>
+          </p:nvPr>
+        </p:nvSpPr>
+        <p:spPr/>
+        <p:txBody>
+          <a:bodyPr/>
+          <a:lstStyle/>
+          <a:p>
+            <a:pPr>
+              <a:defRPr/>
+            </a:pPr>
+            <a:fld id="{2EB5D1A2-4651-480D-BF2A-BB6B2D54512F}" type="slidenum">
+              <a:rPr lang="en-US" altLang="zh-CN" smtClean="0"/>
+              <a:pPr>
+                <a:defRPr/>
+              </a:pPr>
+              <a:t>7</a:t>
+            </a:fld>
+            <a:endParaRPr lang="en-US" altLang="zh-CN"/>
           </a:p>
         </p:txBody>
       </p:sp>
     </p:spTree>
     <p:extLst>
       <p:ext uri="{BB962C8B-B14F-4D97-AF65-F5344CB8AC3E}">
-        <p14:creationId xmlns:p14="http://schemas.microsoft.com/office/powerpoint/2010/main" val="580669219"/>
+        <p14:creationId xmlns:p14="http://schemas.microsoft.com/office/powerpoint/2010/main" val="1451518195"/>
+      </p:ext>
+    </p:extLst>
+  </p:cSld>
+  <p:clrMapOvr>
+    <a:masterClrMapping/>
+  </p:clrMapOvr>
+</p:notes>
+</file>
+
+<file path=ppt/notesSlides/notesSlide8.xml><?xml version="1.0" encoding="utf-8"?>
+<p:notes xmlns:a="http://schemas.openxmlformats.org/drawingml/2006/main" xmlns:r="http://schemas.openxmlformats.org/officeDocument/2006/relationships" xmlns:p="http://schemas.openxmlformats.org/presentationml/2006/main">
+  <p:cSld>
+    <p:spTree>
+      <p:nvGrpSpPr>
+        <p:cNvPr id="1" name=""/>
+        <p:cNvGrpSpPr/>
+        <p:nvPr/>
+      </p:nvGrpSpPr>
+      <p:grpSpPr>
+        <a:xfrm>
+          <a:off x="0" y="0"/>
+          <a:ext cx="0" cy="0"/>
+          <a:chOff x="0" y="0"/>
+          <a:chExt cx="0" cy="0"/>
+        </a:xfrm>
+      </p:grpSpPr>
+      <p:sp>
+        <p:nvSpPr>
+          <p:cNvPr id="2" name="幻灯片图像占位符 1"/>
+          <p:cNvSpPr>
+            <a:spLocks noGrp="1" noRot="1" noChangeAspect="1"/>
+          </p:cNvSpPr>
+          <p:nvPr>
+            <p:ph type="sldImg"/>
+          </p:nvPr>
+        </p:nvSpPr>
+        <p:spPr/>
+      </p:sp>
+      <p:sp>
+        <p:nvSpPr>
+          <p:cNvPr id="3" name="备注占位符 2"/>
+          <p:cNvSpPr>
+            <a:spLocks noGrp="1"/>
+          </p:cNvSpPr>
+          <p:nvPr>
+            <p:ph type="body" idx="1"/>
+          </p:nvPr>
+        </p:nvSpPr>
+        <p:spPr/>
+        <p:txBody>
+          <a:bodyPr/>
+          <a:lstStyle/>
+          <a:p>
+            <a:pPr algn="l"/>
+            <a:r>
+              <a:rPr lang="en-US" altLang="zh-CN" sz="1200" dirty="0" smtClean="0">
+                <a:solidFill>
+                  <a:schemeClr val="tx1"/>
+                </a:solidFill>
+                <a:latin typeface="微软雅黑" pitchFamily="34" charset="-122"/>
+                <a:ea typeface="微软雅黑" pitchFamily="34" charset="-122"/>
+              </a:rPr>
+              <a:t>1. </a:t>
+            </a:r>
+            <a:r>
+              <a:rPr lang="zh-CN" altLang="en-US" sz="1200" dirty="0" smtClean="0">
+                <a:solidFill>
+                  <a:schemeClr val="tx1"/>
+                </a:solidFill>
+                <a:latin typeface="微软雅黑" pitchFamily="34" charset="-122"/>
+                <a:ea typeface="微软雅黑" pitchFamily="34" charset="-122"/>
+              </a:rPr>
+              <a:t>在道路设施管理中，有道路桥梁隧道等</a:t>
+            </a:r>
+            <a:r>
+              <a:rPr lang="en-US" altLang="zh-CN" sz="1200" dirty="0" smtClean="0">
+                <a:solidFill>
+                  <a:schemeClr val="tx1"/>
+                </a:solidFill>
+                <a:latin typeface="微软雅黑" pitchFamily="34" charset="-122"/>
+                <a:ea typeface="微软雅黑" pitchFamily="34" charset="-122"/>
+              </a:rPr>
+              <a:t>30</a:t>
+            </a:r>
+            <a:r>
+              <a:rPr lang="zh-CN" altLang="en-US" sz="1200" dirty="0" smtClean="0">
+                <a:solidFill>
+                  <a:schemeClr val="tx1"/>
+                </a:solidFill>
+                <a:latin typeface="微软雅黑" pitchFamily="34" charset="-122"/>
+                <a:ea typeface="微软雅黑" pitchFamily="34" charset="-122"/>
+              </a:rPr>
+              <a:t>多类设施，涉及子系统众多，这些系统都需要存取设施的信息；</a:t>
+            </a:r>
+            <a:endParaRPr lang="en-US" altLang="zh-CN" sz="1200" dirty="0" smtClean="0">
+              <a:solidFill>
+                <a:schemeClr val="tx1"/>
+              </a:solidFill>
+              <a:latin typeface="微软雅黑" pitchFamily="34" charset="-122"/>
+              <a:ea typeface="微软雅黑" pitchFamily="34" charset="-122"/>
+            </a:endParaRPr>
+          </a:p>
+          <a:p>
+            <a:pPr algn="l"/>
+            <a:r>
+              <a:rPr lang="en-US" altLang="zh-CN" sz="1200" dirty="0" smtClean="0">
+                <a:solidFill>
+                  <a:schemeClr val="tx1"/>
+                </a:solidFill>
+                <a:latin typeface="微软雅黑" pitchFamily="34" charset="-122"/>
+                <a:ea typeface="微软雅黑" pitchFamily="34" charset="-122"/>
+              </a:rPr>
+              <a:t>2. </a:t>
+            </a:r>
+            <a:r>
+              <a:rPr lang="zh-CN" altLang="en-US" sz="1200" dirty="0" smtClean="0">
+                <a:solidFill>
+                  <a:schemeClr val="tx1"/>
+                </a:solidFill>
+                <a:latin typeface="微软雅黑" pitchFamily="34" charset="-122"/>
+                <a:ea typeface="微软雅黑" pitchFamily="34" charset="-122"/>
+              </a:rPr>
+              <a:t>是资产信息管理系统的产品化中，需要支持多项目，同一资产的属性信息在不同项目中有所不同。</a:t>
+            </a:r>
+            <a:endParaRPr lang="zh-CN" altLang="en-US" sz="1200" dirty="0" smtClean="0"/>
+          </a:p>
+          <a:p>
+            <a:pPr marL="342900" indent="-342900" algn="l">
+              <a:buAutoNum type="arabicPeriod"/>
+            </a:pPr>
+            <a:endParaRPr lang="en-US" altLang="zh-CN" sz="1200" dirty="0" smtClean="0">
+              <a:solidFill>
+                <a:schemeClr val="tx1"/>
+              </a:solidFill>
+              <a:latin typeface="微软雅黑" pitchFamily="34" charset="-122"/>
+              <a:ea typeface="微软雅黑" pitchFamily="34" charset="-122"/>
+            </a:endParaRPr>
+          </a:p>
+          <a:p>
+            <a:pPr marL="342900" indent="-342900" algn="l">
+              <a:buAutoNum type="arabicPeriod"/>
+            </a:pPr>
+            <a:r>
+              <a:rPr lang="zh-CN" altLang="en-US" sz="1200" dirty="0" smtClean="0">
+                <a:solidFill>
+                  <a:schemeClr val="tx1"/>
+                </a:solidFill>
+                <a:latin typeface="微软雅黑" pitchFamily="34" charset="-122"/>
+                <a:ea typeface="微软雅黑" pitchFamily="34" charset="-122"/>
+              </a:rPr>
+              <a:t>每类设施建立一个基本表，建立一个或多个扩展表，基本表和扩展表通过主键连接，记录是</a:t>
+            </a:r>
+            <a:r>
+              <a:rPr lang="en-US" altLang="zh-CN" sz="1200" dirty="0" smtClean="0">
+                <a:solidFill>
+                  <a:schemeClr val="tx1"/>
+                </a:solidFill>
+                <a:latin typeface="微软雅黑" pitchFamily="34" charset="-122"/>
+                <a:ea typeface="微软雅黑" pitchFamily="34" charset="-122"/>
+              </a:rPr>
+              <a:t>1</a:t>
+            </a:r>
+            <a:r>
+              <a:rPr lang="zh-CN" altLang="en-US" sz="1200" dirty="0" smtClean="0">
+                <a:solidFill>
+                  <a:schemeClr val="tx1"/>
+                </a:solidFill>
+                <a:latin typeface="微软雅黑" pitchFamily="34" charset="-122"/>
+                <a:ea typeface="微软雅黑" pitchFamily="34" charset="-122"/>
+              </a:rPr>
+              <a:t>：</a:t>
+            </a:r>
+            <a:r>
+              <a:rPr lang="en-US" altLang="zh-CN" sz="1200" dirty="0" smtClean="0">
+                <a:solidFill>
+                  <a:schemeClr val="tx1"/>
+                </a:solidFill>
+                <a:latin typeface="微软雅黑" pitchFamily="34" charset="-122"/>
+                <a:ea typeface="微软雅黑" pitchFamily="34" charset="-122"/>
+              </a:rPr>
+              <a:t>1</a:t>
+            </a:r>
+            <a:r>
+              <a:rPr lang="zh-CN" altLang="en-US" sz="1200" dirty="0" smtClean="0">
+                <a:solidFill>
+                  <a:schemeClr val="tx1"/>
+                </a:solidFill>
+                <a:latin typeface="微软雅黑" pitchFamily="34" charset="-122"/>
+                <a:ea typeface="微软雅黑" pitchFamily="34" charset="-122"/>
+              </a:rPr>
+              <a:t>的；</a:t>
+            </a:r>
+            <a:endParaRPr lang="en-US" altLang="zh-CN" sz="1200" dirty="0" smtClean="0">
+              <a:solidFill>
+                <a:schemeClr val="tx1"/>
+              </a:solidFill>
+              <a:latin typeface="微软雅黑" pitchFamily="34" charset="-122"/>
+              <a:ea typeface="微软雅黑" pitchFamily="34" charset="-122"/>
+            </a:endParaRPr>
+          </a:p>
+          <a:p>
+            <a:pPr marL="342900" indent="-342900" algn="l">
+              <a:buAutoNum type="arabicPeriod"/>
+            </a:pPr>
+            <a:r>
+              <a:rPr lang="zh-CN" altLang="en-US" sz="1200" dirty="0" smtClean="0">
+                <a:solidFill>
+                  <a:schemeClr val="tx1"/>
+                </a:solidFill>
+                <a:latin typeface="微软雅黑" pitchFamily="34" charset="-122"/>
+                <a:ea typeface="微软雅黑" pitchFamily="34" charset="-122"/>
+              </a:rPr>
+              <a:t>把最基本的信息项作为基本表的字段；这些字段一般都可用于作为查询和统计条件进行查询；</a:t>
+            </a:r>
+            <a:endParaRPr lang="en-US" altLang="zh-CN" sz="1200" dirty="0" smtClean="0">
+              <a:solidFill>
+                <a:schemeClr val="tx1"/>
+              </a:solidFill>
+              <a:latin typeface="微软雅黑" pitchFamily="34" charset="-122"/>
+              <a:ea typeface="微软雅黑" pitchFamily="34" charset="-122"/>
+            </a:endParaRPr>
+          </a:p>
+          <a:p>
+            <a:pPr marL="342900" indent="-342900" algn="l">
+              <a:buAutoNum type="arabicPeriod"/>
+            </a:pPr>
+            <a:r>
+              <a:rPr lang="zh-CN" altLang="en-US" sz="1200" dirty="0" smtClean="0">
+                <a:solidFill>
+                  <a:schemeClr val="tx1"/>
+                </a:solidFill>
+                <a:latin typeface="微软雅黑" pitchFamily="34" charset="-122"/>
+                <a:ea typeface="微软雅黑" pitchFamily="34" charset="-122"/>
+              </a:rPr>
+              <a:t>其它信息项存储到扩展表，为实现可自定义字段和扩展字段，存储方案见后面讨论；</a:t>
+            </a:r>
+            <a:endParaRPr lang="en-US" altLang="zh-CN" sz="1200" dirty="0" smtClean="0">
+              <a:solidFill>
+                <a:schemeClr val="tx1"/>
+              </a:solidFill>
+              <a:latin typeface="微软雅黑" pitchFamily="34" charset="-122"/>
+              <a:ea typeface="微软雅黑" pitchFamily="34" charset="-122"/>
+            </a:endParaRPr>
+          </a:p>
+          <a:p>
+            <a:pPr marL="342900" indent="-342900" algn="l">
+              <a:buFontTx/>
+              <a:buAutoNum type="arabicPeriod"/>
+            </a:pPr>
+            <a:r>
+              <a:rPr lang="zh-CN" altLang="en-US" sz="1200" dirty="0" smtClean="0">
+                <a:solidFill>
+                  <a:schemeClr val="tx1"/>
+                </a:solidFill>
+                <a:latin typeface="微软雅黑" pitchFamily="34" charset="-122"/>
+                <a:ea typeface="微软雅黑" pitchFamily="34" charset="-122"/>
+              </a:rPr>
+              <a:t>作为显示需要，对字段分组；</a:t>
+            </a:r>
+            <a:endParaRPr lang="en-US" altLang="zh-CN" sz="1200" dirty="0" smtClean="0">
+              <a:solidFill>
+                <a:schemeClr val="tx1"/>
+              </a:solidFill>
+              <a:latin typeface="微软雅黑" pitchFamily="34" charset="-122"/>
+              <a:ea typeface="微软雅黑" pitchFamily="34" charset="-122"/>
+            </a:endParaRPr>
+          </a:p>
+          <a:p>
+            <a:endParaRPr lang="zh-CN" altLang="en-US" dirty="0"/>
+          </a:p>
+        </p:txBody>
+      </p:sp>
+      <p:sp>
+        <p:nvSpPr>
+          <p:cNvPr id="4" name="灯片编号占位符 3"/>
+          <p:cNvSpPr>
+            <a:spLocks noGrp="1"/>
+          </p:cNvSpPr>
+          <p:nvPr>
+            <p:ph type="sldNum" sz="quarter" idx="10"/>
+          </p:nvPr>
+        </p:nvSpPr>
+        <p:spPr/>
+        <p:txBody>
+          <a:bodyPr/>
+          <a:lstStyle/>
+          <a:p>
+            <a:pPr>
+              <a:defRPr/>
+            </a:pPr>
+            <a:fld id="{2EB5D1A2-4651-480D-BF2A-BB6B2D54512F}" type="slidenum">
+              <a:rPr lang="en-US" altLang="zh-CN" smtClean="0"/>
+              <a:pPr>
+                <a:defRPr/>
+              </a:pPr>
+              <a:t>8</a:t>
+            </a:fld>
+            <a:endParaRPr lang="en-US" altLang="zh-CN"/>
+          </a:p>
+        </p:txBody>
+      </p:sp>
+    </p:spTree>
+    <p:extLst>
+      <p:ext uri="{BB962C8B-B14F-4D97-AF65-F5344CB8AC3E}">
+        <p14:creationId xmlns:p14="http://schemas.microsoft.com/office/powerpoint/2010/main" val="3248563411"/>
+      </p:ext>
+    </p:extLst>
+  </p:cSld>
+  <p:clrMapOvr>
+    <a:masterClrMapping/>
+  </p:clrMapOvr>
+</p:notes>
+</file>
+
+<file path=ppt/notesSlides/notesSlide9.xml><?xml version="1.0" encoding="utf-8"?>
+<p:notes xmlns:a="http://schemas.openxmlformats.org/drawingml/2006/main" xmlns:r="http://schemas.openxmlformats.org/officeDocument/2006/relationships" xmlns:p="http://schemas.openxmlformats.org/presentationml/2006/main">
+  <p:cSld>
+    <p:spTree>
+      <p:nvGrpSpPr>
+        <p:cNvPr id="1" name=""/>
+        <p:cNvGrpSpPr/>
+        <p:nvPr/>
+      </p:nvGrpSpPr>
+      <p:grpSpPr>
+        <a:xfrm>
+          <a:off x="0" y="0"/>
+          <a:ext cx="0" cy="0"/>
+          <a:chOff x="0" y="0"/>
+          <a:chExt cx="0" cy="0"/>
+        </a:xfrm>
+      </p:grpSpPr>
+      <p:sp>
+        <p:nvSpPr>
+          <p:cNvPr id="2" name="幻灯片图像占位符 1"/>
+          <p:cNvSpPr>
+            <a:spLocks noGrp="1" noRot="1" noChangeAspect="1"/>
+          </p:cNvSpPr>
+          <p:nvPr>
+            <p:ph type="sldImg"/>
+          </p:nvPr>
+        </p:nvSpPr>
+        <p:spPr/>
+      </p:sp>
+      <p:sp>
+        <p:nvSpPr>
+          <p:cNvPr id="3" name="备注占位符 2"/>
+          <p:cNvSpPr>
+            <a:spLocks noGrp="1"/>
+          </p:cNvSpPr>
+          <p:nvPr>
+            <p:ph type="body" idx="1"/>
+          </p:nvPr>
+        </p:nvSpPr>
+        <p:spPr/>
+        <p:txBody>
+          <a:bodyPr/>
+          <a:lstStyle/>
+          <a:p>
+            <a:endParaRPr lang="zh-CN" altLang="en-US" dirty="0"/>
+          </a:p>
+        </p:txBody>
+      </p:sp>
+      <p:sp>
+        <p:nvSpPr>
+          <p:cNvPr id="4" name="灯片编号占位符 3"/>
+          <p:cNvSpPr>
+            <a:spLocks noGrp="1"/>
+          </p:cNvSpPr>
+          <p:nvPr>
+            <p:ph type="sldNum" sz="quarter" idx="10"/>
+          </p:nvPr>
+        </p:nvSpPr>
+        <p:spPr/>
+        <p:txBody>
+          <a:bodyPr/>
+          <a:lstStyle/>
+          <a:p>
+            <a:pPr>
+              <a:defRPr/>
+            </a:pPr>
+            <a:fld id="{2EB5D1A2-4651-480D-BF2A-BB6B2D54512F}" type="slidenum">
+              <a:rPr lang="en-US" altLang="zh-CN" smtClean="0"/>
+              <a:pPr>
+                <a:defRPr/>
+              </a:pPr>
+              <a:t>9</a:t>
+            </a:fld>
+            <a:endParaRPr lang="en-US" altLang="zh-CN"/>
+          </a:p>
+        </p:txBody>
+      </p:sp>
+    </p:spTree>
+    <p:extLst>
+      <p:ext uri="{BB962C8B-B14F-4D97-AF65-F5344CB8AC3E}">
+        <p14:creationId xmlns:p14="http://schemas.microsoft.com/office/powerpoint/2010/main" val="1905657114"/>
       </p:ext>
     </p:extLst>
   </p:cSld>
@@ -6420,25 +7113,7 @@
                 <a:latin typeface="黑体"/>
                 <a:ea typeface="黑体"/>
               </a:rPr>
-              <a:t>公路养护</a:t>
-            </a:r>
-            <a:r>
-              <a:rPr lang="zh-CN" altLang="en-US" sz="5400" b="1" kern="10" spc="50" dirty="0" smtClean="0">
-                <a:ln w="11430"/>
-                <a:solidFill>
-                  <a:srgbClr val="0066FF"/>
-                </a:solidFill>
-                <a:effectLst>
-                  <a:outerShdw blurRad="76200" dist="50800" dir="5400000" algn="tl" rotWithShape="0">
-                    <a:srgbClr val="000000">
-                      <a:alpha val="65000"/>
-                    </a:srgbClr>
-                  </a:outerShdw>
-                </a:effectLst>
-                <a:latin typeface="黑体"/>
-                <a:ea typeface="黑体"/>
-              </a:rPr>
-              <a:t>数据库设计思路</a:t>
+              <a:t>公路养护数据库设计思路</a:t>
             </a:r>
             <a:endParaRPr lang="zh-CN" altLang="en-US" sz="5400" b="1" kern="10" spc="50" dirty="0">
               <a:ln w="11430"/>
@@ -6478,2751 +7153,7 @@
 </p:sld>
 </file>
 
-<file path=ppt/slides/slide2.xml><?xml version="1.0" encoding="utf-8"?>
-<p:sld xmlns:a="http://schemas.openxmlformats.org/drawingml/2006/main" xmlns:r="http://schemas.openxmlformats.org/officeDocument/2006/relationships" xmlns:p="http://schemas.openxmlformats.org/presentationml/2006/main">
-  <p:cSld>
-    <p:spTree>
-      <p:nvGrpSpPr>
-        <p:cNvPr id="1" name=""/>
-        <p:cNvGrpSpPr/>
-        <p:nvPr/>
-      </p:nvGrpSpPr>
-      <p:grpSpPr>
-        <a:xfrm>
-          <a:off x="0" y="0"/>
-          <a:ext cx="0" cy="0"/>
-          <a:chOff x="0" y="0"/>
-          <a:chExt cx="0" cy="0"/>
-        </a:xfrm>
-      </p:grpSpPr>
-      <p:sp>
-        <p:nvSpPr>
-          <p:cNvPr id="7170" name="Rectangle 2"/>
-          <p:cNvSpPr>
-            <a:spLocks noGrp="1" noChangeArrowheads="1"/>
-          </p:cNvSpPr>
-          <p:nvPr>
-            <p:ph type="title" idx="4294967295"/>
-          </p:nvPr>
-        </p:nvSpPr>
-        <p:spPr>
-          <a:xfrm>
-            <a:off x="114672" y="333375"/>
-            <a:ext cx="5105400" cy="452438"/>
-          </a:xfrm>
-        </p:spPr>
-        <p:txBody>
-          <a:bodyPr/>
-          <a:lstStyle/>
-          <a:p>
-            <a:pPr eaLnBrk="1" hangingPunct="1"/>
-            <a:r>
-              <a:rPr lang="zh-CN" altLang="en-US" sz="2800" dirty="0" smtClean="0">
-                <a:solidFill>
-                  <a:srgbClr val="CC0000"/>
-                </a:solidFill>
-                <a:latin typeface="微软雅黑" pitchFamily="34" charset="-122"/>
-                <a:ea typeface="微软雅黑" pitchFamily="34" charset="-122"/>
-              </a:rPr>
-              <a:t>一、 </a:t>
-            </a:r>
-            <a:r>
-              <a:rPr lang="zh-CN" altLang="en-US" sz="2800" dirty="0" smtClean="0">
-                <a:solidFill>
-                  <a:srgbClr val="CC0000"/>
-                </a:solidFill>
-                <a:latin typeface="微软雅黑" pitchFamily="34" charset="-122"/>
-                <a:ea typeface="微软雅黑" pitchFamily="34" charset="-122"/>
-              </a:rPr>
-              <a:t>深高速养护系统</a:t>
-            </a:r>
-            <a:endParaRPr lang="zh-CN" altLang="en-US" sz="2800" dirty="0" smtClean="0">
-              <a:solidFill>
-                <a:srgbClr val="CC0000"/>
-              </a:solidFill>
-              <a:latin typeface="微软雅黑" pitchFamily="34" charset="-122"/>
-              <a:ea typeface="微软雅黑" pitchFamily="34" charset="-122"/>
-            </a:endParaRPr>
-          </a:p>
-        </p:txBody>
-      </p:sp>
-      <p:sp>
-        <p:nvSpPr>
-          <p:cNvPr id="4" name="内容占位符 2"/>
-          <p:cNvSpPr txBox="1">
-            <a:spLocks/>
-          </p:cNvSpPr>
-          <p:nvPr/>
-        </p:nvSpPr>
-        <p:spPr>
-          <a:xfrm>
-            <a:off x="539552" y="1196752"/>
-            <a:ext cx="7231445" cy="504056"/>
-          </a:xfrm>
-          <a:prstGeom prst="rect">
-            <a:avLst/>
-          </a:prstGeom>
-        </p:spPr>
-        <p:txBody>
-          <a:bodyPr>
-            <a:noAutofit/>
-          </a:bodyPr>
-          <a:lstStyle>
-            <a:lvl1pPr marL="342900" indent="-342900" algn="l" rtl="0" eaLnBrk="0" fontAlgn="base" hangingPunct="0">
-              <a:lnSpc>
-                <a:spcPct val="120000"/>
-              </a:lnSpc>
-              <a:spcBef>
-                <a:spcPct val="20000"/>
-              </a:spcBef>
-              <a:spcAft>
-                <a:spcPct val="0"/>
-              </a:spcAft>
-              <a:buClr>
-                <a:schemeClr val="accent2"/>
-              </a:buClr>
-              <a:buChar char="•"/>
-              <a:defRPr sz="2000" b="1">
-                <a:solidFill>
-                  <a:schemeClr val="tx1"/>
-                </a:solidFill>
-                <a:latin typeface="+mn-lt"/>
-                <a:ea typeface="+mn-ea"/>
-                <a:cs typeface="+mn-cs"/>
-              </a:defRPr>
-            </a:lvl1pPr>
-            <a:lvl2pPr marL="742950" indent="-285750" algn="l" rtl="0" eaLnBrk="0" fontAlgn="base" hangingPunct="0">
-              <a:lnSpc>
-                <a:spcPct val="120000"/>
-              </a:lnSpc>
-              <a:spcBef>
-                <a:spcPct val="20000"/>
-              </a:spcBef>
-              <a:spcAft>
-                <a:spcPct val="0"/>
-              </a:spcAft>
-              <a:buClr>
-                <a:schemeClr val="accent2"/>
-              </a:buClr>
-              <a:buSzPct val="80000"/>
-              <a:buFont typeface="Wingdings" pitchFamily="2" charset="2"/>
-              <a:buChar char="p"/>
-              <a:defRPr sz="2400" b="1">
-                <a:solidFill>
-                  <a:schemeClr val="tx1"/>
-                </a:solidFill>
-                <a:latin typeface="+mn-lt"/>
-                <a:ea typeface="+mn-ea"/>
-              </a:defRPr>
-            </a:lvl2pPr>
-            <a:lvl3pPr marL="1143000" indent="-228600" algn="l" rtl="0" eaLnBrk="0" fontAlgn="base" hangingPunct="0">
-              <a:lnSpc>
-                <a:spcPct val="120000"/>
-              </a:lnSpc>
-              <a:spcBef>
-                <a:spcPct val="20000"/>
-              </a:spcBef>
-              <a:spcAft>
-                <a:spcPct val="0"/>
-              </a:spcAft>
-              <a:buClr>
-                <a:schemeClr val="accent2"/>
-              </a:buClr>
-              <a:buSzPct val="60000"/>
-              <a:buFont typeface="Wingdings" pitchFamily="2" charset="2"/>
-              <a:buChar char="n"/>
-              <a:defRPr sz="2000" b="1">
-                <a:solidFill>
-                  <a:schemeClr val="tx1"/>
-                </a:solidFill>
-                <a:latin typeface="+mn-lt"/>
-                <a:ea typeface="+mn-ea"/>
-              </a:defRPr>
-            </a:lvl3pPr>
-            <a:lvl4pPr marL="1600200" indent="-228600" algn="l" rtl="0" eaLnBrk="0" fontAlgn="base" hangingPunct="0">
-              <a:lnSpc>
-                <a:spcPct val="120000"/>
-              </a:lnSpc>
-              <a:spcBef>
-                <a:spcPct val="20000"/>
-              </a:spcBef>
-              <a:spcAft>
-                <a:spcPct val="0"/>
-              </a:spcAft>
-              <a:buClr>
-                <a:schemeClr val="accent2"/>
-              </a:buClr>
-              <a:buFont typeface="Arial" charset="0"/>
-              <a:buChar char="–"/>
-              <a:defRPr sz="1600" b="1">
-                <a:solidFill>
-                  <a:schemeClr val="tx1"/>
-                </a:solidFill>
-                <a:latin typeface="+mn-lt"/>
-                <a:ea typeface="+mn-ea"/>
-              </a:defRPr>
-            </a:lvl4pPr>
-            <a:lvl5pPr marL="2057400" indent="-228600" algn="l" rtl="0" eaLnBrk="0" fontAlgn="base" hangingPunct="0">
-              <a:lnSpc>
-                <a:spcPct val="120000"/>
-              </a:lnSpc>
-              <a:spcBef>
-                <a:spcPct val="20000"/>
-              </a:spcBef>
-              <a:spcAft>
-                <a:spcPct val="0"/>
-              </a:spcAft>
-              <a:buClr>
-                <a:schemeClr val="accent2"/>
-              </a:buClr>
-              <a:buFont typeface="Arial" charset="0"/>
-              <a:buChar char="»"/>
-              <a:defRPr sz="1400" b="1">
-                <a:solidFill>
-                  <a:schemeClr val="tx1"/>
-                </a:solidFill>
-                <a:latin typeface="+mn-lt"/>
-                <a:ea typeface="+mn-ea"/>
-              </a:defRPr>
-            </a:lvl5pPr>
-            <a:lvl6pPr marL="2514600" indent="-228600" algn="l" rtl="0" fontAlgn="base">
-              <a:lnSpc>
-                <a:spcPct val="120000"/>
-              </a:lnSpc>
-              <a:spcBef>
-                <a:spcPct val="20000"/>
-              </a:spcBef>
-              <a:spcAft>
-                <a:spcPct val="0"/>
-              </a:spcAft>
-              <a:buClr>
-                <a:schemeClr val="accent2"/>
-              </a:buClr>
-              <a:buFont typeface="Arial" pitchFamily="34" charset="0"/>
-              <a:buChar char="»"/>
-              <a:defRPr sz="1400" b="1">
-                <a:solidFill>
-                  <a:schemeClr val="tx1"/>
-                </a:solidFill>
-                <a:latin typeface="+mn-lt"/>
-                <a:ea typeface="+mn-ea"/>
-              </a:defRPr>
-            </a:lvl6pPr>
-            <a:lvl7pPr marL="2971800" indent="-228600" algn="l" rtl="0" fontAlgn="base">
-              <a:lnSpc>
-                <a:spcPct val="120000"/>
-              </a:lnSpc>
-              <a:spcBef>
-                <a:spcPct val="20000"/>
-              </a:spcBef>
-              <a:spcAft>
-                <a:spcPct val="0"/>
-              </a:spcAft>
-              <a:buClr>
-                <a:schemeClr val="accent2"/>
-              </a:buClr>
-              <a:buFont typeface="Arial" pitchFamily="34" charset="0"/>
-              <a:buChar char="»"/>
-              <a:defRPr sz="1400" b="1">
-                <a:solidFill>
-                  <a:schemeClr val="tx1"/>
-                </a:solidFill>
-                <a:latin typeface="+mn-lt"/>
-                <a:ea typeface="+mn-ea"/>
-              </a:defRPr>
-            </a:lvl7pPr>
-            <a:lvl8pPr marL="3429000" indent="-228600" algn="l" rtl="0" fontAlgn="base">
-              <a:lnSpc>
-                <a:spcPct val="120000"/>
-              </a:lnSpc>
-              <a:spcBef>
-                <a:spcPct val="20000"/>
-              </a:spcBef>
-              <a:spcAft>
-                <a:spcPct val="0"/>
-              </a:spcAft>
-              <a:buClr>
-                <a:schemeClr val="accent2"/>
-              </a:buClr>
-              <a:buFont typeface="Arial" pitchFamily="34" charset="0"/>
-              <a:buChar char="»"/>
-              <a:defRPr sz="1400" b="1">
-                <a:solidFill>
-                  <a:schemeClr val="tx1"/>
-                </a:solidFill>
-                <a:latin typeface="+mn-lt"/>
-                <a:ea typeface="+mn-ea"/>
-              </a:defRPr>
-            </a:lvl8pPr>
-            <a:lvl9pPr marL="3886200" indent="-228600" algn="l" rtl="0" fontAlgn="base">
-              <a:lnSpc>
-                <a:spcPct val="120000"/>
-              </a:lnSpc>
-              <a:spcBef>
-                <a:spcPct val="20000"/>
-              </a:spcBef>
-              <a:spcAft>
-                <a:spcPct val="0"/>
-              </a:spcAft>
-              <a:buClr>
-                <a:schemeClr val="accent2"/>
-              </a:buClr>
-              <a:buFont typeface="Arial" pitchFamily="34" charset="0"/>
-              <a:buChar char="»"/>
-              <a:defRPr sz="1400" b="1">
-                <a:solidFill>
-                  <a:schemeClr val="tx1"/>
-                </a:solidFill>
-                <a:latin typeface="+mn-lt"/>
-                <a:ea typeface="+mn-ea"/>
-              </a:defRPr>
-            </a:lvl9pPr>
-          </a:lstStyle>
-          <a:p>
-            <a:pPr marL="0" indent="0">
-              <a:buNone/>
-            </a:pPr>
-            <a:r>
-              <a:rPr lang="en-US" altLang="zh-CN" sz="2400" b="0" kern="0" dirty="0" smtClean="0">
-                <a:latin typeface="微软雅黑" panose="020B0503020204020204" pitchFamily="34" charset="-122"/>
-                <a:ea typeface="微软雅黑" panose="020B0503020204020204" pitchFamily="34" charset="-122"/>
-              </a:rPr>
-              <a:t>1. </a:t>
-            </a:r>
-            <a:r>
-              <a:rPr lang="zh-CN" altLang="en-US" sz="2400" b="0" kern="0" dirty="0" smtClean="0">
-                <a:latin typeface="微软雅黑" panose="020B0503020204020204" pitchFamily="34" charset="-122"/>
-                <a:ea typeface="微软雅黑" panose="020B0503020204020204" pitchFamily="34" charset="-122"/>
-              </a:rPr>
-              <a:t>现 状</a:t>
-            </a:r>
-            <a:endParaRPr lang="en-US" altLang="zh-CN" sz="2400" b="0" kern="0" dirty="0">
-              <a:latin typeface="微软雅黑" panose="020B0503020204020204" pitchFamily="34" charset="-122"/>
-              <a:ea typeface="微软雅黑" panose="020B0503020204020204" pitchFamily="34" charset="-122"/>
-            </a:endParaRPr>
-          </a:p>
-        </p:txBody>
-      </p:sp>
-    </p:spTree>
-    <p:extLst>
-      <p:ext uri="{BB962C8B-B14F-4D97-AF65-F5344CB8AC3E}">
-        <p14:creationId xmlns:p14="http://schemas.microsoft.com/office/powerpoint/2010/main" val="3154683058"/>
-      </p:ext>
-    </p:extLst>
-  </p:cSld>
-  <p:clrMapOvr>
-    <a:masterClrMapping/>
-  </p:clrMapOvr>
-  <p:transition spd="slow">
-    <p:fade/>
-  </p:transition>
-  <p:timing>
-    <p:tnLst>
-      <p:par>
-        <p:cTn id="1" dur="indefinite" restart="never" nodeType="tmRoot"/>
-      </p:par>
-    </p:tnLst>
-  </p:timing>
-</p:sld>
-</file>
-
-<file path=ppt/slides/slide3.xml><?xml version="1.0" encoding="utf-8"?>
-<p:sld xmlns:a="http://schemas.openxmlformats.org/drawingml/2006/main" xmlns:r="http://schemas.openxmlformats.org/officeDocument/2006/relationships" xmlns:p="http://schemas.openxmlformats.org/presentationml/2006/main">
-  <p:cSld>
-    <p:spTree>
-      <p:nvGrpSpPr>
-        <p:cNvPr id="1" name=""/>
-        <p:cNvGrpSpPr/>
-        <p:nvPr/>
-      </p:nvGrpSpPr>
-      <p:grpSpPr>
-        <a:xfrm>
-          <a:off x="0" y="0"/>
-          <a:ext cx="0" cy="0"/>
-          <a:chOff x="0" y="0"/>
-          <a:chExt cx="0" cy="0"/>
-        </a:xfrm>
-      </p:grpSpPr>
-      <p:sp>
-        <p:nvSpPr>
-          <p:cNvPr id="7170" name="Rectangle 2"/>
-          <p:cNvSpPr>
-            <a:spLocks noGrp="1" noChangeArrowheads="1"/>
-          </p:cNvSpPr>
-          <p:nvPr>
-            <p:ph type="title" idx="4294967295"/>
-          </p:nvPr>
-        </p:nvSpPr>
-        <p:spPr>
-          <a:xfrm>
-            <a:off x="114672" y="333375"/>
-            <a:ext cx="5105400" cy="452438"/>
-          </a:xfrm>
-        </p:spPr>
-        <p:txBody>
-          <a:bodyPr/>
-          <a:lstStyle/>
-          <a:p>
-            <a:pPr eaLnBrk="1" hangingPunct="1"/>
-            <a:r>
-              <a:rPr lang="zh-CN" altLang="en-US" sz="2800" dirty="0" smtClean="0">
-                <a:solidFill>
-                  <a:srgbClr val="CC0000"/>
-                </a:solidFill>
-                <a:latin typeface="微软雅黑" pitchFamily="34" charset="-122"/>
-                <a:ea typeface="微软雅黑" pitchFamily="34" charset="-122"/>
-              </a:rPr>
-              <a:t>一、 </a:t>
-            </a:r>
-            <a:r>
-              <a:rPr lang="zh-CN" altLang="en-US" sz="2800" dirty="0" smtClean="0">
-                <a:solidFill>
-                  <a:srgbClr val="CC0000"/>
-                </a:solidFill>
-                <a:latin typeface="微软雅黑" pitchFamily="34" charset="-122"/>
-                <a:ea typeface="微软雅黑" pitchFamily="34" charset="-122"/>
-              </a:rPr>
-              <a:t>深高速养护系统</a:t>
-            </a:r>
-            <a:endParaRPr lang="zh-CN" altLang="en-US" sz="2800" dirty="0" smtClean="0">
-              <a:solidFill>
-                <a:srgbClr val="CC0000"/>
-              </a:solidFill>
-              <a:latin typeface="微软雅黑" pitchFamily="34" charset="-122"/>
-              <a:ea typeface="微软雅黑" pitchFamily="34" charset="-122"/>
-            </a:endParaRPr>
-          </a:p>
-        </p:txBody>
-      </p:sp>
-      <p:sp>
-        <p:nvSpPr>
-          <p:cNvPr id="4" name="内容占位符 2"/>
-          <p:cNvSpPr txBox="1">
-            <a:spLocks/>
-          </p:cNvSpPr>
-          <p:nvPr/>
-        </p:nvSpPr>
-        <p:spPr>
-          <a:xfrm>
-            <a:off x="539552" y="1196752"/>
-            <a:ext cx="7231445" cy="504056"/>
-          </a:xfrm>
-          <a:prstGeom prst="rect">
-            <a:avLst/>
-          </a:prstGeom>
-        </p:spPr>
-        <p:txBody>
-          <a:bodyPr>
-            <a:noAutofit/>
-          </a:bodyPr>
-          <a:lstStyle>
-            <a:lvl1pPr marL="342900" indent="-342900" algn="l" rtl="0" eaLnBrk="0" fontAlgn="base" hangingPunct="0">
-              <a:lnSpc>
-                <a:spcPct val="120000"/>
-              </a:lnSpc>
-              <a:spcBef>
-                <a:spcPct val="20000"/>
-              </a:spcBef>
-              <a:spcAft>
-                <a:spcPct val="0"/>
-              </a:spcAft>
-              <a:buClr>
-                <a:schemeClr val="accent2"/>
-              </a:buClr>
-              <a:buChar char="•"/>
-              <a:defRPr sz="2000" b="1">
-                <a:solidFill>
-                  <a:schemeClr val="tx1"/>
-                </a:solidFill>
-                <a:latin typeface="+mn-lt"/>
-                <a:ea typeface="+mn-ea"/>
-                <a:cs typeface="+mn-cs"/>
-              </a:defRPr>
-            </a:lvl1pPr>
-            <a:lvl2pPr marL="742950" indent="-285750" algn="l" rtl="0" eaLnBrk="0" fontAlgn="base" hangingPunct="0">
-              <a:lnSpc>
-                <a:spcPct val="120000"/>
-              </a:lnSpc>
-              <a:spcBef>
-                <a:spcPct val="20000"/>
-              </a:spcBef>
-              <a:spcAft>
-                <a:spcPct val="0"/>
-              </a:spcAft>
-              <a:buClr>
-                <a:schemeClr val="accent2"/>
-              </a:buClr>
-              <a:buSzPct val="80000"/>
-              <a:buFont typeface="Wingdings" pitchFamily="2" charset="2"/>
-              <a:buChar char="p"/>
-              <a:defRPr sz="2400" b="1">
-                <a:solidFill>
-                  <a:schemeClr val="tx1"/>
-                </a:solidFill>
-                <a:latin typeface="+mn-lt"/>
-                <a:ea typeface="+mn-ea"/>
-              </a:defRPr>
-            </a:lvl2pPr>
-            <a:lvl3pPr marL="1143000" indent="-228600" algn="l" rtl="0" eaLnBrk="0" fontAlgn="base" hangingPunct="0">
-              <a:lnSpc>
-                <a:spcPct val="120000"/>
-              </a:lnSpc>
-              <a:spcBef>
-                <a:spcPct val="20000"/>
-              </a:spcBef>
-              <a:spcAft>
-                <a:spcPct val="0"/>
-              </a:spcAft>
-              <a:buClr>
-                <a:schemeClr val="accent2"/>
-              </a:buClr>
-              <a:buSzPct val="60000"/>
-              <a:buFont typeface="Wingdings" pitchFamily="2" charset="2"/>
-              <a:buChar char="n"/>
-              <a:defRPr sz="2000" b="1">
-                <a:solidFill>
-                  <a:schemeClr val="tx1"/>
-                </a:solidFill>
-                <a:latin typeface="+mn-lt"/>
-                <a:ea typeface="+mn-ea"/>
-              </a:defRPr>
-            </a:lvl3pPr>
-            <a:lvl4pPr marL="1600200" indent="-228600" algn="l" rtl="0" eaLnBrk="0" fontAlgn="base" hangingPunct="0">
-              <a:lnSpc>
-                <a:spcPct val="120000"/>
-              </a:lnSpc>
-              <a:spcBef>
-                <a:spcPct val="20000"/>
-              </a:spcBef>
-              <a:spcAft>
-                <a:spcPct val="0"/>
-              </a:spcAft>
-              <a:buClr>
-                <a:schemeClr val="accent2"/>
-              </a:buClr>
-              <a:buFont typeface="Arial" charset="0"/>
-              <a:buChar char="–"/>
-              <a:defRPr sz="1600" b="1">
-                <a:solidFill>
-                  <a:schemeClr val="tx1"/>
-                </a:solidFill>
-                <a:latin typeface="+mn-lt"/>
-                <a:ea typeface="+mn-ea"/>
-              </a:defRPr>
-            </a:lvl4pPr>
-            <a:lvl5pPr marL="2057400" indent="-228600" algn="l" rtl="0" eaLnBrk="0" fontAlgn="base" hangingPunct="0">
-              <a:lnSpc>
-                <a:spcPct val="120000"/>
-              </a:lnSpc>
-              <a:spcBef>
-                <a:spcPct val="20000"/>
-              </a:spcBef>
-              <a:spcAft>
-                <a:spcPct val="0"/>
-              </a:spcAft>
-              <a:buClr>
-                <a:schemeClr val="accent2"/>
-              </a:buClr>
-              <a:buFont typeface="Arial" charset="0"/>
-              <a:buChar char="»"/>
-              <a:defRPr sz="1400" b="1">
-                <a:solidFill>
-                  <a:schemeClr val="tx1"/>
-                </a:solidFill>
-                <a:latin typeface="+mn-lt"/>
-                <a:ea typeface="+mn-ea"/>
-              </a:defRPr>
-            </a:lvl5pPr>
-            <a:lvl6pPr marL="2514600" indent="-228600" algn="l" rtl="0" fontAlgn="base">
-              <a:lnSpc>
-                <a:spcPct val="120000"/>
-              </a:lnSpc>
-              <a:spcBef>
-                <a:spcPct val="20000"/>
-              </a:spcBef>
-              <a:spcAft>
-                <a:spcPct val="0"/>
-              </a:spcAft>
-              <a:buClr>
-                <a:schemeClr val="accent2"/>
-              </a:buClr>
-              <a:buFont typeface="Arial" pitchFamily="34" charset="0"/>
-              <a:buChar char="»"/>
-              <a:defRPr sz="1400" b="1">
-                <a:solidFill>
-                  <a:schemeClr val="tx1"/>
-                </a:solidFill>
-                <a:latin typeface="+mn-lt"/>
-                <a:ea typeface="+mn-ea"/>
-              </a:defRPr>
-            </a:lvl6pPr>
-            <a:lvl7pPr marL="2971800" indent="-228600" algn="l" rtl="0" fontAlgn="base">
-              <a:lnSpc>
-                <a:spcPct val="120000"/>
-              </a:lnSpc>
-              <a:spcBef>
-                <a:spcPct val="20000"/>
-              </a:spcBef>
-              <a:spcAft>
-                <a:spcPct val="0"/>
-              </a:spcAft>
-              <a:buClr>
-                <a:schemeClr val="accent2"/>
-              </a:buClr>
-              <a:buFont typeface="Arial" pitchFamily="34" charset="0"/>
-              <a:buChar char="»"/>
-              <a:defRPr sz="1400" b="1">
-                <a:solidFill>
-                  <a:schemeClr val="tx1"/>
-                </a:solidFill>
-                <a:latin typeface="+mn-lt"/>
-                <a:ea typeface="+mn-ea"/>
-              </a:defRPr>
-            </a:lvl7pPr>
-            <a:lvl8pPr marL="3429000" indent="-228600" algn="l" rtl="0" fontAlgn="base">
-              <a:lnSpc>
-                <a:spcPct val="120000"/>
-              </a:lnSpc>
-              <a:spcBef>
-                <a:spcPct val="20000"/>
-              </a:spcBef>
-              <a:spcAft>
-                <a:spcPct val="0"/>
-              </a:spcAft>
-              <a:buClr>
-                <a:schemeClr val="accent2"/>
-              </a:buClr>
-              <a:buFont typeface="Arial" pitchFamily="34" charset="0"/>
-              <a:buChar char="»"/>
-              <a:defRPr sz="1400" b="1">
-                <a:solidFill>
-                  <a:schemeClr val="tx1"/>
-                </a:solidFill>
-                <a:latin typeface="+mn-lt"/>
-                <a:ea typeface="+mn-ea"/>
-              </a:defRPr>
-            </a:lvl8pPr>
-            <a:lvl9pPr marL="3886200" indent="-228600" algn="l" rtl="0" fontAlgn="base">
-              <a:lnSpc>
-                <a:spcPct val="120000"/>
-              </a:lnSpc>
-              <a:spcBef>
-                <a:spcPct val="20000"/>
-              </a:spcBef>
-              <a:spcAft>
-                <a:spcPct val="0"/>
-              </a:spcAft>
-              <a:buClr>
-                <a:schemeClr val="accent2"/>
-              </a:buClr>
-              <a:buFont typeface="Arial" pitchFamily="34" charset="0"/>
-              <a:buChar char="»"/>
-              <a:defRPr sz="1400" b="1">
-                <a:solidFill>
-                  <a:schemeClr val="tx1"/>
-                </a:solidFill>
-                <a:latin typeface="+mn-lt"/>
-                <a:ea typeface="+mn-ea"/>
-              </a:defRPr>
-            </a:lvl9pPr>
-          </a:lstStyle>
-          <a:p>
-            <a:pPr marL="0" indent="0">
-              <a:buNone/>
-            </a:pPr>
-            <a:r>
-              <a:rPr lang="en-US" altLang="zh-CN" sz="2400" b="0" kern="0" dirty="0" smtClean="0">
-                <a:latin typeface="微软雅黑" panose="020B0503020204020204" pitchFamily="34" charset="-122"/>
-                <a:ea typeface="微软雅黑" panose="020B0503020204020204" pitchFamily="34" charset="-122"/>
-              </a:rPr>
-              <a:t>2. </a:t>
-            </a:r>
-            <a:r>
-              <a:rPr lang="zh-CN" altLang="en-US" sz="2400" b="0" kern="0" dirty="0" smtClean="0">
-                <a:latin typeface="微软雅黑" panose="020B0503020204020204" pitchFamily="34" charset="-122"/>
-                <a:ea typeface="微软雅黑" panose="020B0503020204020204" pitchFamily="34" charset="-122"/>
-              </a:rPr>
-              <a:t>存在问题</a:t>
-            </a:r>
-            <a:endParaRPr lang="en-US" altLang="zh-CN" sz="2400" b="0" kern="0" dirty="0">
-              <a:latin typeface="微软雅黑" panose="020B0503020204020204" pitchFamily="34" charset="-122"/>
-              <a:ea typeface="微软雅黑" panose="020B0503020204020204" pitchFamily="34" charset="-122"/>
-            </a:endParaRPr>
-          </a:p>
-        </p:txBody>
-      </p:sp>
-    </p:spTree>
-    <p:extLst>
-      <p:ext uri="{BB962C8B-B14F-4D97-AF65-F5344CB8AC3E}">
-        <p14:creationId xmlns:p14="http://schemas.microsoft.com/office/powerpoint/2010/main" val="2846577582"/>
-      </p:ext>
-    </p:extLst>
-  </p:cSld>
-  <p:clrMapOvr>
-    <a:masterClrMapping/>
-  </p:clrMapOvr>
-  <p:transition spd="slow">
-    <p:fade/>
-  </p:transition>
-  <p:timing>
-    <p:tnLst>
-      <p:par>
-        <p:cTn id="1" dur="indefinite" restart="never" nodeType="tmRoot"/>
-      </p:par>
-    </p:tnLst>
-  </p:timing>
-</p:sld>
-</file>
-
-<file path=ppt/slides/slide4.xml><?xml version="1.0" encoding="utf-8"?>
-<p:sld xmlns:a="http://schemas.openxmlformats.org/drawingml/2006/main" xmlns:r="http://schemas.openxmlformats.org/officeDocument/2006/relationships" xmlns:p="http://schemas.openxmlformats.org/presentationml/2006/main">
-  <p:cSld>
-    <p:spTree>
-      <p:nvGrpSpPr>
-        <p:cNvPr id="1" name=""/>
-        <p:cNvGrpSpPr/>
-        <p:nvPr/>
-      </p:nvGrpSpPr>
-      <p:grpSpPr>
-        <a:xfrm>
-          <a:off x="0" y="0"/>
-          <a:ext cx="0" cy="0"/>
-          <a:chOff x="0" y="0"/>
-          <a:chExt cx="0" cy="0"/>
-        </a:xfrm>
-      </p:grpSpPr>
-      <p:sp>
-        <p:nvSpPr>
-          <p:cNvPr id="7170" name="Rectangle 2"/>
-          <p:cNvSpPr>
-            <a:spLocks noGrp="1" noChangeArrowheads="1"/>
-          </p:cNvSpPr>
-          <p:nvPr>
-            <p:ph type="title" idx="4294967295"/>
-          </p:nvPr>
-        </p:nvSpPr>
-        <p:spPr>
-          <a:xfrm>
-            <a:off x="114672" y="333375"/>
-            <a:ext cx="5321424" cy="452438"/>
-          </a:xfrm>
-        </p:spPr>
-        <p:txBody>
-          <a:bodyPr/>
-          <a:lstStyle/>
-          <a:p>
-            <a:pPr eaLnBrk="1" hangingPunct="1"/>
-            <a:r>
-              <a:rPr lang="zh-CN" altLang="en-US" sz="2800" dirty="0">
-                <a:solidFill>
-                  <a:srgbClr val="CC0000"/>
-                </a:solidFill>
-                <a:latin typeface="微软雅黑" pitchFamily="34" charset="-122"/>
-                <a:ea typeface="微软雅黑" pitchFamily="34" charset="-122"/>
-              </a:rPr>
-              <a:t>二、 产品化数据库设计思路</a:t>
-            </a:r>
-            <a:endParaRPr lang="zh-CN" altLang="en-US" sz="2800" dirty="0" smtClean="0">
-              <a:solidFill>
-                <a:srgbClr val="CC0000"/>
-              </a:solidFill>
-              <a:latin typeface="微软雅黑" pitchFamily="34" charset="-122"/>
-              <a:ea typeface="微软雅黑" pitchFamily="34" charset="-122"/>
-            </a:endParaRPr>
-          </a:p>
-        </p:txBody>
-      </p:sp>
-      <p:sp>
-        <p:nvSpPr>
-          <p:cNvPr id="4" name="内容占位符 2"/>
-          <p:cNvSpPr txBox="1">
-            <a:spLocks/>
-          </p:cNvSpPr>
-          <p:nvPr/>
-        </p:nvSpPr>
-        <p:spPr>
-          <a:xfrm>
-            <a:off x="539552" y="1196752"/>
-            <a:ext cx="7231445" cy="504056"/>
-          </a:xfrm>
-          <a:prstGeom prst="rect">
-            <a:avLst/>
-          </a:prstGeom>
-        </p:spPr>
-        <p:txBody>
-          <a:bodyPr>
-            <a:noAutofit/>
-          </a:bodyPr>
-          <a:lstStyle>
-            <a:lvl1pPr marL="342900" indent="-342900" algn="l" rtl="0" eaLnBrk="0" fontAlgn="base" hangingPunct="0">
-              <a:lnSpc>
-                <a:spcPct val="120000"/>
-              </a:lnSpc>
-              <a:spcBef>
-                <a:spcPct val="20000"/>
-              </a:spcBef>
-              <a:spcAft>
-                <a:spcPct val="0"/>
-              </a:spcAft>
-              <a:buClr>
-                <a:schemeClr val="accent2"/>
-              </a:buClr>
-              <a:buChar char="•"/>
-              <a:defRPr sz="2000" b="1">
-                <a:solidFill>
-                  <a:schemeClr val="tx1"/>
-                </a:solidFill>
-                <a:latin typeface="+mn-lt"/>
-                <a:ea typeface="+mn-ea"/>
-                <a:cs typeface="+mn-cs"/>
-              </a:defRPr>
-            </a:lvl1pPr>
-            <a:lvl2pPr marL="742950" indent="-285750" algn="l" rtl="0" eaLnBrk="0" fontAlgn="base" hangingPunct="0">
-              <a:lnSpc>
-                <a:spcPct val="120000"/>
-              </a:lnSpc>
-              <a:spcBef>
-                <a:spcPct val="20000"/>
-              </a:spcBef>
-              <a:spcAft>
-                <a:spcPct val="0"/>
-              </a:spcAft>
-              <a:buClr>
-                <a:schemeClr val="accent2"/>
-              </a:buClr>
-              <a:buSzPct val="80000"/>
-              <a:buFont typeface="Wingdings" pitchFamily="2" charset="2"/>
-              <a:buChar char="p"/>
-              <a:defRPr sz="2400" b="1">
-                <a:solidFill>
-                  <a:schemeClr val="tx1"/>
-                </a:solidFill>
-                <a:latin typeface="+mn-lt"/>
-                <a:ea typeface="+mn-ea"/>
-              </a:defRPr>
-            </a:lvl2pPr>
-            <a:lvl3pPr marL="1143000" indent="-228600" algn="l" rtl="0" eaLnBrk="0" fontAlgn="base" hangingPunct="0">
-              <a:lnSpc>
-                <a:spcPct val="120000"/>
-              </a:lnSpc>
-              <a:spcBef>
-                <a:spcPct val="20000"/>
-              </a:spcBef>
-              <a:spcAft>
-                <a:spcPct val="0"/>
-              </a:spcAft>
-              <a:buClr>
-                <a:schemeClr val="accent2"/>
-              </a:buClr>
-              <a:buSzPct val="60000"/>
-              <a:buFont typeface="Wingdings" pitchFamily="2" charset="2"/>
-              <a:buChar char="n"/>
-              <a:defRPr sz="2000" b="1">
-                <a:solidFill>
-                  <a:schemeClr val="tx1"/>
-                </a:solidFill>
-                <a:latin typeface="+mn-lt"/>
-                <a:ea typeface="+mn-ea"/>
-              </a:defRPr>
-            </a:lvl3pPr>
-            <a:lvl4pPr marL="1600200" indent="-228600" algn="l" rtl="0" eaLnBrk="0" fontAlgn="base" hangingPunct="0">
-              <a:lnSpc>
-                <a:spcPct val="120000"/>
-              </a:lnSpc>
-              <a:spcBef>
-                <a:spcPct val="20000"/>
-              </a:spcBef>
-              <a:spcAft>
-                <a:spcPct val="0"/>
-              </a:spcAft>
-              <a:buClr>
-                <a:schemeClr val="accent2"/>
-              </a:buClr>
-              <a:buFont typeface="Arial" charset="0"/>
-              <a:buChar char="–"/>
-              <a:defRPr sz="1600" b="1">
-                <a:solidFill>
-                  <a:schemeClr val="tx1"/>
-                </a:solidFill>
-                <a:latin typeface="+mn-lt"/>
-                <a:ea typeface="+mn-ea"/>
-              </a:defRPr>
-            </a:lvl4pPr>
-            <a:lvl5pPr marL="2057400" indent="-228600" algn="l" rtl="0" eaLnBrk="0" fontAlgn="base" hangingPunct="0">
-              <a:lnSpc>
-                <a:spcPct val="120000"/>
-              </a:lnSpc>
-              <a:spcBef>
-                <a:spcPct val="20000"/>
-              </a:spcBef>
-              <a:spcAft>
-                <a:spcPct val="0"/>
-              </a:spcAft>
-              <a:buClr>
-                <a:schemeClr val="accent2"/>
-              </a:buClr>
-              <a:buFont typeface="Arial" charset="0"/>
-              <a:buChar char="»"/>
-              <a:defRPr sz="1400" b="1">
-                <a:solidFill>
-                  <a:schemeClr val="tx1"/>
-                </a:solidFill>
-                <a:latin typeface="+mn-lt"/>
-                <a:ea typeface="+mn-ea"/>
-              </a:defRPr>
-            </a:lvl5pPr>
-            <a:lvl6pPr marL="2514600" indent="-228600" algn="l" rtl="0" fontAlgn="base">
-              <a:lnSpc>
-                <a:spcPct val="120000"/>
-              </a:lnSpc>
-              <a:spcBef>
-                <a:spcPct val="20000"/>
-              </a:spcBef>
-              <a:spcAft>
-                <a:spcPct val="0"/>
-              </a:spcAft>
-              <a:buClr>
-                <a:schemeClr val="accent2"/>
-              </a:buClr>
-              <a:buFont typeface="Arial" pitchFamily="34" charset="0"/>
-              <a:buChar char="»"/>
-              <a:defRPr sz="1400" b="1">
-                <a:solidFill>
-                  <a:schemeClr val="tx1"/>
-                </a:solidFill>
-                <a:latin typeface="+mn-lt"/>
-                <a:ea typeface="+mn-ea"/>
-              </a:defRPr>
-            </a:lvl6pPr>
-            <a:lvl7pPr marL="2971800" indent="-228600" algn="l" rtl="0" fontAlgn="base">
-              <a:lnSpc>
-                <a:spcPct val="120000"/>
-              </a:lnSpc>
-              <a:spcBef>
-                <a:spcPct val="20000"/>
-              </a:spcBef>
-              <a:spcAft>
-                <a:spcPct val="0"/>
-              </a:spcAft>
-              <a:buClr>
-                <a:schemeClr val="accent2"/>
-              </a:buClr>
-              <a:buFont typeface="Arial" pitchFamily="34" charset="0"/>
-              <a:buChar char="»"/>
-              <a:defRPr sz="1400" b="1">
-                <a:solidFill>
-                  <a:schemeClr val="tx1"/>
-                </a:solidFill>
-                <a:latin typeface="+mn-lt"/>
-                <a:ea typeface="+mn-ea"/>
-              </a:defRPr>
-            </a:lvl7pPr>
-            <a:lvl8pPr marL="3429000" indent="-228600" algn="l" rtl="0" fontAlgn="base">
-              <a:lnSpc>
-                <a:spcPct val="120000"/>
-              </a:lnSpc>
-              <a:spcBef>
-                <a:spcPct val="20000"/>
-              </a:spcBef>
-              <a:spcAft>
-                <a:spcPct val="0"/>
-              </a:spcAft>
-              <a:buClr>
-                <a:schemeClr val="accent2"/>
-              </a:buClr>
-              <a:buFont typeface="Arial" pitchFamily="34" charset="0"/>
-              <a:buChar char="»"/>
-              <a:defRPr sz="1400" b="1">
-                <a:solidFill>
-                  <a:schemeClr val="tx1"/>
-                </a:solidFill>
-                <a:latin typeface="+mn-lt"/>
-                <a:ea typeface="+mn-ea"/>
-              </a:defRPr>
-            </a:lvl8pPr>
-            <a:lvl9pPr marL="3886200" indent="-228600" algn="l" rtl="0" fontAlgn="base">
-              <a:lnSpc>
-                <a:spcPct val="120000"/>
-              </a:lnSpc>
-              <a:spcBef>
-                <a:spcPct val="20000"/>
-              </a:spcBef>
-              <a:spcAft>
-                <a:spcPct val="0"/>
-              </a:spcAft>
-              <a:buClr>
-                <a:schemeClr val="accent2"/>
-              </a:buClr>
-              <a:buFont typeface="Arial" pitchFamily="34" charset="0"/>
-              <a:buChar char="»"/>
-              <a:defRPr sz="1400" b="1">
-                <a:solidFill>
-                  <a:schemeClr val="tx1"/>
-                </a:solidFill>
-                <a:latin typeface="+mn-lt"/>
-                <a:ea typeface="+mn-ea"/>
-              </a:defRPr>
-            </a:lvl9pPr>
-          </a:lstStyle>
-          <a:p>
-            <a:pPr marL="0" indent="0">
-              <a:buNone/>
-            </a:pPr>
-            <a:r>
-              <a:rPr lang="en-US" altLang="zh-CN" sz="2400" b="0" kern="0" dirty="0" smtClean="0">
-                <a:latin typeface="微软雅黑" panose="020B0503020204020204" pitchFamily="34" charset="-122"/>
-                <a:ea typeface="微软雅黑" panose="020B0503020204020204" pitchFamily="34" charset="-122"/>
-              </a:rPr>
-              <a:t>1. </a:t>
-            </a:r>
-            <a:r>
-              <a:rPr lang="zh-CN" altLang="en-US" sz="2400" b="0" kern="0" dirty="0" smtClean="0">
-                <a:latin typeface="微软雅黑" panose="020B0503020204020204" pitchFamily="34" charset="-122"/>
-                <a:ea typeface="微软雅黑" panose="020B0503020204020204" pitchFamily="34" charset="-122"/>
-              </a:rPr>
-              <a:t>设计目标</a:t>
-            </a:r>
-            <a:endParaRPr lang="en-US" altLang="zh-CN" sz="2400" b="0" kern="0" dirty="0">
-              <a:latin typeface="微软雅黑" panose="020B0503020204020204" pitchFamily="34" charset="-122"/>
-              <a:ea typeface="微软雅黑" panose="020B0503020204020204" pitchFamily="34" charset="-122"/>
-            </a:endParaRPr>
-          </a:p>
-        </p:txBody>
-      </p:sp>
-      <p:sp>
-        <p:nvSpPr>
-          <p:cNvPr id="5" name="矩形 4"/>
-          <p:cNvSpPr/>
-          <p:nvPr/>
-        </p:nvSpPr>
-        <p:spPr>
-          <a:xfrm>
-            <a:off x="971600" y="1700808"/>
-            <a:ext cx="7848872" cy="707886"/>
-          </a:xfrm>
-          <a:prstGeom prst="rect">
-            <a:avLst/>
-          </a:prstGeom>
-        </p:spPr>
-        <p:txBody>
-          <a:bodyPr wrap="square" anchor="ctr">
-            <a:spAutoFit/>
-          </a:bodyPr>
-          <a:lstStyle/>
-          <a:p>
-            <a:pPr marL="285750" indent="-285750" algn="l">
-              <a:lnSpc>
-                <a:spcPct val="200000"/>
-              </a:lnSpc>
-              <a:buFont typeface="Wingdings" panose="05000000000000000000" pitchFamily="2" charset="2"/>
-              <a:buChar char="Ø"/>
-            </a:pPr>
-            <a:r>
-              <a:rPr lang="zh-CN" altLang="en-US" sz="2000" dirty="0">
-                <a:solidFill>
-                  <a:schemeClr val="tx1"/>
-                </a:solidFill>
-                <a:latin typeface="微软雅黑" pitchFamily="34" charset="-122"/>
-                <a:ea typeface="微软雅黑" pitchFamily="34" charset="-122"/>
-              </a:rPr>
-              <a:t>数据库设计规范</a:t>
-            </a:r>
-            <a:r>
-              <a:rPr lang="zh-CN" altLang="en-US" sz="2000" dirty="0" smtClean="0">
-                <a:solidFill>
-                  <a:schemeClr val="tx1"/>
-                </a:solidFill>
-                <a:latin typeface="微软雅黑" pitchFamily="34" charset="-122"/>
-                <a:ea typeface="微软雅黑" pitchFamily="34" charset="-122"/>
-              </a:rPr>
-              <a:t>化</a:t>
-            </a:r>
-            <a:endParaRPr lang="en-US" altLang="zh-CN" sz="2000" dirty="0">
-              <a:solidFill>
-                <a:schemeClr val="tx1"/>
-              </a:solidFill>
-              <a:latin typeface="微软雅黑" pitchFamily="34" charset="-122"/>
-              <a:ea typeface="微软雅黑" pitchFamily="34" charset="-122"/>
-            </a:endParaRPr>
-          </a:p>
-        </p:txBody>
-      </p:sp>
-      <p:sp>
-        <p:nvSpPr>
-          <p:cNvPr id="6" name="矩形 5"/>
-          <p:cNvSpPr/>
-          <p:nvPr/>
-        </p:nvSpPr>
-        <p:spPr>
-          <a:xfrm>
-            <a:off x="971600" y="4005064"/>
-            <a:ext cx="7848872" cy="707886"/>
-          </a:xfrm>
-          <a:prstGeom prst="rect">
-            <a:avLst/>
-          </a:prstGeom>
-        </p:spPr>
-        <p:txBody>
-          <a:bodyPr wrap="square" anchor="ctr">
-            <a:spAutoFit/>
-          </a:bodyPr>
-          <a:lstStyle/>
-          <a:p>
-            <a:pPr marL="285750" indent="-285750" algn="l">
-              <a:lnSpc>
-                <a:spcPct val="200000"/>
-              </a:lnSpc>
-              <a:buFont typeface="Wingdings" panose="05000000000000000000" pitchFamily="2" charset="2"/>
-              <a:buChar char="Ø"/>
-            </a:pPr>
-            <a:r>
-              <a:rPr lang="zh-CN" altLang="en-US" sz="2000" dirty="0" smtClean="0">
-                <a:solidFill>
-                  <a:schemeClr val="tx1"/>
-                </a:solidFill>
-                <a:latin typeface="微软雅黑" pitchFamily="34" charset="-122"/>
-                <a:ea typeface="微软雅黑" pitchFamily="34" charset="-122"/>
-              </a:rPr>
-              <a:t>适当预留业务变化</a:t>
-            </a:r>
-            <a:endParaRPr lang="en-US" altLang="zh-CN" sz="2000" dirty="0">
-              <a:solidFill>
-                <a:schemeClr val="tx1"/>
-              </a:solidFill>
-              <a:latin typeface="微软雅黑" pitchFamily="34" charset="-122"/>
-              <a:ea typeface="微软雅黑" pitchFamily="34" charset="-122"/>
-            </a:endParaRPr>
-          </a:p>
-        </p:txBody>
-      </p:sp>
-      <p:sp>
-        <p:nvSpPr>
-          <p:cNvPr id="8" name="矩形 7"/>
-          <p:cNvSpPr/>
-          <p:nvPr/>
-        </p:nvSpPr>
-        <p:spPr>
-          <a:xfrm>
-            <a:off x="1298728" y="2348880"/>
-            <a:ext cx="7848872" cy="1754326"/>
-          </a:xfrm>
-          <a:prstGeom prst="rect">
-            <a:avLst/>
-          </a:prstGeom>
-        </p:spPr>
-        <p:txBody>
-          <a:bodyPr wrap="square">
-            <a:spAutoFit/>
-          </a:bodyPr>
-          <a:lstStyle/>
-          <a:p>
-            <a:pPr marL="285750" indent="-285750" algn="l" latinLnBrk="0">
-              <a:lnSpc>
-                <a:spcPct val="150000"/>
-              </a:lnSpc>
-              <a:buFont typeface="Wingdings" panose="05000000000000000000" pitchFamily="2" charset="2"/>
-              <a:buChar char="p"/>
-            </a:pPr>
-            <a:r>
-              <a:rPr lang="zh-CN" altLang="en-US" sz="1800" dirty="0">
-                <a:solidFill>
-                  <a:schemeClr val="tx1"/>
-                </a:solidFill>
-                <a:latin typeface="微软雅黑" pitchFamily="34" charset="-122"/>
-                <a:ea typeface="微软雅黑" pitchFamily="34" charset="-122"/>
-              </a:rPr>
-              <a:t>基本表及其字段之间的关系</a:t>
-            </a:r>
-            <a:r>
-              <a:rPr lang="en-US" altLang="zh-CN" sz="1800" dirty="0">
-                <a:solidFill>
-                  <a:schemeClr val="tx1"/>
-                </a:solidFill>
-                <a:latin typeface="微软雅黑" pitchFamily="34" charset="-122"/>
-                <a:ea typeface="微软雅黑" pitchFamily="34" charset="-122"/>
-              </a:rPr>
-              <a:t>, </a:t>
-            </a:r>
-            <a:r>
-              <a:rPr lang="zh-CN" altLang="en-US" sz="1800" dirty="0">
-                <a:solidFill>
-                  <a:schemeClr val="tx1"/>
-                </a:solidFill>
-                <a:latin typeface="微软雅黑" pitchFamily="34" charset="-122"/>
-                <a:ea typeface="微软雅黑" pitchFamily="34" charset="-122"/>
-              </a:rPr>
-              <a:t>应尽量满足第三范式</a:t>
-            </a:r>
-            <a:r>
-              <a:rPr lang="zh-CN" altLang="en-US" sz="1800" dirty="0" smtClean="0">
-                <a:solidFill>
-                  <a:schemeClr val="tx1"/>
-                </a:solidFill>
-                <a:latin typeface="微软雅黑" pitchFamily="34" charset="-122"/>
-                <a:ea typeface="微软雅黑" pitchFamily="34" charset="-122"/>
-              </a:rPr>
-              <a:t>；反规范化必须有足够的理由（如为效率而冗余）。</a:t>
-            </a:r>
-            <a:endParaRPr lang="en-US" altLang="zh-CN" sz="1800" dirty="0">
-              <a:solidFill>
-                <a:schemeClr val="tx1"/>
-              </a:solidFill>
-              <a:latin typeface="微软雅黑" pitchFamily="34" charset="-122"/>
-              <a:ea typeface="微软雅黑" pitchFamily="34" charset="-122"/>
-            </a:endParaRPr>
-          </a:p>
-          <a:p>
-            <a:pPr marL="285750" indent="-285750" algn="l">
-              <a:lnSpc>
-                <a:spcPct val="150000"/>
-              </a:lnSpc>
-              <a:buFont typeface="Wingdings" panose="05000000000000000000" pitchFamily="2" charset="2"/>
-              <a:buChar char="p"/>
-            </a:pPr>
-            <a:r>
-              <a:rPr lang="zh-CN" altLang="en-US" sz="1800" dirty="0" smtClean="0">
-                <a:solidFill>
-                  <a:schemeClr val="tx1"/>
-                </a:solidFill>
-                <a:latin typeface="微软雅黑" pitchFamily="34" charset="-122"/>
-                <a:ea typeface="微软雅黑" pitchFamily="34" charset="-122"/>
-              </a:rPr>
-              <a:t>数据</a:t>
-            </a:r>
-            <a:r>
-              <a:rPr lang="zh-CN" altLang="en-US" sz="1800" dirty="0">
-                <a:solidFill>
-                  <a:schemeClr val="tx1"/>
-                </a:solidFill>
-                <a:latin typeface="微软雅黑" pitchFamily="34" charset="-122"/>
-                <a:ea typeface="微软雅黑" pitchFamily="34" charset="-122"/>
-              </a:rPr>
-              <a:t>字段属性定义</a:t>
-            </a:r>
-            <a:r>
-              <a:rPr lang="zh-CN" altLang="en-US" sz="1800" dirty="0" smtClean="0">
-                <a:solidFill>
-                  <a:schemeClr val="tx1"/>
-                </a:solidFill>
-                <a:latin typeface="微软雅黑" pitchFamily="34" charset="-122"/>
-                <a:ea typeface="微软雅黑" pitchFamily="34" charset="-122"/>
-              </a:rPr>
-              <a:t>规范化。</a:t>
-            </a:r>
-            <a:endParaRPr lang="en-US" altLang="zh-CN" sz="1800" dirty="0" smtClean="0">
-              <a:solidFill>
-                <a:schemeClr val="tx1"/>
-              </a:solidFill>
-              <a:latin typeface="微软雅黑" pitchFamily="34" charset="-122"/>
-              <a:ea typeface="微软雅黑" pitchFamily="34" charset="-122"/>
-            </a:endParaRPr>
-          </a:p>
-          <a:p>
-            <a:pPr marL="285750" indent="-285750" algn="l">
-              <a:lnSpc>
-                <a:spcPct val="150000"/>
-              </a:lnSpc>
-              <a:buFont typeface="Wingdings" panose="05000000000000000000" pitchFamily="2" charset="2"/>
-              <a:buChar char="p"/>
-            </a:pPr>
-            <a:r>
-              <a:rPr lang="zh-CN" altLang="en-US" sz="1800" dirty="0">
-                <a:solidFill>
-                  <a:schemeClr val="tx1"/>
-                </a:solidFill>
-                <a:latin typeface="微软雅黑" pitchFamily="34" charset="-122"/>
-                <a:ea typeface="微软雅黑" pitchFamily="34" charset="-122"/>
-              </a:rPr>
-              <a:t>外</a:t>
-            </a:r>
-            <a:r>
-              <a:rPr lang="zh-CN" altLang="en-US" sz="1800" dirty="0" smtClean="0">
-                <a:solidFill>
-                  <a:schemeClr val="tx1"/>
-                </a:solidFill>
-                <a:latin typeface="微软雅黑" pitchFamily="34" charset="-122"/>
-                <a:ea typeface="微软雅黑" pitchFamily="34" charset="-122"/>
-              </a:rPr>
-              <a:t>键与值约束在应用中管理。</a:t>
-            </a:r>
-            <a:endParaRPr lang="en-US" altLang="zh-CN" sz="1800" dirty="0" smtClean="0">
-              <a:solidFill>
-                <a:schemeClr val="tx1"/>
-              </a:solidFill>
-              <a:latin typeface="微软雅黑" pitchFamily="34" charset="-122"/>
-              <a:ea typeface="微软雅黑" pitchFamily="34" charset="-122"/>
-            </a:endParaRPr>
-          </a:p>
-        </p:txBody>
-      </p:sp>
-      <p:sp>
-        <p:nvSpPr>
-          <p:cNvPr id="9" name="矩形 8"/>
-          <p:cNvSpPr/>
-          <p:nvPr/>
-        </p:nvSpPr>
-        <p:spPr>
-          <a:xfrm>
-            <a:off x="1316194" y="4724888"/>
-            <a:ext cx="7848872" cy="923330"/>
-          </a:xfrm>
-          <a:prstGeom prst="rect">
-            <a:avLst/>
-          </a:prstGeom>
-        </p:spPr>
-        <p:txBody>
-          <a:bodyPr wrap="square">
-            <a:spAutoFit/>
-          </a:bodyPr>
-          <a:lstStyle/>
-          <a:p>
-            <a:pPr marL="285750" indent="-285750" algn="l">
-              <a:lnSpc>
-                <a:spcPct val="150000"/>
-              </a:lnSpc>
-              <a:buFont typeface="Wingdings" panose="05000000000000000000" pitchFamily="2" charset="2"/>
-              <a:buChar char="p"/>
-            </a:pPr>
-            <a:r>
-              <a:rPr lang="zh-CN" altLang="en-US" sz="1800" dirty="0">
-                <a:solidFill>
-                  <a:schemeClr val="tx1"/>
-                </a:solidFill>
-                <a:latin typeface="微软雅黑" pitchFamily="34" charset="-122"/>
-                <a:ea typeface="微软雅黑" pitchFamily="34" charset="-122"/>
-              </a:rPr>
-              <a:t>设施资产属性一定程度的自定义支持；</a:t>
-            </a:r>
-            <a:endParaRPr lang="en-US" altLang="zh-CN" sz="1800" dirty="0">
-              <a:solidFill>
-                <a:schemeClr val="tx1"/>
-              </a:solidFill>
-              <a:latin typeface="微软雅黑" pitchFamily="34" charset="-122"/>
-              <a:ea typeface="微软雅黑" pitchFamily="34" charset="-122"/>
-            </a:endParaRPr>
-          </a:p>
-          <a:p>
-            <a:pPr marL="285750" indent="-285750" algn="l">
-              <a:lnSpc>
-                <a:spcPct val="150000"/>
-              </a:lnSpc>
-              <a:buFont typeface="Wingdings" panose="05000000000000000000" pitchFamily="2" charset="2"/>
-              <a:buChar char="p"/>
-            </a:pPr>
-            <a:r>
-              <a:rPr lang="zh-CN" altLang="en-US" sz="1800" dirty="0" smtClean="0">
-                <a:solidFill>
-                  <a:schemeClr val="tx1"/>
-                </a:solidFill>
-                <a:latin typeface="微软雅黑" pitchFamily="34" charset="-122"/>
-                <a:ea typeface="微软雅黑" pitchFamily="34" charset="-122"/>
-              </a:rPr>
-              <a:t>主要工单信息提供</a:t>
-            </a:r>
-            <a:r>
-              <a:rPr lang="zh-CN" altLang="en-US" sz="1800" dirty="0">
-                <a:solidFill>
-                  <a:schemeClr val="tx1"/>
-                </a:solidFill>
-                <a:latin typeface="微软雅黑" pitchFamily="34" charset="-122"/>
-                <a:ea typeface="微软雅黑" pitchFamily="34" charset="-122"/>
-              </a:rPr>
-              <a:t>一定程度的自定义支持</a:t>
-            </a:r>
-            <a:endParaRPr lang="en-US" altLang="zh-CN" sz="1800" dirty="0" smtClean="0">
-              <a:solidFill>
-                <a:schemeClr val="tx1"/>
-              </a:solidFill>
-              <a:latin typeface="微软雅黑" pitchFamily="34" charset="-122"/>
-              <a:ea typeface="微软雅黑" pitchFamily="34" charset="-122"/>
-            </a:endParaRPr>
-          </a:p>
-        </p:txBody>
-      </p:sp>
-    </p:spTree>
-    <p:extLst>
-      <p:ext uri="{BB962C8B-B14F-4D97-AF65-F5344CB8AC3E}">
-        <p14:creationId xmlns:p14="http://schemas.microsoft.com/office/powerpoint/2010/main" val="1447167485"/>
-      </p:ext>
-    </p:extLst>
-  </p:cSld>
-  <p:clrMapOvr>
-    <a:masterClrMapping/>
-  </p:clrMapOvr>
-  <p:transition spd="slow">
-    <p:fade/>
-  </p:transition>
-  <p:timing>
-    <p:tnLst>
-      <p:par>
-        <p:cTn id="1" dur="indefinite" restart="never" nodeType="tmRoot"/>
-      </p:par>
-    </p:tnLst>
-  </p:timing>
-</p:sld>
-</file>
-
-<file path=ppt/slides/slide5.xml><?xml version="1.0" encoding="utf-8"?>
-<p:sld xmlns:a="http://schemas.openxmlformats.org/drawingml/2006/main" xmlns:r="http://schemas.openxmlformats.org/officeDocument/2006/relationships" xmlns:p="http://schemas.openxmlformats.org/presentationml/2006/main">
-  <p:cSld>
-    <p:spTree>
-      <p:nvGrpSpPr>
-        <p:cNvPr id="1" name=""/>
-        <p:cNvGrpSpPr/>
-        <p:nvPr/>
-      </p:nvGrpSpPr>
-      <p:grpSpPr>
-        <a:xfrm>
-          <a:off x="0" y="0"/>
-          <a:ext cx="0" cy="0"/>
-          <a:chOff x="0" y="0"/>
-          <a:chExt cx="0" cy="0"/>
-        </a:xfrm>
-      </p:grpSpPr>
-      <p:sp>
-        <p:nvSpPr>
-          <p:cNvPr id="7170" name="Rectangle 2"/>
-          <p:cNvSpPr>
-            <a:spLocks noGrp="1" noChangeArrowheads="1"/>
-          </p:cNvSpPr>
-          <p:nvPr>
-            <p:ph type="title" idx="4294967295"/>
-          </p:nvPr>
-        </p:nvSpPr>
-        <p:spPr>
-          <a:xfrm>
-            <a:off x="114672" y="333375"/>
-            <a:ext cx="5105400" cy="452438"/>
-          </a:xfrm>
-        </p:spPr>
-        <p:txBody>
-          <a:bodyPr/>
-          <a:lstStyle/>
-          <a:p>
-            <a:pPr eaLnBrk="1" hangingPunct="1"/>
-            <a:r>
-              <a:rPr lang="zh-CN" altLang="en-US" sz="2800" dirty="0" smtClean="0">
-                <a:solidFill>
-                  <a:srgbClr val="CC0000"/>
-                </a:solidFill>
-                <a:latin typeface="微软雅黑" pitchFamily="34" charset="-122"/>
-                <a:ea typeface="微软雅黑" pitchFamily="34" charset="-122"/>
-              </a:rPr>
-              <a:t>二、 产品化数据库设计思路</a:t>
-            </a:r>
-            <a:endParaRPr lang="zh-CN" altLang="en-US" sz="2800" dirty="0" smtClean="0">
-              <a:solidFill>
-                <a:srgbClr val="CC0000"/>
-              </a:solidFill>
-              <a:latin typeface="微软雅黑" pitchFamily="34" charset="-122"/>
-              <a:ea typeface="微软雅黑" pitchFamily="34" charset="-122"/>
-            </a:endParaRPr>
-          </a:p>
-        </p:txBody>
-      </p:sp>
-      <p:sp>
-        <p:nvSpPr>
-          <p:cNvPr id="4" name="内容占位符 2"/>
-          <p:cNvSpPr txBox="1">
-            <a:spLocks/>
-          </p:cNvSpPr>
-          <p:nvPr/>
-        </p:nvSpPr>
-        <p:spPr>
-          <a:xfrm>
-            <a:off x="868947" y="1795760"/>
-            <a:ext cx="7231445" cy="2929384"/>
-          </a:xfrm>
-          <a:prstGeom prst="rect">
-            <a:avLst/>
-          </a:prstGeom>
-        </p:spPr>
-        <p:txBody>
-          <a:bodyPr>
-            <a:normAutofit/>
-          </a:bodyPr>
-          <a:lstStyle>
-            <a:lvl1pPr marL="342900" indent="-342900" algn="l" rtl="0" eaLnBrk="0" fontAlgn="base" hangingPunct="0">
-              <a:lnSpc>
-                <a:spcPct val="120000"/>
-              </a:lnSpc>
-              <a:spcBef>
-                <a:spcPct val="20000"/>
-              </a:spcBef>
-              <a:spcAft>
-                <a:spcPct val="0"/>
-              </a:spcAft>
-              <a:buClr>
-                <a:schemeClr val="accent2"/>
-              </a:buClr>
-              <a:buChar char="•"/>
-              <a:defRPr sz="2000" b="1">
-                <a:solidFill>
-                  <a:schemeClr val="tx1"/>
-                </a:solidFill>
-                <a:latin typeface="+mn-lt"/>
-                <a:ea typeface="+mn-ea"/>
-                <a:cs typeface="+mn-cs"/>
-              </a:defRPr>
-            </a:lvl1pPr>
-            <a:lvl2pPr marL="742950" indent="-285750" algn="l" rtl="0" eaLnBrk="0" fontAlgn="base" hangingPunct="0">
-              <a:lnSpc>
-                <a:spcPct val="120000"/>
-              </a:lnSpc>
-              <a:spcBef>
-                <a:spcPct val="20000"/>
-              </a:spcBef>
-              <a:spcAft>
-                <a:spcPct val="0"/>
-              </a:spcAft>
-              <a:buClr>
-                <a:schemeClr val="accent2"/>
-              </a:buClr>
-              <a:buSzPct val="80000"/>
-              <a:buFont typeface="Wingdings" pitchFamily="2" charset="2"/>
-              <a:buChar char="p"/>
-              <a:defRPr sz="2400" b="1">
-                <a:solidFill>
-                  <a:schemeClr val="tx1"/>
-                </a:solidFill>
-                <a:latin typeface="+mn-lt"/>
-                <a:ea typeface="+mn-ea"/>
-              </a:defRPr>
-            </a:lvl2pPr>
-            <a:lvl3pPr marL="1143000" indent="-228600" algn="l" rtl="0" eaLnBrk="0" fontAlgn="base" hangingPunct="0">
-              <a:lnSpc>
-                <a:spcPct val="120000"/>
-              </a:lnSpc>
-              <a:spcBef>
-                <a:spcPct val="20000"/>
-              </a:spcBef>
-              <a:spcAft>
-                <a:spcPct val="0"/>
-              </a:spcAft>
-              <a:buClr>
-                <a:schemeClr val="accent2"/>
-              </a:buClr>
-              <a:buSzPct val="60000"/>
-              <a:buFont typeface="Wingdings" pitchFamily="2" charset="2"/>
-              <a:buChar char="n"/>
-              <a:defRPr sz="2000" b="1">
-                <a:solidFill>
-                  <a:schemeClr val="tx1"/>
-                </a:solidFill>
-                <a:latin typeface="+mn-lt"/>
-                <a:ea typeface="+mn-ea"/>
-              </a:defRPr>
-            </a:lvl3pPr>
-            <a:lvl4pPr marL="1600200" indent="-228600" algn="l" rtl="0" eaLnBrk="0" fontAlgn="base" hangingPunct="0">
-              <a:lnSpc>
-                <a:spcPct val="120000"/>
-              </a:lnSpc>
-              <a:spcBef>
-                <a:spcPct val="20000"/>
-              </a:spcBef>
-              <a:spcAft>
-                <a:spcPct val="0"/>
-              </a:spcAft>
-              <a:buClr>
-                <a:schemeClr val="accent2"/>
-              </a:buClr>
-              <a:buFont typeface="Arial" charset="0"/>
-              <a:buChar char="–"/>
-              <a:defRPr sz="1600" b="1">
-                <a:solidFill>
-                  <a:schemeClr val="tx1"/>
-                </a:solidFill>
-                <a:latin typeface="+mn-lt"/>
-                <a:ea typeface="+mn-ea"/>
-              </a:defRPr>
-            </a:lvl4pPr>
-            <a:lvl5pPr marL="2057400" indent="-228600" algn="l" rtl="0" eaLnBrk="0" fontAlgn="base" hangingPunct="0">
-              <a:lnSpc>
-                <a:spcPct val="120000"/>
-              </a:lnSpc>
-              <a:spcBef>
-                <a:spcPct val="20000"/>
-              </a:spcBef>
-              <a:spcAft>
-                <a:spcPct val="0"/>
-              </a:spcAft>
-              <a:buClr>
-                <a:schemeClr val="accent2"/>
-              </a:buClr>
-              <a:buFont typeface="Arial" charset="0"/>
-              <a:buChar char="»"/>
-              <a:defRPr sz="1400" b="1">
-                <a:solidFill>
-                  <a:schemeClr val="tx1"/>
-                </a:solidFill>
-                <a:latin typeface="+mn-lt"/>
-                <a:ea typeface="+mn-ea"/>
-              </a:defRPr>
-            </a:lvl5pPr>
-            <a:lvl6pPr marL="2514600" indent="-228600" algn="l" rtl="0" fontAlgn="base">
-              <a:lnSpc>
-                <a:spcPct val="120000"/>
-              </a:lnSpc>
-              <a:spcBef>
-                <a:spcPct val="20000"/>
-              </a:spcBef>
-              <a:spcAft>
-                <a:spcPct val="0"/>
-              </a:spcAft>
-              <a:buClr>
-                <a:schemeClr val="accent2"/>
-              </a:buClr>
-              <a:buFont typeface="Arial" pitchFamily="34" charset="0"/>
-              <a:buChar char="»"/>
-              <a:defRPr sz="1400" b="1">
-                <a:solidFill>
-                  <a:schemeClr val="tx1"/>
-                </a:solidFill>
-                <a:latin typeface="+mn-lt"/>
-                <a:ea typeface="+mn-ea"/>
-              </a:defRPr>
-            </a:lvl6pPr>
-            <a:lvl7pPr marL="2971800" indent="-228600" algn="l" rtl="0" fontAlgn="base">
-              <a:lnSpc>
-                <a:spcPct val="120000"/>
-              </a:lnSpc>
-              <a:spcBef>
-                <a:spcPct val="20000"/>
-              </a:spcBef>
-              <a:spcAft>
-                <a:spcPct val="0"/>
-              </a:spcAft>
-              <a:buClr>
-                <a:schemeClr val="accent2"/>
-              </a:buClr>
-              <a:buFont typeface="Arial" pitchFamily="34" charset="0"/>
-              <a:buChar char="»"/>
-              <a:defRPr sz="1400" b="1">
-                <a:solidFill>
-                  <a:schemeClr val="tx1"/>
-                </a:solidFill>
-                <a:latin typeface="+mn-lt"/>
-                <a:ea typeface="+mn-ea"/>
-              </a:defRPr>
-            </a:lvl7pPr>
-            <a:lvl8pPr marL="3429000" indent="-228600" algn="l" rtl="0" fontAlgn="base">
-              <a:lnSpc>
-                <a:spcPct val="120000"/>
-              </a:lnSpc>
-              <a:spcBef>
-                <a:spcPct val="20000"/>
-              </a:spcBef>
-              <a:spcAft>
-                <a:spcPct val="0"/>
-              </a:spcAft>
-              <a:buClr>
-                <a:schemeClr val="accent2"/>
-              </a:buClr>
-              <a:buFont typeface="Arial" pitchFamily="34" charset="0"/>
-              <a:buChar char="»"/>
-              <a:defRPr sz="1400" b="1">
-                <a:solidFill>
-                  <a:schemeClr val="tx1"/>
-                </a:solidFill>
-                <a:latin typeface="+mn-lt"/>
-                <a:ea typeface="+mn-ea"/>
-              </a:defRPr>
-            </a:lvl8pPr>
-            <a:lvl9pPr marL="3886200" indent="-228600" algn="l" rtl="0" fontAlgn="base">
-              <a:lnSpc>
-                <a:spcPct val="120000"/>
-              </a:lnSpc>
-              <a:spcBef>
-                <a:spcPct val="20000"/>
-              </a:spcBef>
-              <a:spcAft>
-                <a:spcPct val="0"/>
-              </a:spcAft>
-              <a:buClr>
-                <a:schemeClr val="accent2"/>
-              </a:buClr>
-              <a:buFont typeface="Arial" pitchFamily="34" charset="0"/>
-              <a:buChar char="»"/>
-              <a:defRPr sz="1400" b="1">
-                <a:solidFill>
-                  <a:schemeClr val="tx1"/>
-                </a:solidFill>
-                <a:latin typeface="+mn-lt"/>
-                <a:ea typeface="+mn-ea"/>
-              </a:defRPr>
-            </a:lvl9pPr>
-          </a:lstStyle>
-          <a:p>
-            <a:pPr>
-              <a:buNone/>
-            </a:pPr>
-            <a:endParaRPr lang="en-US" altLang="zh-CN" b="0" kern="0" dirty="0"/>
-          </a:p>
-        </p:txBody>
-      </p:sp>
-      <p:sp>
-        <p:nvSpPr>
-          <p:cNvPr id="2" name="矩形 1"/>
-          <p:cNvSpPr/>
-          <p:nvPr/>
-        </p:nvSpPr>
-        <p:spPr>
-          <a:xfrm>
-            <a:off x="868947" y="2111747"/>
-            <a:ext cx="7848872" cy="1077218"/>
-          </a:xfrm>
-          <a:prstGeom prst="rect">
-            <a:avLst/>
-          </a:prstGeom>
-        </p:spPr>
-        <p:txBody>
-          <a:bodyPr wrap="square">
-            <a:spAutoFit/>
-          </a:bodyPr>
-          <a:lstStyle/>
-          <a:p>
-            <a:pPr algn="l"/>
-            <a:r>
-              <a:rPr lang="en-US" altLang="zh-CN" sz="1600" dirty="0" smtClean="0">
-                <a:solidFill>
-                  <a:schemeClr val="tx1"/>
-                </a:solidFill>
-                <a:latin typeface="微软雅黑" pitchFamily="34" charset="-122"/>
-                <a:ea typeface="微软雅黑" pitchFamily="34" charset="-122"/>
-              </a:rPr>
-              <a:t>1. </a:t>
-            </a:r>
-            <a:r>
-              <a:rPr lang="zh-CN" altLang="en-US" sz="1600" dirty="0" smtClean="0">
-                <a:solidFill>
-                  <a:schemeClr val="tx1"/>
-                </a:solidFill>
-                <a:latin typeface="微软雅黑" pitchFamily="34" charset="-122"/>
-                <a:ea typeface="微软雅黑" pitchFamily="34" charset="-122"/>
-              </a:rPr>
-              <a:t>在道路设施管理中，有道路桥梁隧道等</a:t>
-            </a:r>
-            <a:r>
-              <a:rPr lang="en-US" altLang="zh-CN" sz="1600" dirty="0" smtClean="0">
-                <a:solidFill>
-                  <a:schemeClr val="tx1"/>
-                </a:solidFill>
-                <a:latin typeface="微软雅黑" pitchFamily="34" charset="-122"/>
-                <a:ea typeface="微软雅黑" pitchFamily="34" charset="-122"/>
-              </a:rPr>
-              <a:t>30</a:t>
-            </a:r>
-            <a:r>
-              <a:rPr lang="zh-CN" altLang="en-US" sz="1600" dirty="0" smtClean="0">
-                <a:solidFill>
-                  <a:schemeClr val="tx1"/>
-                </a:solidFill>
-                <a:latin typeface="微软雅黑" pitchFamily="34" charset="-122"/>
-                <a:ea typeface="微软雅黑" pitchFamily="34" charset="-122"/>
-              </a:rPr>
-              <a:t>多类设施，涉及子系统众多，这些系统都需要存取设施的信息；</a:t>
-            </a:r>
-            <a:endParaRPr lang="en-US" altLang="zh-CN" sz="1600" dirty="0" smtClean="0">
-              <a:solidFill>
-                <a:schemeClr val="tx1"/>
-              </a:solidFill>
-              <a:latin typeface="微软雅黑" pitchFamily="34" charset="-122"/>
-              <a:ea typeface="微软雅黑" pitchFamily="34" charset="-122"/>
-            </a:endParaRPr>
-          </a:p>
-          <a:p>
-            <a:pPr algn="l"/>
-            <a:r>
-              <a:rPr lang="en-US" altLang="zh-CN" sz="1600" dirty="0" smtClean="0">
-                <a:solidFill>
-                  <a:schemeClr val="tx1"/>
-                </a:solidFill>
-                <a:latin typeface="微软雅黑" pitchFamily="34" charset="-122"/>
-                <a:ea typeface="微软雅黑" pitchFamily="34" charset="-122"/>
-              </a:rPr>
-              <a:t>2. </a:t>
-            </a:r>
-            <a:r>
-              <a:rPr lang="zh-CN" altLang="en-US" sz="1600" dirty="0" smtClean="0">
-                <a:solidFill>
-                  <a:schemeClr val="tx1"/>
-                </a:solidFill>
-                <a:latin typeface="微软雅黑" pitchFamily="34" charset="-122"/>
-                <a:ea typeface="微软雅黑" pitchFamily="34" charset="-122"/>
-              </a:rPr>
-              <a:t>是资产信息管理系统的产品化中，需要支持多项目，同一资产的属性信息在不同项目中显然不同。</a:t>
-            </a:r>
-            <a:endParaRPr lang="zh-CN" altLang="en-US" sz="1600" dirty="0"/>
-          </a:p>
-        </p:txBody>
-      </p:sp>
-      <p:sp>
-        <p:nvSpPr>
-          <p:cNvPr id="5" name="内容占位符 2"/>
-          <p:cNvSpPr txBox="1">
-            <a:spLocks/>
-          </p:cNvSpPr>
-          <p:nvPr/>
-        </p:nvSpPr>
-        <p:spPr>
-          <a:xfrm>
-            <a:off x="539552" y="1196752"/>
-            <a:ext cx="7231445" cy="504056"/>
-          </a:xfrm>
-          <a:prstGeom prst="rect">
-            <a:avLst/>
-          </a:prstGeom>
-        </p:spPr>
-        <p:txBody>
-          <a:bodyPr>
-            <a:noAutofit/>
-          </a:bodyPr>
-          <a:lstStyle>
-            <a:lvl1pPr marL="342900" indent="-342900" algn="l" rtl="0" eaLnBrk="0" fontAlgn="base" hangingPunct="0">
-              <a:lnSpc>
-                <a:spcPct val="120000"/>
-              </a:lnSpc>
-              <a:spcBef>
-                <a:spcPct val="20000"/>
-              </a:spcBef>
-              <a:spcAft>
-                <a:spcPct val="0"/>
-              </a:spcAft>
-              <a:buClr>
-                <a:schemeClr val="accent2"/>
-              </a:buClr>
-              <a:buChar char="•"/>
-              <a:defRPr sz="2000" b="1">
-                <a:solidFill>
-                  <a:schemeClr val="tx1"/>
-                </a:solidFill>
-                <a:latin typeface="+mn-lt"/>
-                <a:ea typeface="+mn-ea"/>
-                <a:cs typeface="+mn-cs"/>
-              </a:defRPr>
-            </a:lvl1pPr>
-            <a:lvl2pPr marL="742950" indent="-285750" algn="l" rtl="0" eaLnBrk="0" fontAlgn="base" hangingPunct="0">
-              <a:lnSpc>
-                <a:spcPct val="120000"/>
-              </a:lnSpc>
-              <a:spcBef>
-                <a:spcPct val="20000"/>
-              </a:spcBef>
-              <a:spcAft>
-                <a:spcPct val="0"/>
-              </a:spcAft>
-              <a:buClr>
-                <a:schemeClr val="accent2"/>
-              </a:buClr>
-              <a:buSzPct val="80000"/>
-              <a:buFont typeface="Wingdings" pitchFamily="2" charset="2"/>
-              <a:buChar char="p"/>
-              <a:defRPr sz="2400" b="1">
-                <a:solidFill>
-                  <a:schemeClr val="tx1"/>
-                </a:solidFill>
-                <a:latin typeface="+mn-lt"/>
-                <a:ea typeface="+mn-ea"/>
-              </a:defRPr>
-            </a:lvl2pPr>
-            <a:lvl3pPr marL="1143000" indent="-228600" algn="l" rtl="0" eaLnBrk="0" fontAlgn="base" hangingPunct="0">
-              <a:lnSpc>
-                <a:spcPct val="120000"/>
-              </a:lnSpc>
-              <a:spcBef>
-                <a:spcPct val="20000"/>
-              </a:spcBef>
-              <a:spcAft>
-                <a:spcPct val="0"/>
-              </a:spcAft>
-              <a:buClr>
-                <a:schemeClr val="accent2"/>
-              </a:buClr>
-              <a:buSzPct val="60000"/>
-              <a:buFont typeface="Wingdings" pitchFamily="2" charset="2"/>
-              <a:buChar char="n"/>
-              <a:defRPr sz="2000" b="1">
-                <a:solidFill>
-                  <a:schemeClr val="tx1"/>
-                </a:solidFill>
-                <a:latin typeface="+mn-lt"/>
-                <a:ea typeface="+mn-ea"/>
-              </a:defRPr>
-            </a:lvl3pPr>
-            <a:lvl4pPr marL="1600200" indent="-228600" algn="l" rtl="0" eaLnBrk="0" fontAlgn="base" hangingPunct="0">
-              <a:lnSpc>
-                <a:spcPct val="120000"/>
-              </a:lnSpc>
-              <a:spcBef>
-                <a:spcPct val="20000"/>
-              </a:spcBef>
-              <a:spcAft>
-                <a:spcPct val="0"/>
-              </a:spcAft>
-              <a:buClr>
-                <a:schemeClr val="accent2"/>
-              </a:buClr>
-              <a:buFont typeface="Arial" charset="0"/>
-              <a:buChar char="–"/>
-              <a:defRPr sz="1600" b="1">
-                <a:solidFill>
-                  <a:schemeClr val="tx1"/>
-                </a:solidFill>
-                <a:latin typeface="+mn-lt"/>
-                <a:ea typeface="+mn-ea"/>
-              </a:defRPr>
-            </a:lvl4pPr>
-            <a:lvl5pPr marL="2057400" indent="-228600" algn="l" rtl="0" eaLnBrk="0" fontAlgn="base" hangingPunct="0">
-              <a:lnSpc>
-                <a:spcPct val="120000"/>
-              </a:lnSpc>
-              <a:spcBef>
-                <a:spcPct val="20000"/>
-              </a:spcBef>
-              <a:spcAft>
-                <a:spcPct val="0"/>
-              </a:spcAft>
-              <a:buClr>
-                <a:schemeClr val="accent2"/>
-              </a:buClr>
-              <a:buFont typeface="Arial" charset="0"/>
-              <a:buChar char="»"/>
-              <a:defRPr sz="1400" b="1">
-                <a:solidFill>
-                  <a:schemeClr val="tx1"/>
-                </a:solidFill>
-                <a:latin typeface="+mn-lt"/>
-                <a:ea typeface="+mn-ea"/>
-              </a:defRPr>
-            </a:lvl5pPr>
-            <a:lvl6pPr marL="2514600" indent="-228600" algn="l" rtl="0" fontAlgn="base">
-              <a:lnSpc>
-                <a:spcPct val="120000"/>
-              </a:lnSpc>
-              <a:spcBef>
-                <a:spcPct val="20000"/>
-              </a:spcBef>
-              <a:spcAft>
-                <a:spcPct val="0"/>
-              </a:spcAft>
-              <a:buClr>
-                <a:schemeClr val="accent2"/>
-              </a:buClr>
-              <a:buFont typeface="Arial" pitchFamily="34" charset="0"/>
-              <a:buChar char="»"/>
-              <a:defRPr sz="1400" b="1">
-                <a:solidFill>
-                  <a:schemeClr val="tx1"/>
-                </a:solidFill>
-                <a:latin typeface="+mn-lt"/>
-                <a:ea typeface="+mn-ea"/>
-              </a:defRPr>
-            </a:lvl6pPr>
-            <a:lvl7pPr marL="2971800" indent="-228600" algn="l" rtl="0" fontAlgn="base">
-              <a:lnSpc>
-                <a:spcPct val="120000"/>
-              </a:lnSpc>
-              <a:spcBef>
-                <a:spcPct val="20000"/>
-              </a:spcBef>
-              <a:spcAft>
-                <a:spcPct val="0"/>
-              </a:spcAft>
-              <a:buClr>
-                <a:schemeClr val="accent2"/>
-              </a:buClr>
-              <a:buFont typeface="Arial" pitchFamily="34" charset="0"/>
-              <a:buChar char="»"/>
-              <a:defRPr sz="1400" b="1">
-                <a:solidFill>
-                  <a:schemeClr val="tx1"/>
-                </a:solidFill>
-                <a:latin typeface="+mn-lt"/>
-                <a:ea typeface="+mn-ea"/>
-              </a:defRPr>
-            </a:lvl7pPr>
-            <a:lvl8pPr marL="3429000" indent="-228600" algn="l" rtl="0" fontAlgn="base">
-              <a:lnSpc>
-                <a:spcPct val="120000"/>
-              </a:lnSpc>
-              <a:spcBef>
-                <a:spcPct val="20000"/>
-              </a:spcBef>
-              <a:spcAft>
-                <a:spcPct val="0"/>
-              </a:spcAft>
-              <a:buClr>
-                <a:schemeClr val="accent2"/>
-              </a:buClr>
-              <a:buFont typeface="Arial" pitchFamily="34" charset="0"/>
-              <a:buChar char="»"/>
-              <a:defRPr sz="1400" b="1">
-                <a:solidFill>
-                  <a:schemeClr val="tx1"/>
-                </a:solidFill>
-                <a:latin typeface="+mn-lt"/>
-                <a:ea typeface="+mn-ea"/>
-              </a:defRPr>
-            </a:lvl8pPr>
-            <a:lvl9pPr marL="3886200" indent="-228600" algn="l" rtl="0" fontAlgn="base">
-              <a:lnSpc>
-                <a:spcPct val="120000"/>
-              </a:lnSpc>
-              <a:spcBef>
-                <a:spcPct val="20000"/>
-              </a:spcBef>
-              <a:spcAft>
-                <a:spcPct val="0"/>
-              </a:spcAft>
-              <a:buClr>
-                <a:schemeClr val="accent2"/>
-              </a:buClr>
-              <a:buFont typeface="Arial" pitchFamily="34" charset="0"/>
-              <a:buChar char="»"/>
-              <a:defRPr sz="1400" b="1">
-                <a:solidFill>
-                  <a:schemeClr val="tx1"/>
-                </a:solidFill>
-                <a:latin typeface="+mn-lt"/>
-                <a:ea typeface="+mn-ea"/>
-              </a:defRPr>
-            </a:lvl9pPr>
-          </a:lstStyle>
-          <a:p>
-            <a:pPr marL="0" indent="0">
-              <a:buNone/>
-            </a:pPr>
-            <a:r>
-              <a:rPr lang="en-US" altLang="zh-CN" sz="2400" b="0" kern="0" dirty="0" smtClean="0">
-                <a:latin typeface="微软雅黑" panose="020B0503020204020204" pitchFamily="34" charset="-122"/>
-                <a:ea typeface="微软雅黑" panose="020B0503020204020204" pitchFamily="34" charset="-122"/>
-              </a:rPr>
-              <a:t>2. </a:t>
-            </a:r>
-            <a:r>
-              <a:rPr lang="zh-CN" altLang="en-US" sz="2400" b="0" kern="0" dirty="0" smtClean="0">
-                <a:latin typeface="微软雅黑" panose="020B0503020204020204" pitchFamily="34" charset="-122"/>
-                <a:ea typeface="微软雅黑" panose="020B0503020204020204" pitchFamily="34" charset="-122"/>
-              </a:rPr>
-              <a:t>设计方案</a:t>
-            </a:r>
-            <a:endParaRPr lang="en-US" altLang="zh-CN" sz="2400" b="0" kern="0" dirty="0">
-              <a:latin typeface="微软雅黑" panose="020B0503020204020204" pitchFamily="34" charset="-122"/>
-              <a:ea typeface="微软雅黑" panose="020B0503020204020204" pitchFamily="34" charset="-122"/>
-            </a:endParaRPr>
-          </a:p>
-        </p:txBody>
-      </p:sp>
-      <p:sp>
-        <p:nvSpPr>
-          <p:cNvPr id="6" name="矩形 5"/>
-          <p:cNvSpPr/>
-          <p:nvPr/>
-        </p:nvSpPr>
-        <p:spPr>
-          <a:xfrm>
-            <a:off x="827398" y="3447871"/>
-            <a:ext cx="6655752" cy="2554545"/>
-          </a:xfrm>
-          <a:prstGeom prst="rect">
-            <a:avLst/>
-          </a:prstGeom>
-        </p:spPr>
-        <p:txBody>
-          <a:bodyPr wrap="square">
-            <a:spAutoFit/>
-          </a:bodyPr>
-          <a:lstStyle/>
-          <a:p>
-            <a:pPr marL="342900" indent="-342900" algn="l">
-              <a:buAutoNum type="arabicPeriod"/>
-            </a:pPr>
-            <a:r>
-              <a:rPr lang="zh-CN" altLang="en-US" sz="1600" dirty="0" smtClean="0">
-                <a:solidFill>
-                  <a:schemeClr val="tx1"/>
-                </a:solidFill>
-                <a:latin typeface="微软雅黑" pitchFamily="34" charset="-122"/>
-                <a:ea typeface="微软雅黑" pitchFamily="34" charset="-122"/>
-              </a:rPr>
-              <a:t>每类设施建立一个基本表，建立</a:t>
-            </a:r>
-            <a:r>
-              <a:rPr lang="zh-CN" altLang="en-US" sz="1600" dirty="0">
-                <a:solidFill>
-                  <a:schemeClr val="tx1"/>
-                </a:solidFill>
-                <a:latin typeface="微软雅黑" pitchFamily="34" charset="-122"/>
-                <a:ea typeface="微软雅黑" pitchFamily="34" charset="-122"/>
-              </a:rPr>
-              <a:t>一</a:t>
-            </a:r>
-            <a:r>
-              <a:rPr lang="zh-CN" altLang="en-US" sz="1600" dirty="0" smtClean="0">
-                <a:solidFill>
-                  <a:schemeClr val="tx1"/>
-                </a:solidFill>
-                <a:latin typeface="微软雅黑" pitchFamily="34" charset="-122"/>
-                <a:ea typeface="微软雅黑" pitchFamily="34" charset="-122"/>
-              </a:rPr>
-              <a:t>个或多个扩展表，基本表和扩展表通过主键连接，记录是</a:t>
-            </a:r>
-            <a:r>
-              <a:rPr lang="en-US" altLang="zh-CN" sz="1600" dirty="0" smtClean="0">
-                <a:solidFill>
-                  <a:schemeClr val="tx1"/>
-                </a:solidFill>
-                <a:latin typeface="微软雅黑" pitchFamily="34" charset="-122"/>
-                <a:ea typeface="微软雅黑" pitchFamily="34" charset="-122"/>
-              </a:rPr>
-              <a:t>1</a:t>
-            </a:r>
-            <a:r>
-              <a:rPr lang="zh-CN" altLang="en-US" sz="1600" dirty="0" smtClean="0">
-                <a:solidFill>
-                  <a:schemeClr val="tx1"/>
-                </a:solidFill>
-                <a:latin typeface="微软雅黑" pitchFamily="34" charset="-122"/>
-                <a:ea typeface="微软雅黑" pitchFamily="34" charset="-122"/>
-              </a:rPr>
-              <a:t>：</a:t>
-            </a:r>
-            <a:r>
-              <a:rPr lang="en-US" altLang="zh-CN" sz="1600" dirty="0" smtClean="0">
-                <a:solidFill>
-                  <a:schemeClr val="tx1"/>
-                </a:solidFill>
-                <a:latin typeface="微软雅黑" pitchFamily="34" charset="-122"/>
-                <a:ea typeface="微软雅黑" pitchFamily="34" charset="-122"/>
-              </a:rPr>
-              <a:t>1</a:t>
-            </a:r>
-            <a:r>
-              <a:rPr lang="zh-CN" altLang="en-US" sz="1600" dirty="0" smtClean="0">
-                <a:solidFill>
-                  <a:schemeClr val="tx1"/>
-                </a:solidFill>
-                <a:latin typeface="微软雅黑" pitchFamily="34" charset="-122"/>
-                <a:ea typeface="微软雅黑" pitchFamily="34" charset="-122"/>
-              </a:rPr>
-              <a:t>的；</a:t>
-            </a:r>
-            <a:endParaRPr lang="en-US" altLang="zh-CN" sz="1600" dirty="0" smtClean="0">
-              <a:solidFill>
-                <a:schemeClr val="tx1"/>
-              </a:solidFill>
-              <a:latin typeface="微软雅黑" pitchFamily="34" charset="-122"/>
-              <a:ea typeface="微软雅黑" pitchFamily="34" charset="-122"/>
-            </a:endParaRPr>
-          </a:p>
-          <a:p>
-            <a:pPr marL="342900" indent="-342900" algn="l">
-              <a:buAutoNum type="arabicPeriod"/>
-            </a:pPr>
-            <a:r>
-              <a:rPr lang="zh-CN" altLang="en-US" sz="1600" dirty="0" smtClean="0">
-                <a:solidFill>
-                  <a:schemeClr val="tx1"/>
-                </a:solidFill>
-                <a:latin typeface="微软雅黑" pitchFamily="34" charset="-122"/>
-                <a:ea typeface="微软雅黑" pitchFamily="34" charset="-122"/>
-              </a:rPr>
-              <a:t>把</a:t>
-            </a:r>
-            <a:r>
-              <a:rPr lang="zh-CN" altLang="en-US" sz="1600" dirty="0">
-                <a:solidFill>
-                  <a:schemeClr val="tx1"/>
-                </a:solidFill>
-                <a:latin typeface="微软雅黑" pitchFamily="34" charset="-122"/>
-                <a:ea typeface="微软雅黑" pitchFamily="34" charset="-122"/>
-              </a:rPr>
-              <a:t>最基本的信息项</a:t>
-            </a:r>
-            <a:r>
-              <a:rPr lang="zh-CN" altLang="en-US" sz="1600" dirty="0" smtClean="0">
-                <a:solidFill>
-                  <a:schemeClr val="tx1"/>
-                </a:solidFill>
-                <a:latin typeface="微软雅黑" pitchFamily="34" charset="-122"/>
-                <a:ea typeface="微软雅黑" pitchFamily="34" charset="-122"/>
-              </a:rPr>
-              <a:t>作为</a:t>
-            </a:r>
-            <a:r>
-              <a:rPr lang="zh-CN" altLang="en-US" sz="1600" dirty="0">
-                <a:solidFill>
-                  <a:schemeClr val="tx1"/>
-                </a:solidFill>
-                <a:latin typeface="微软雅黑" pitchFamily="34" charset="-122"/>
-                <a:ea typeface="微软雅黑" pitchFamily="34" charset="-122"/>
-              </a:rPr>
-              <a:t>基本</a:t>
-            </a:r>
-            <a:r>
-              <a:rPr lang="zh-CN" altLang="en-US" sz="1600" dirty="0" smtClean="0">
-                <a:solidFill>
-                  <a:schemeClr val="tx1"/>
-                </a:solidFill>
-                <a:latin typeface="微软雅黑" pitchFamily="34" charset="-122"/>
-                <a:ea typeface="微软雅黑" pitchFamily="34" charset="-122"/>
-              </a:rPr>
-              <a:t>表的字段</a:t>
-            </a:r>
-            <a:r>
-              <a:rPr lang="zh-CN" altLang="en-US" sz="1600" dirty="0">
-                <a:solidFill>
-                  <a:schemeClr val="tx1"/>
-                </a:solidFill>
-                <a:latin typeface="微软雅黑" pitchFamily="34" charset="-122"/>
-                <a:ea typeface="微软雅黑" pitchFamily="34" charset="-122"/>
-              </a:rPr>
-              <a:t>；这些字段一般都可用于作为查询和统计条件进行查询</a:t>
-            </a:r>
-            <a:r>
-              <a:rPr lang="zh-CN" altLang="en-US" sz="1600" dirty="0" smtClean="0">
-                <a:solidFill>
-                  <a:schemeClr val="tx1"/>
-                </a:solidFill>
-                <a:latin typeface="微软雅黑" pitchFamily="34" charset="-122"/>
-                <a:ea typeface="微软雅黑" pitchFamily="34" charset="-122"/>
-              </a:rPr>
-              <a:t>；</a:t>
-            </a:r>
-            <a:endParaRPr lang="en-US" altLang="zh-CN" sz="1600" dirty="0" smtClean="0">
-              <a:solidFill>
-                <a:schemeClr val="tx1"/>
-              </a:solidFill>
-              <a:latin typeface="微软雅黑" pitchFamily="34" charset="-122"/>
-              <a:ea typeface="微软雅黑" pitchFamily="34" charset="-122"/>
-            </a:endParaRPr>
-          </a:p>
-          <a:p>
-            <a:pPr marL="342900" indent="-342900" algn="l">
-              <a:buAutoNum type="arabicPeriod"/>
-            </a:pPr>
-            <a:r>
-              <a:rPr lang="zh-CN" altLang="en-US" sz="1600" dirty="0" smtClean="0">
-                <a:solidFill>
-                  <a:schemeClr val="tx1"/>
-                </a:solidFill>
-                <a:latin typeface="微软雅黑" pitchFamily="34" charset="-122"/>
-                <a:ea typeface="微软雅黑" pitchFamily="34" charset="-122"/>
-              </a:rPr>
-              <a:t>其它信息项存储到扩展表，为实现可自定义</a:t>
-            </a:r>
-            <a:r>
-              <a:rPr lang="zh-CN" altLang="en-US" sz="1600" dirty="0">
-                <a:solidFill>
-                  <a:schemeClr val="tx1"/>
-                </a:solidFill>
-                <a:latin typeface="微软雅黑" pitchFamily="34" charset="-122"/>
-                <a:ea typeface="微软雅黑" pitchFamily="34" charset="-122"/>
-              </a:rPr>
-              <a:t>字段</a:t>
-            </a:r>
-            <a:r>
-              <a:rPr lang="zh-CN" altLang="en-US" sz="1600" dirty="0" smtClean="0">
-                <a:solidFill>
-                  <a:schemeClr val="tx1"/>
-                </a:solidFill>
-                <a:latin typeface="微软雅黑" pitchFamily="34" charset="-122"/>
-                <a:ea typeface="微软雅黑" pitchFamily="34" charset="-122"/>
-              </a:rPr>
-              <a:t>和扩展字段，存储方案见后面讨论；</a:t>
-            </a:r>
-            <a:endParaRPr lang="en-US" altLang="zh-CN" sz="1600" dirty="0" smtClean="0">
-              <a:solidFill>
-                <a:schemeClr val="tx1"/>
-              </a:solidFill>
-              <a:latin typeface="微软雅黑" pitchFamily="34" charset="-122"/>
-              <a:ea typeface="微软雅黑" pitchFamily="34" charset="-122"/>
-            </a:endParaRPr>
-          </a:p>
-          <a:p>
-            <a:pPr marL="342900" indent="-342900" algn="l">
-              <a:buFontTx/>
-              <a:buAutoNum type="arabicPeriod"/>
-            </a:pPr>
-            <a:r>
-              <a:rPr lang="zh-CN" altLang="en-US" sz="1600" dirty="0">
-                <a:solidFill>
-                  <a:schemeClr val="tx1"/>
-                </a:solidFill>
-                <a:latin typeface="微软雅黑" pitchFamily="34" charset="-122"/>
-                <a:ea typeface="微软雅黑" pitchFamily="34" charset="-122"/>
-              </a:rPr>
-              <a:t>作为显示需要，对字段分组；</a:t>
-            </a:r>
-            <a:endParaRPr lang="en-US" altLang="zh-CN" sz="1600" dirty="0">
-              <a:solidFill>
-                <a:schemeClr val="tx1"/>
-              </a:solidFill>
-              <a:latin typeface="微软雅黑" pitchFamily="34" charset="-122"/>
-              <a:ea typeface="微软雅黑" pitchFamily="34" charset="-122"/>
-            </a:endParaRPr>
-          </a:p>
-          <a:p>
-            <a:pPr marL="342900" indent="-342900" algn="l">
-              <a:buAutoNum type="arabicPeriod"/>
-            </a:pPr>
-            <a:endParaRPr lang="en-US" altLang="zh-CN" sz="1600" dirty="0" smtClean="0">
-              <a:solidFill>
-                <a:schemeClr val="tx1"/>
-              </a:solidFill>
-              <a:latin typeface="微软雅黑" pitchFamily="34" charset="-122"/>
-              <a:ea typeface="微软雅黑" pitchFamily="34" charset="-122"/>
-            </a:endParaRPr>
-          </a:p>
-          <a:p>
-            <a:pPr marL="342900" indent="-342900" algn="l">
-              <a:buAutoNum type="arabicPeriod"/>
-            </a:pPr>
-            <a:endParaRPr lang="en-US" altLang="zh-CN" sz="1600" dirty="0" smtClean="0">
-              <a:solidFill>
-                <a:schemeClr val="tx1"/>
-              </a:solidFill>
-              <a:latin typeface="微软雅黑" pitchFamily="34" charset="-122"/>
-              <a:ea typeface="微软雅黑" pitchFamily="34" charset="-122"/>
-            </a:endParaRPr>
-          </a:p>
-          <a:p>
-            <a:pPr algn="l"/>
-            <a:endParaRPr lang="zh-CN" altLang="en-US" sz="1600" dirty="0"/>
-          </a:p>
-        </p:txBody>
-      </p:sp>
-    </p:spTree>
-    <p:extLst>
-      <p:ext uri="{BB962C8B-B14F-4D97-AF65-F5344CB8AC3E}">
-        <p14:creationId xmlns:p14="http://schemas.microsoft.com/office/powerpoint/2010/main" val="2210507751"/>
-      </p:ext>
-    </p:extLst>
-  </p:cSld>
-  <p:clrMapOvr>
-    <a:masterClrMapping/>
-  </p:clrMapOvr>
-  <p:transition spd="slow">
-    <p:fade/>
-  </p:transition>
-  <p:timing>
-    <p:tnLst>
-      <p:par>
-        <p:cTn id="1" dur="indefinite" restart="never" nodeType="tmRoot"/>
-      </p:par>
-    </p:tnLst>
-  </p:timing>
-</p:sld>
-</file>
-
-<file path=ppt/slides/slide6.xml><?xml version="1.0" encoding="utf-8"?>
-<p:sld xmlns:a="http://schemas.openxmlformats.org/drawingml/2006/main" xmlns:r="http://schemas.openxmlformats.org/officeDocument/2006/relationships" xmlns:p="http://schemas.openxmlformats.org/presentationml/2006/main">
-  <p:cSld>
-    <p:spTree>
-      <p:nvGrpSpPr>
-        <p:cNvPr id="1" name=""/>
-        <p:cNvGrpSpPr/>
-        <p:nvPr/>
-      </p:nvGrpSpPr>
-      <p:grpSpPr>
-        <a:xfrm>
-          <a:off x="0" y="0"/>
-          <a:ext cx="0" cy="0"/>
-          <a:chOff x="0" y="0"/>
-          <a:chExt cx="0" cy="0"/>
-        </a:xfrm>
-      </p:grpSpPr>
-      <p:sp>
-        <p:nvSpPr>
-          <p:cNvPr id="7170" name="Rectangle 2"/>
-          <p:cNvSpPr>
-            <a:spLocks noGrp="1" noChangeArrowheads="1"/>
-          </p:cNvSpPr>
-          <p:nvPr>
-            <p:ph type="title" idx="4294967295"/>
-          </p:nvPr>
-        </p:nvSpPr>
-        <p:spPr>
-          <a:xfrm>
-            <a:off x="114672" y="333375"/>
-            <a:ext cx="5105400" cy="452438"/>
-          </a:xfrm>
-        </p:spPr>
-        <p:txBody>
-          <a:bodyPr/>
-          <a:lstStyle/>
-          <a:p>
-            <a:pPr eaLnBrk="1" hangingPunct="1"/>
-            <a:r>
-              <a:rPr lang="zh-CN" altLang="en-US" sz="2800" dirty="0" smtClean="0">
-                <a:solidFill>
-                  <a:srgbClr val="CC0000"/>
-                </a:solidFill>
-                <a:latin typeface="微软雅黑" pitchFamily="34" charset="-122"/>
-                <a:ea typeface="微软雅黑" pitchFamily="34" charset="-122"/>
-              </a:rPr>
-              <a:t>一、</a:t>
-            </a:r>
-            <a:r>
-              <a:rPr lang="zh-CN" altLang="en-US" sz="2800" dirty="0" smtClean="0">
-                <a:solidFill>
-                  <a:srgbClr val="FF0000"/>
-                </a:solidFill>
-                <a:latin typeface="微软雅黑" pitchFamily="34" charset="-122"/>
-                <a:ea typeface="微软雅黑" pitchFamily="34" charset="-122"/>
-              </a:rPr>
-              <a:t>自定义</a:t>
-            </a:r>
-            <a:r>
-              <a:rPr lang="zh-CN" altLang="en-US" sz="2800" dirty="0">
-                <a:solidFill>
-                  <a:srgbClr val="FF0000"/>
-                </a:solidFill>
-                <a:latin typeface="微软雅黑" pitchFamily="34" charset="-122"/>
-                <a:ea typeface="微软雅黑" pitchFamily="34" charset="-122"/>
-              </a:rPr>
-              <a:t>字段和</a:t>
-            </a:r>
-            <a:r>
-              <a:rPr lang="zh-CN" altLang="en-US" sz="2800" dirty="0" smtClean="0">
-                <a:solidFill>
-                  <a:srgbClr val="FF0000"/>
-                </a:solidFill>
-                <a:latin typeface="微软雅黑" pitchFamily="34" charset="-122"/>
-                <a:ea typeface="微软雅黑" pitchFamily="34" charset="-122"/>
-              </a:rPr>
-              <a:t>扩展方案</a:t>
-            </a:r>
-            <a:r>
-              <a:rPr lang="en-US" altLang="zh-CN" sz="2800" dirty="0" smtClean="0">
-                <a:solidFill>
-                  <a:srgbClr val="FF0000"/>
-                </a:solidFill>
-                <a:latin typeface="微软雅黑" pitchFamily="34" charset="-122"/>
-                <a:ea typeface="微软雅黑" pitchFamily="34" charset="-122"/>
-              </a:rPr>
-              <a:t>1</a:t>
-            </a:r>
-            <a:endParaRPr lang="zh-CN" altLang="en-US" sz="2800" dirty="0" smtClean="0">
-              <a:solidFill>
-                <a:srgbClr val="FF0000"/>
-              </a:solidFill>
-              <a:latin typeface="微软雅黑" pitchFamily="34" charset="-122"/>
-              <a:ea typeface="微软雅黑" pitchFamily="34" charset="-122"/>
-            </a:endParaRPr>
-          </a:p>
-        </p:txBody>
-      </p:sp>
-      <p:sp>
-        <p:nvSpPr>
-          <p:cNvPr id="4" name="内容占位符 2"/>
-          <p:cNvSpPr txBox="1">
-            <a:spLocks/>
-          </p:cNvSpPr>
-          <p:nvPr/>
-        </p:nvSpPr>
-        <p:spPr>
-          <a:xfrm>
-            <a:off x="868947" y="1795760"/>
-            <a:ext cx="7231445" cy="2929384"/>
-          </a:xfrm>
-          <a:prstGeom prst="rect">
-            <a:avLst/>
-          </a:prstGeom>
-        </p:spPr>
-        <p:txBody>
-          <a:bodyPr>
-            <a:normAutofit/>
-          </a:bodyPr>
-          <a:lstStyle>
-            <a:lvl1pPr marL="342900" indent="-342900" algn="l" rtl="0" eaLnBrk="0" fontAlgn="base" hangingPunct="0">
-              <a:lnSpc>
-                <a:spcPct val="120000"/>
-              </a:lnSpc>
-              <a:spcBef>
-                <a:spcPct val="20000"/>
-              </a:spcBef>
-              <a:spcAft>
-                <a:spcPct val="0"/>
-              </a:spcAft>
-              <a:buClr>
-                <a:schemeClr val="accent2"/>
-              </a:buClr>
-              <a:buChar char="•"/>
-              <a:defRPr sz="2000" b="1">
-                <a:solidFill>
-                  <a:schemeClr val="tx1"/>
-                </a:solidFill>
-                <a:latin typeface="+mn-lt"/>
-                <a:ea typeface="+mn-ea"/>
-                <a:cs typeface="+mn-cs"/>
-              </a:defRPr>
-            </a:lvl1pPr>
-            <a:lvl2pPr marL="742950" indent="-285750" algn="l" rtl="0" eaLnBrk="0" fontAlgn="base" hangingPunct="0">
-              <a:lnSpc>
-                <a:spcPct val="120000"/>
-              </a:lnSpc>
-              <a:spcBef>
-                <a:spcPct val="20000"/>
-              </a:spcBef>
-              <a:spcAft>
-                <a:spcPct val="0"/>
-              </a:spcAft>
-              <a:buClr>
-                <a:schemeClr val="accent2"/>
-              </a:buClr>
-              <a:buSzPct val="80000"/>
-              <a:buFont typeface="Wingdings" pitchFamily="2" charset="2"/>
-              <a:buChar char="p"/>
-              <a:defRPr sz="2400" b="1">
-                <a:solidFill>
-                  <a:schemeClr val="tx1"/>
-                </a:solidFill>
-                <a:latin typeface="+mn-lt"/>
-                <a:ea typeface="+mn-ea"/>
-              </a:defRPr>
-            </a:lvl2pPr>
-            <a:lvl3pPr marL="1143000" indent="-228600" algn="l" rtl="0" eaLnBrk="0" fontAlgn="base" hangingPunct="0">
-              <a:lnSpc>
-                <a:spcPct val="120000"/>
-              </a:lnSpc>
-              <a:spcBef>
-                <a:spcPct val="20000"/>
-              </a:spcBef>
-              <a:spcAft>
-                <a:spcPct val="0"/>
-              </a:spcAft>
-              <a:buClr>
-                <a:schemeClr val="accent2"/>
-              </a:buClr>
-              <a:buSzPct val="60000"/>
-              <a:buFont typeface="Wingdings" pitchFamily="2" charset="2"/>
-              <a:buChar char="n"/>
-              <a:defRPr sz="2000" b="1">
-                <a:solidFill>
-                  <a:schemeClr val="tx1"/>
-                </a:solidFill>
-                <a:latin typeface="+mn-lt"/>
-                <a:ea typeface="+mn-ea"/>
-              </a:defRPr>
-            </a:lvl3pPr>
-            <a:lvl4pPr marL="1600200" indent="-228600" algn="l" rtl="0" eaLnBrk="0" fontAlgn="base" hangingPunct="0">
-              <a:lnSpc>
-                <a:spcPct val="120000"/>
-              </a:lnSpc>
-              <a:spcBef>
-                <a:spcPct val="20000"/>
-              </a:spcBef>
-              <a:spcAft>
-                <a:spcPct val="0"/>
-              </a:spcAft>
-              <a:buClr>
-                <a:schemeClr val="accent2"/>
-              </a:buClr>
-              <a:buFont typeface="Arial" charset="0"/>
-              <a:buChar char="–"/>
-              <a:defRPr sz="1600" b="1">
-                <a:solidFill>
-                  <a:schemeClr val="tx1"/>
-                </a:solidFill>
-                <a:latin typeface="+mn-lt"/>
-                <a:ea typeface="+mn-ea"/>
-              </a:defRPr>
-            </a:lvl4pPr>
-            <a:lvl5pPr marL="2057400" indent="-228600" algn="l" rtl="0" eaLnBrk="0" fontAlgn="base" hangingPunct="0">
-              <a:lnSpc>
-                <a:spcPct val="120000"/>
-              </a:lnSpc>
-              <a:spcBef>
-                <a:spcPct val="20000"/>
-              </a:spcBef>
-              <a:spcAft>
-                <a:spcPct val="0"/>
-              </a:spcAft>
-              <a:buClr>
-                <a:schemeClr val="accent2"/>
-              </a:buClr>
-              <a:buFont typeface="Arial" charset="0"/>
-              <a:buChar char="»"/>
-              <a:defRPr sz="1400" b="1">
-                <a:solidFill>
-                  <a:schemeClr val="tx1"/>
-                </a:solidFill>
-                <a:latin typeface="+mn-lt"/>
-                <a:ea typeface="+mn-ea"/>
-              </a:defRPr>
-            </a:lvl5pPr>
-            <a:lvl6pPr marL="2514600" indent="-228600" algn="l" rtl="0" fontAlgn="base">
-              <a:lnSpc>
-                <a:spcPct val="120000"/>
-              </a:lnSpc>
-              <a:spcBef>
-                <a:spcPct val="20000"/>
-              </a:spcBef>
-              <a:spcAft>
-                <a:spcPct val="0"/>
-              </a:spcAft>
-              <a:buClr>
-                <a:schemeClr val="accent2"/>
-              </a:buClr>
-              <a:buFont typeface="Arial" pitchFamily="34" charset="0"/>
-              <a:buChar char="»"/>
-              <a:defRPr sz="1400" b="1">
-                <a:solidFill>
-                  <a:schemeClr val="tx1"/>
-                </a:solidFill>
-                <a:latin typeface="+mn-lt"/>
-                <a:ea typeface="+mn-ea"/>
-              </a:defRPr>
-            </a:lvl6pPr>
-            <a:lvl7pPr marL="2971800" indent="-228600" algn="l" rtl="0" fontAlgn="base">
-              <a:lnSpc>
-                <a:spcPct val="120000"/>
-              </a:lnSpc>
-              <a:spcBef>
-                <a:spcPct val="20000"/>
-              </a:spcBef>
-              <a:spcAft>
-                <a:spcPct val="0"/>
-              </a:spcAft>
-              <a:buClr>
-                <a:schemeClr val="accent2"/>
-              </a:buClr>
-              <a:buFont typeface="Arial" pitchFamily="34" charset="0"/>
-              <a:buChar char="»"/>
-              <a:defRPr sz="1400" b="1">
-                <a:solidFill>
-                  <a:schemeClr val="tx1"/>
-                </a:solidFill>
-                <a:latin typeface="+mn-lt"/>
-                <a:ea typeface="+mn-ea"/>
-              </a:defRPr>
-            </a:lvl7pPr>
-            <a:lvl8pPr marL="3429000" indent="-228600" algn="l" rtl="0" fontAlgn="base">
-              <a:lnSpc>
-                <a:spcPct val="120000"/>
-              </a:lnSpc>
-              <a:spcBef>
-                <a:spcPct val="20000"/>
-              </a:spcBef>
-              <a:spcAft>
-                <a:spcPct val="0"/>
-              </a:spcAft>
-              <a:buClr>
-                <a:schemeClr val="accent2"/>
-              </a:buClr>
-              <a:buFont typeface="Arial" pitchFamily="34" charset="0"/>
-              <a:buChar char="»"/>
-              <a:defRPr sz="1400" b="1">
-                <a:solidFill>
-                  <a:schemeClr val="tx1"/>
-                </a:solidFill>
-                <a:latin typeface="+mn-lt"/>
-                <a:ea typeface="+mn-ea"/>
-              </a:defRPr>
-            </a:lvl8pPr>
-            <a:lvl9pPr marL="3886200" indent="-228600" algn="l" rtl="0" fontAlgn="base">
-              <a:lnSpc>
-                <a:spcPct val="120000"/>
-              </a:lnSpc>
-              <a:spcBef>
-                <a:spcPct val="20000"/>
-              </a:spcBef>
-              <a:spcAft>
-                <a:spcPct val="0"/>
-              </a:spcAft>
-              <a:buClr>
-                <a:schemeClr val="accent2"/>
-              </a:buClr>
-              <a:buFont typeface="Arial" pitchFamily="34" charset="0"/>
-              <a:buChar char="»"/>
-              <a:defRPr sz="1400" b="1">
-                <a:solidFill>
-                  <a:schemeClr val="tx1"/>
-                </a:solidFill>
-                <a:latin typeface="+mn-lt"/>
-                <a:ea typeface="+mn-ea"/>
-              </a:defRPr>
-            </a:lvl9pPr>
-          </a:lstStyle>
-          <a:p>
-            <a:pPr>
-              <a:buNone/>
-            </a:pPr>
-            <a:endParaRPr lang="en-US" altLang="zh-CN" b="0" kern="0" dirty="0"/>
-          </a:p>
-        </p:txBody>
-      </p:sp>
-      <p:sp>
-        <p:nvSpPr>
-          <p:cNvPr id="2" name="矩形 1"/>
-          <p:cNvSpPr/>
-          <p:nvPr/>
-        </p:nvSpPr>
-        <p:spPr>
-          <a:xfrm>
-            <a:off x="611560" y="1100222"/>
-            <a:ext cx="6655752" cy="338554"/>
-          </a:xfrm>
-          <a:prstGeom prst="rect">
-            <a:avLst/>
-          </a:prstGeom>
-        </p:spPr>
-        <p:txBody>
-          <a:bodyPr wrap="square">
-            <a:spAutoFit/>
-          </a:bodyPr>
-          <a:lstStyle/>
-          <a:p>
-            <a:pPr algn="l"/>
-            <a:r>
-              <a:rPr lang="en-US" altLang="zh-CN" sz="1600" dirty="0" smtClean="0">
-                <a:solidFill>
-                  <a:schemeClr val="tx1"/>
-                </a:solidFill>
-                <a:latin typeface="微软雅黑" pitchFamily="34" charset="-122"/>
-                <a:ea typeface="微软雅黑" pitchFamily="34" charset="-122"/>
-              </a:rPr>
-              <a:t>1. </a:t>
-            </a:r>
-            <a:r>
-              <a:rPr lang="zh-CN" altLang="en-US" sz="1600" dirty="0" smtClean="0">
-                <a:solidFill>
-                  <a:schemeClr val="tx1"/>
-                </a:solidFill>
-                <a:latin typeface="微软雅黑" pitchFamily="34" charset="-122"/>
-                <a:ea typeface="微软雅黑" pitchFamily="34" charset="-122"/>
-              </a:rPr>
-              <a:t>每个字段作为扩展表的一个字段；</a:t>
-            </a:r>
-            <a:endParaRPr lang="zh-CN" altLang="en-US" sz="1600" dirty="0"/>
-          </a:p>
-        </p:txBody>
-      </p:sp>
-    </p:spTree>
-    <p:extLst>
-      <p:ext uri="{BB962C8B-B14F-4D97-AF65-F5344CB8AC3E}">
-        <p14:creationId xmlns:p14="http://schemas.microsoft.com/office/powerpoint/2010/main" val="1446053503"/>
-      </p:ext>
-    </p:extLst>
-  </p:cSld>
-  <p:clrMapOvr>
-    <a:masterClrMapping/>
-  </p:clrMapOvr>
-  <p:transition spd="slow">
-    <p:fade/>
-  </p:transition>
-  <p:timing>
-    <p:tnLst>
-      <p:par>
-        <p:cTn id="1" dur="indefinite" restart="never" nodeType="tmRoot"/>
-      </p:par>
-    </p:tnLst>
-  </p:timing>
-</p:sld>
-</file>
-
-<file path=ppt/slides/slide7.xml><?xml version="1.0" encoding="utf-8"?>
+<file path=ppt/slides/slide10.xml><?xml version="1.0" encoding="utf-8"?>
 <p:sld xmlns:a="http://schemas.openxmlformats.org/drawingml/2006/main" xmlns:r="http://schemas.openxmlformats.org/officeDocument/2006/relationships" xmlns:p="http://schemas.openxmlformats.org/presentationml/2006/main">
   <p:cSld>
     <p:spTree>
@@ -9336,6 +7267,4606 @@
         </p:txBody>
       </p:sp>
     </p:spTree>
+  </p:cSld>
+  <p:clrMapOvr>
+    <a:masterClrMapping/>
+  </p:clrMapOvr>
+  <p:transition spd="slow">
+    <p:fade/>
+  </p:transition>
+  <p:timing>
+    <p:tnLst>
+      <p:par>
+        <p:cTn id="1" dur="indefinite" restart="never" nodeType="tmRoot"/>
+      </p:par>
+    </p:tnLst>
+  </p:timing>
+</p:sld>
+</file>
+
+<file path=ppt/slides/slide2.xml><?xml version="1.0" encoding="utf-8"?>
+<p:sld xmlns:a="http://schemas.openxmlformats.org/drawingml/2006/main" xmlns:r="http://schemas.openxmlformats.org/officeDocument/2006/relationships" xmlns:p="http://schemas.openxmlformats.org/presentationml/2006/main">
+  <p:cSld>
+    <p:spTree>
+      <p:nvGrpSpPr>
+        <p:cNvPr id="1" name=""/>
+        <p:cNvGrpSpPr/>
+        <p:nvPr/>
+      </p:nvGrpSpPr>
+      <p:grpSpPr>
+        <a:xfrm>
+          <a:off x="0" y="0"/>
+          <a:ext cx="0" cy="0"/>
+          <a:chOff x="0" y="0"/>
+          <a:chExt cx="0" cy="0"/>
+        </a:xfrm>
+      </p:grpSpPr>
+      <p:sp>
+        <p:nvSpPr>
+          <p:cNvPr id="7170" name="Rectangle 2"/>
+          <p:cNvSpPr>
+            <a:spLocks noGrp="1" noChangeArrowheads="1"/>
+          </p:cNvSpPr>
+          <p:nvPr>
+            <p:ph type="title" idx="4294967295"/>
+          </p:nvPr>
+        </p:nvSpPr>
+        <p:spPr>
+          <a:xfrm>
+            <a:off x="114672" y="333375"/>
+            <a:ext cx="5105400" cy="452438"/>
+          </a:xfrm>
+        </p:spPr>
+        <p:txBody>
+          <a:bodyPr/>
+          <a:lstStyle/>
+          <a:p>
+            <a:pPr eaLnBrk="1" hangingPunct="1"/>
+            <a:r>
+              <a:rPr lang="zh-CN" altLang="en-US" sz="2800" dirty="0" smtClean="0">
+                <a:solidFill>
+                  <a:srgbClr val="CC0000"/>
+                </a:solidFill>
+                <a:latin typeface="微软雅黑" pitchFamily="34" charset="-122"/>
+                <a:ea typeface="微软雅黑" pitchFamily="34" charset="-122"/>
+              </a:rPr>
+              <a:t>一、 深高速养护系统</a:t>
+            </a:r>
+          </a:p>
+        </p:txBody>
+      </p:sp>
+      <p:sp>
+        <p:nvSpPr>
+          <p:cNvPr id="4" name="内容占位符 2"/>
+          <p:cNvSpPr txBox="1">
+            <a:spLocks/>
+          </p:cNvSpPr>
+          <p:nvPr/>
+        </p:nvSpPr>
+        <p:spPr>
+          <a:xfrm>
+            <a:off x="539552" y="1196752"/>
+            <a:ext cx="7231445" cy="504056"/>
+          </a:xfrm>
+          <a:prstGeom prst="rect">
+            <a:avLst/>
+          </a:prstGeom>
+        </p:spPr>
+        <p:txBody>
+          <a:bodyPr>
+            <a:noAutofit/>
+          </a:bodyPr>
+          <a:lstStyle>
+            <a:lvl1pPr marL="342900" indent="-342900" algn="l" rtl="0" eaLnBrk="0" fontAlgn="base" hangingPunct="0">
+              <a:lnSpc>
+                <a:spcPct val="120000"/>
+              </a:lnSpc>
+              <a:spcBef>
+                <a:spcPct val="20000"/>
+              </a:spcBef>
+              <a:spcAft>
+                <a:spcPct val="0"/>
+              </a:spcAft>
+              <a:buClr>
+                <a:schemeClr val="accent2"/>
+              </a:buClr>
+              <a:buChar char="•"/>
+              <a:defRPr sz="2000" b="1">
+                <a:solidFill>
+                  <a:schemeClr val="tx1"/>
+                </a:solidFill>
+                <a:latin typeface="+mn-lt"/>
+                <a:ea typeface="+mn-ea"/>
+                <a:cs typeface="+mn-cs"/>
+              </a:defRPr>
+            </a:lvl1pPr>
+            <a:lvl2pPr marL="742950" indent="-285750" algn="l" rtl="0" eaLnBrk="0" fontAlgn="base" hangingPunct="0">
+              <a:lnSpc>
+                <a:spcPct val="120000"/>
+              </a:lnSpc>
+              <a:spcBef>
+                <a:spcPct val="20000"/>
+              </a:spcBef>
+              <a:spcAft>
+                <a:spcPct val="0"/>
+              </a:spcAft>
+              <a:buClr>
+                <a:schemeClr val="accent2"/>
+              </a:buClr>
+              <a:buSzPct val="80000"/>
+              <a:buFont typeface="Wingdings" pitchFamily="2" charset="2"/>
+              <a:buChar char="p"/>
+              <a:defRPr sz="2400" b="1">
+                <a:solidFill>
+                  <a:schemeClr val="tx1"/>
+                </a:solidFill>
+                <a:latin typeface="+mn-lt"/>
+                <a:ea typeface="+mn-ea"/>
+              </a:defRPr>
+            </a:lvl2pPr>
+            <a:lvl3pPr marL="1143000" indent="-228600" algn="l" rtl="0" eaLnBrk="0" fontAlgn="base" hangingPunct="0">
+              <a:lnSpc>
+                <a:spcPct val="120000"/>
+              </a:lnSpc>
+              <a:spcBef>
+                <a:spcPct val="20000"/>
+              </a:spcBef>
+              <a:spcAft>
+                <a:spcPct val="0"/>
+              </a:spcAft>
+              <a:buClr>
+                <a:schemeClr val="accent2"/>
+              </a:buClr>
+              <a:buSzPct val="60000"/>
+              <a:buFont typeface="Wingdings" pitchFamily="2" charset="2"/>
+              <a:buChar char="n"/>
+              <a:defRPr sz="2000" b="1">
+                <a:solidFill>
+                  <a:schemeClr val="tx1"/>
+                </a:solidFill>
+                <a:latin typeface="+mn-lt"/>
+                <a:ea typeface="+mn-ea"/>
+              </a:defRPr>
+            </a:lvl3pPr>
+            <a:lvl4pPr marL="1600200" indent="-228600" algn="l" rtl="0" eaLnBrk="0" fontAlgn="base" hangingPunct="0">
+              <a:lnSpc>
+                <a:spcPct val="120000"/>
+              </a:lnSpc>
+              <a:spcBef>
+                <a:spcPct val="20000"/>
+              </a:spcBef>
+              <a:spcAft>
+                <a:spcPct val="0"/>
+              </a:spcAft>
+              <a:buClr>
+                <a:schemeClr val="accent2"/>
+              </a:buClr>
+              <a:buFont typeface="Arial" charset="0"/>
+              <a:buChar char="–"/>
+              <a:defRPr sz="1600" b="1">
+                <a:solidFill>
+                  <a:schemeClr val="tx1"/>
+                </a:solidFill>
+                <a:latin typeface="+mn-lt"/>
+                <a:ea typeface="+mn-ea"/>
+              </a:defRPr>
+            </a:lvl4pPr>
+            <a:lvl5pPr marL="2057400" indent="-228600" algn="l" rtl="0" eaLnBrk="0" fontAlgn="base" hangingPunct="0">
+              <a:lnSpc>
+                <a:spcPct val="120000"/>
+              </a:lnSpc>
+              <a:spcBef>
+                <a:spcPct val="20000"/>
+              </a:spcBef>
+              <a:spcAft>
+                <a:spcPct val="0"/>
+              </a:spcAft>
+              <a:buClr>
+                <a:schemeClr val="accent2"/>
+              </a:buClr>
+              <a:buFont typeface="Arial" charset="0"/>
+              <a:buChar char="»"/>
+              <a:defRPr sz="1400" b="1">
+                <a:solidFill>
+                  <a:schemeClr val="tx1"/>
+                </a:solidFill>
+                <a:latin typeface="+mn-lt"/>
+                <a:ea typeface="+mn-ea"/>
+              </a:defRPr>
+            </a:lvl5pPr>
+            <a:lvl6pPr marL="2514600" indent="-228600" algn="l" rtl="0" fontAlgn="base">
+              <a:lnSpc>
+                <a:spcPct val="120000"/>
+              </a:lnSpc>
+              <a:spcBef>
+                <a:spcPct val="20000"/>
+              </a:spcBef>
+              <a:spcAft>
+                <a:spcPct val="0"/>
+              </a:spcAft>
+              <a:buClr>
+                <a:schemeClr val="accent2"/>
+              </a:buClr>
+              <a:buFont typeface="Arial" pitchFamily="34" charset="0"/>
+              <a:buChar char="»"/>
+              <a:defRPr sz="1400" b="1">
+                <a:solidFill>
+                  <a:schemeClr val="tx1"/>
+                </a:solidFill>
+                <a:latin typeface="+mn-lt"/>
+                <a:ea typeface="+mn-ea"/>
+              </a:defRPr>
+            </a:lvl6pPr>
+            <a:lvl7pPr marL="2971800" indent="-228600" algn="l" rtl="0" fontAlgn="base">
+              <a:lnSpc>
+                <a:spcPct val="120000"/>
+              </a:lnSpc>
+              <a:spcBef>
+                <a:spcPct val="20000"/>
+              </a:spcBef>
+              <a:spcAft>
+                <a:spcPct val="0"/>
+              </a:spcAft>
+              <a:buClr>
+                <a:schemeClr val="accent2"/>
+              </a:buClr>
+              <a:buFont typeface="Arial" pitchFamily="34" charset="0"/>
+              <a:buChar char="»"/>
+              <a:defRPr sz="1400" b="1">
+                <a:solidFill>
+                  <a:schemeClr val="tx1"/>
+                </a:solidFill>
+                <a:latin typeface="+mn-lt"/>
+                <a:ea typeface="+mn-ea"/>
+              </a:defRPr>
+            </a:lvl7pPr>
+            <a:lvl8pPr marL="3429000" indent="-228600" algn="l" rtl="0" fontAlgn="base">
+              <a:lnSpc>
+                <a:spcPct val="120000"/>
+              </a:lnSpc>
+              <a:spcBef>
+                <a:spcPct val="20000"/>
+              </a:spcBef>
+              <a:spcAft>
+                <a:spcPct val="0"/>
+              </a:spcAft>
+              <a:buClr>
+                <a:schemeClr val="accent2"/>
+              </a:buClr>
+              <a:buFont typeface="Arial" pitchFamily="34" charset="0"/>
+              <a:buChar char="»"/>
+              <a:defRPr sz="1400" b="1">
+                <a:solidFill>
+                  <a:schemeClr val="tx1"/>
+                </a:solidFill>
+                <a:latin typeface="+mn-lt"/>
+                <a:ea typeface="+mn-ea"/>
+              </a:defRPr>
+            </a:lvl8pPr>
+            <a:lvl9pPr marL="3886200" indent="-228600" algn="l" rtl="0" fontAlgn="base">
+              <a:lnSpc>
+                <a:spcPct val="120000"/>
+              </a:lnSpc>
+              <a:spcBef>
+                <a:spcPct val="20000"/>
+              </a:spcBef>
+              <a:spcAft>
+                <a:spcPct val="0"/>
+              </a:spcAft>
+              <a:buClr>
+                <a:schemeClr val="accent2"/>
+              </a:buClr>
+              <a:buFont typeface="Arial" pitchFamily="34" charset="0"/>
+              <a:buChar char="»"/>
+              <a:defRPr sz="1400" b="1">
+                <a:solidFill>
+                  <a:schemeClr val="tx1"/>
+                </a:solidFill>
+                <a:latin typeface="+mn-lt"/>
+                <a:ea typeface="+mn-ea"/>
+              </a:defRPr>
+            </a:lvl9pPr>
+          </a:lstStyle>
+          <a:p>
+            <a:pPr marL="0" indent="0">
+              <a:buNone/>
+            </a:pPr>
+            <a:r>
+              <a:rPr lang="en-US" altLang="zh-CN" sz="2400" b="0" kern="0" dirty="0" smtClean="0">
+                <a:latin typeface="微软雅黑" panose="020B0503020204020204" pitchFamily="34" charset="-122"/>
+                <a:ea typeface="微软雅黑" panose="020B0503020204020204" pitchFamily="34" charset="-122"/>
+              </a:rPr>
+              <a:t>1. </a:t>
+            </a:r>
+            <a:r>
+              <a:rPr lang="zh-CN" altLang="en-US" sz="2400" b="0" kern="0" dirty="0" smtClean="0">
+                <a:latin typeface="微软雅黑" panose="020B0503020204020204" pitchFamily="34" charset="-122"/>
+                <a:ea typeface="微软雅黑" panose="020B0503020204020204" pitchFamily="34" charset="-122"/>
+              </a:rPr>
+              <a:t>现 状</a:t>
+            </a:r>
+            <a:endParaRPr lang="en-US" altLang="zh-CN" sz="2400" b="0" kern="0" dirty="0">
+              <a:latin typeface="微软雅黑" panose="020B0503020204020204" pitchFamily="34" charset="-122"/>
+              <a:ea typeface="微软雅黑" panose="020B0503020204020204" pitchFamily="34" charset="-122"/>
+            </a:endParaRPr>
+          </a:p>
+        </p:txBody>
+      </p:sp>
+      <p:sp>
+        <p:nvSpPr>
+          <p:cNvPr id="2" name="矩形 1"/>
+          <p:cNvSpPr/>
+          <p:nvPr/>
+        </p:nvSpPr>
+        <p:spPr>
+          <a:xfrm>
+            <a:off x="2671637" y="2111747"/>
+            <a:ext cx="2606804" cy="338554"/>
+          </a:xfrm>
+          <a:prstGeom prst="rect">
+            <a:avLst/>
+          </a:prstGeom>
+        </p:spPr>
+        <p:txBody>
+          <a:bodyPr wrap="none">
+            <a:spAutoFit/>
+          </a:bodyPr>
+          <a:lstStyle/>
+          <a:p>
+            <a:r>
+              <a:rPr lang="zh-CN" altLang="en-US" sz="1600" u="sng" dirty="0">
+                <a:solidFill>
+                  <a:srgbClr val="0000CC"/>
+                </a:solidFill>
+                <a:latin typeface="微软雅黑" panose="020B0503020204020204" pitchFamily="34" charset="-122"/>
+                <a:ea typeface="微软雅黑" panose="020B0503020204020204" pitchFamily="34" charset="-122"/>
+              </a:rPr>
+              <a:t>深高速养护系统1102.pdm</a:t>
+            </a:r>
+          </a:p>
+        </p:txBody>
+      </p:sp>
+    </p:spTree>
+    <p:extLst>
+      <p:ext uri="{BB962C8B-B14F-4D97-AF65-F5344CB8AC3E}">
+        <p14:creationId xmlns:p14="http://schemas.microsoft.com/office/powerpoint/2010/main" val="3154683058"/>
+      </p:ext>
+    </p:extLst>
+  </p:cSld>
+  <p:clrMapOvr>
+    <a:masterClrMapping/>
+  </p:clrMapOvr>
+  <p:transition spd="slow">
+    <p:fade/>
+  </p:transition>
+  <p:timing>
+    <p:tnLst>
+      <p:par>
+        <p:cTn id="1" dur="indefinite" restart="never" nodeType="tmRoot"/>
+      </p:par>
+    </p:tnLst>
+  </p:timing>
+</p:sld>
+</file>
+
+<file path=ppt/slides/slide3.xml><?xml version="1.0" encoding="utf-8"?>
+<p:sld xmlns:a="http://schemas.openxmlformats.org/drawingml/2006/main" xmlns:r="http://schemas.openxmlformats.org/officeDocument/2006/relationships" xmlns:p="http://schemas.openxmlformats.org/presentationml/2006/main">
+  <p:cSld>
+    <p:spTree>
+      <p:nvGrpSpPr>
+        <p:cNvPr id="1" name=""/>
+        <p:cNvGrpSpPr/>
+        <p:nvPr/>
+      </p:nvGrpSpPr>
+      <p:grpSpPr>
+        <a:xfrm>
+          <a:off x="0" y="0"/>
+          <a:ext cx="0" cy="0"/>
+          <a:chOff x="0" y="0"/>
+          <a:chExt cx="0" cy="0"/>
+        </a:xfrm>
+      </p:grpSpPr>
+      <p:sp>
+        <p:nvSpPr>
+          <p:cNvPr id="7170" name="Rectangle 2"/>
+          <p:cNvSpPr>
+            <a:spLocks noGrp="1" noChangeArrowheads="1"/>
+          </p:cNvSpPr>
+          <p:nvPr>
+            <p:ph type="title" idx="4294967295"/>
+          </p:nvPr>
+        </p:nvSpPr>
+        <p:spPr>
+          <a:xfrm>
+            <a:off x="114672" y="333375"/>
+            <a:ext cx="5105400" cy="452438"/>
+          </a:xfrm>
+        </p:spPr>
+        <p:txBody>
+          <a:bodyPr/>
+          <a:lstStyle/>
+          <a:p>
+            <a:pPr eaLnBrk="1" hangingPunct="1"/>
+            <a:r>
+              <a:rPr lang="zh-CN" altLang="en-US" sz="2800" dirty="0" smtClean="0">
+                <a:solidFill>
+                  <a:srgbClr val="CC0000"/>
+                </a:solidFill>
+                <a:latin typeface="微软雅黑" pitchFamily="34" charset="-122"/>
+                <a:ea typeface="微软雅黑" pitchFamily="34" charset="-122"/>
+              </a:rPr>
+              <a:t>一、 深高速养护系统</a:t>
+            </a:r>
+          </a:p>
+        </p:txBody>
+      </p:sp>
+      <p:sp>
+        <p:nvSpPr>
+          <p:cNvPr id="4" name="内容占位符 2"/>
+          <p:cNvSpPr txBox="1">
+            <a:spLocks/>
+          </p:cNvSpPr>
+          <p:nvPr/>
+        </p:nvSpPr>
+        <p:spPr>
+          <a:xfrm>
+            <a:off x="539552" y="1196752"/>
+            <a:ext cx="7231445" cy="504056"/>
+          </a:xfrm>
+          <a:prstGeom prst="rect">
+            <a:avLst/>
+          </a:prstGeom>
+        </p:spPr>
+        <p:txBody>
+          <a:bodyPr>
+            <a:noAutofit/>
+          </a:bodyPr>
+          <a:lstStyle>
+            <a:lvl1pPr marL="342900" indent="-342900" algn="l" rtl="0" eaLnBrk="0" fontAlgn="base" hangingPunct="0">
+              <a:lnSpc>
+                <a:spcPct val="120000"/>
+              </a:lnSpc>
+              <a:spcBef>
+                <a:spcPct val="20000"/>
+              </a:spcBef>
+              <a:spcAft>
+                <a:spcPct val="0"/>
+              </a:spcAft>
+              <a:buClr>
+                <a:schemeClr val="accent2"/>
+              </a:buClr>
+              <a:buChar char="•"/>
+              <a:defRPr sz="2000" b="1">
+                <a:solidFill>
+                  <a:schemeClr val="tx1"/>
+                </a:solidFill>
+                <a:latin typeface="+mn-lt"/>
+                <a:ea typeface="+mn-ea"/>
+                <a:cs typeface="+mn-cs"/>
+              </a:defRPr>
+            </a:lvl1pPr>
+            <a:lvl2pPr marL="742950" indent="-285750" algn="l" rtl="0" eaLnBrk="0" fontAlgn="base" hangingPunct="0">
+              <a:lnSpc>
+                <a:spcPct val="120000"/>
+              </a:lnSpc>
+              <a:spcBef>
+                <a:spcPct val="20000"/>
+              </a:spcBef>
+              <a:spcAft>
+                <a:spcPct val="0"/>
+              </a:spcAft>
+              <a:buClr>
+                <a:schemeClr val="accent2"/>
+              </a:buClr>
+              <a:buSzPct val="80000"/>
+              <a:buFont typeface="Wingdings" pitchFamily="2" charset="2"/>
+              <a:buChar char="p"/>
+              <a:defRPr sz="2400" b="1">
+                <a:solidFill>
+                  <a:schemeClr val="tx1"/>
+                </a:solidFill>
+                <a:latin typeface="+mn-lt"/>
+                <a:ea typeface="+mn-ea"/>
+              </a:defRPr>
+            </a:lvl2pPr>
+            <a:lvl3pPr marL="1143000" indent="-228600" algn="l" rtl="0" eaLnBrk="0" fontAlgn="base" hangingPunct="0">
+              <a:lnSpc>
+                <a:spcPct val="120000"/>
+              </a:lnSpc>
+              <a:spcBef>
+                <a:spcPct val="20000"/>
+              </a:spcBef>
+              <a:spcAft>
+                <a:spcPct val="0"/>
+              </a:spcAft>
+              <a:buClr>
+                <a:schemeClr val="accent2"/>
+              </a:buClr>
+              <a:buSzPct val="60000"/>
+              <a:buFont typeface="Wingdings" pitchFamily="2" charset="2"/>
+              <a:buChar char="n"/>
+              <a:defRPr sz="2000" b="1">
+                <a:solidFill>
+                  <a:schemeClr val="tx1"/>
+                </a:solidFill>
+                <a:latin typeface="+mn-lt"/>
+                <a:ea typeface="+mn-ea"/>
+              </a:defRPr>
+            </a:lvl3pPr>
+            <a:lvl4pPr marL="1600200" indent="-228600" algn="l" rtl="0" eaLnBrk="0" fontAlgn="base" hangingPunct="0">
+              <a:lnSpc>
+                <a:spcPct val="120000"/>
+              </a:lnSpc>
+              <a:spcBef>
+                <a:spcPct val="20000"/>
+              </a:spcBef>
+              <a:spcAft>
+                <a:spcPct val="0"/>
+              </a:spcAft>
+              <a:buClr>
+                <a:schemeClr val="accent2"/>
+              </a:buClr>
+              <a:buFont typeface="Arial" charset="0"/>
+              <a:buChar char="–"/>
+              <a:defRPr sz="1600" b="1">
+                <a:solidFill>
+                  <a:schemeClr val="tx1"/>
+                </a:solidFill>
+                <a:latin typeface="+mn-lt"/>
+                <a:ea typeface="+mn-ea"/>
+              </a:defRPr>
+            </a:lvl4pPr>
+            <a:lvl5pPr marL="2057400" indent="-228600" algn="l" rtl="0" eaLnBrk="0" fontAlgn="base" hangingPunct="0">
+              <a:lnSpc>
+                <a:spcPct val="120000"/>
+              </a:lnSpc>
+              <a:spcBef>
+                <a:spcPct val="20000"/>
+              </a:spcBef>
+              <a:spcAft>
+                <a:spcPct val="0"/>
+              </a:spcAft>
+              <a:buClr>
+                <a:schemeClr val="accent2"/>
+              </a:buClr>
+              <a:buFont typeface="Arial" charset="0"/>
+              <a:buChar char="»"/>
+              <a:defRPr sz="1400" b="1">
+                <a:solidFill>
+                  <a:schemeClr val="tx1"/>
+                </a:solidFill>
+                <a:latin typeface="+mn-lt"/>
+                <a:ea typeface="+mn-ea"/>
+              </a:defRPr>
+            </a:lvl5pPr>
+            <a:lvl6pPr marL="2514600" indent="-228600" algn="l" rtl="0" fontAlgn="base">
+              <a:lnSpc>
+                <a:spcPct val="120000"/>
+              </a:lnSpc>
+              <a:spcBef>
+                <a:spcPct val="20000"/>
+              </a:spcBef>
+              <a:spcAft>
+                <a:spcPct val="0"/>
+              </a:spcAft>
+              <a:buClr>
+                <a:schemeClr val="accent2"/>
+              </a:buClr>
+              <a:buFont typeface="Arial" pitchFamily="34" charset="0"/>
+              <a:buChar char="»"/>
+              <a:defRPr sz="1400" b="1">
+                <a:solidFill>
+                  <a:schemeClr val="tx1"/>
+                </a:solidFill>
+                <a:latin typeface="+mn-lt"/>
+                <a:ea typeface="+mn-ea"/>
+              </a:defRPr>
+            </a:lvl6pPr>
+            <a:lvl7pPr marL="2971800" indent="-228600" algn="l" rtl="0" fontAlgn="base">
+              <a:lnSpc>
+                <a:spcPct val="120000"/>
+              </a:lnSpc>
+              <a:spcBef>
+                <a:spcPct val="20000"/>
+              </a:spcBef>
+              <a:spcAft>
+                <a:spcPct val="0"/>
+              </a:spcAft>
+              <a:buClr>
+                <a:schemeClr val="accent2"/>
+              </a:buClr>
+              <a:buFont typeface="Arial" pitchFamily="34" charset="0"/>
+              <a:buChar char="»"/>
+              <a:defRPr sz="1400" b="1">
+                <a:solidFill>
+                  <a:schemeClr val="tx1"/>
+                </a:solidFill>
+                <a:latin typeface="+mn-lt"/>
+                <a:ea typeface="+mn-ea"/>
+              </a:defRPr>
+            </a:lvl7pPr>
+            <a:lvl8pPr marL="3429000" indent="-228600" algn="l" rtl="0" fontAlgn="base">
+              <a:lnSpc>
+                <a:spcPct val="120000"/>
+              </a:lnSpc>
+              <a:spcBef>
+                <a:spcPct val="20000"/>
+              </a:spcBef>
+              <a:spcAft>
+                <a:spcPct val="0"/>
+              </a:spcAft>
+              <a:buClr>
+                <a:schemeClr val="accent2"/>
+              </a:buClr>
+              <a:buFont typeface="Arial" pitchFamily="34" charset="0"/>
+              <a:buChar char="»"/>
+              <a:defRPr sz="1400" b="1">
+                <a:solidFill>
+                  <a:schemeClr val="tx1"/>
+                </a:solidFill>
+                <a:latin typeface="+mn-lt"/>
+                <a:ea typeface="+mn-ea"/>
+              </a:defRPr>
+            </a:lvl8pPr>
+            <a:lvl9pPr marL="3886200" indent="-228600" algn="l" rtl="0" fontAlgn="base">
+              <a:lnSpc>
+                <a:spcPct val="120000"/>
+              </a:lnSpc>
+              <a:spcBef>
+                <a:spcPct val="20000"/>
+              </a:spcBef>
+              <a:spcAft>
+                <a:spcPct val="0"/>
+              </a:spcAft>
+              <a:buClr>
+                <a:schemeClr val="accent2"/>
+              </a:buClr>
+              <a:buFont typeface="Arial" pitchFamily="34" charset="0"/>
+              <a:buChar char="»"/>
+              <a:defRPr sz="1400" b="1">
+                <a:solidFill>
+                  <a:schemeClr val="tx1"/>
+                </a:solidFill>
+                <a:latin typeface="+mn-lt"/>
+                <a:ea typeface="+mn-ea"/>
+              </a:defRPr>
+            </a:lvl9pPr>
+          </a:lstStyle>
+          <a:p>
+            <a:pPr marL="0" indent="0">
+              <a:buNone/>
+            </a:pPr>
+            <a:r>
+              <a:rPr lang="en-US" altLang="zh-CN" sz="2400" b="0" kern="0" dirty="0" smtClean="0">
+                <a:latin typeface="微软雅黑" panose="020B0503020204020204" pitchFamily="34" charset="-122"/>
+                <a:ea typeface="微软雅黑" panose="020B0503020204020204" pitchFamily="34" charset="-122"/>
+              </a:rPr>
+              <a:t>2. </a:t>
+            </a:r>
+            <a:r>
+              <a:rPr lang="zh-CN" altLang="en-US" sz="2400" b="0" kern="0" dirty="0" smtClean="0">
+                <a:latin typeface="微软雅黑" panose="020B0503020204020204" pitchFamily="34" charset="-122"/>
+                <a:ea typeface="微软雅黑" panose="020B0503020204020204" pitchFamily="34" charset="-122"/>
+              </a:rPr>
+              <a:t>存在问题</a:t>
+            </a:r>
+            <a:endParaRPr lang="en-US" altLang="zh-CN" sz="2400" b="0" kern="0" dirty="0">
+              <a:latin typeface="微软雅黑" panose="020B0503020204020204" pitchFamily="34" charset="-122"/>
+              <a:ea typeface="微软雅黑" panose="020B0503020204020204" pitchFamily="34" charset="-122"/>
+            </a:endParaRPr>
+          </a:p>
+        </p:txBody>
+      </p:sp>
+      <p:sp>
+        <p:nvSpPr>
+          <p:cNvPr id="5" name="矩形 4"/>
+          <p:cNvSpPr/>
+          <p:nvPr/>
+        </p:nvSpPr>
+        <p:spPr>
+          <a:xfrm>
+            <a:off x="971600" y="1941931"/>
+            <a:ext cx="7344816" cy="2554545"/>
+          </a:xfrm>
+          <a:prstGeom prst="rect">
+            <a:avLst/>
+          </a:prstGeom>
+        </p:spPr>
+        <p:txBody>
+          <a:bodyPr wrap="square">
+            <a:spAutoFit/>
+          </a:bodyPr>
+          <a:lstStyle/>
+          <a:p>
+            <a:pPr marL="342900" indent="-342900" algn="l" latinLnBrk="0">
+              <a:lnSpc>
+                <a:spcPct val="200000"/>
+              </a:lnSpc>
+              <a:buFont typeface="Wingdings" panose="05000000000000000000" pitchFamily="2" charset="2"/>
+              <a:buChar char="Ø"/>
+            </a:pPr>
+            <a:r>
+              <a:rPr lang="zh-CN" altLang="en-US" sz="1600" dirty="0" smtClean="0">
+                <a:solidFill>
+                  <a:schemeClr val="tx1"/>
+                </a:solidFill>
+                <a:latin typeface="微软雅黑" pitchFamily="34" charset="-122"/>
+                <a:ea typeface="微软雅黑" pitchFamily="34" charset="-122"/>
+              </a:rPr>
+              <a:t>只涉及几个主要养护业务（资产基础数据，巡查，小修保养，计划管理，合同管理）</a:t>
+            </a:r>
+            <a:r>
+              <a:rPr lang="zh-CN" altLang="en-US" sz="1600" dirty="0">
+                <a:solidFill>
+                  <a:schemeClr val="tx1"/>
+                </a:solidFill>
+                <a:latin typeface="微软雅黑" pitchFamily="34" charset="-122"/>
+                <a:ea typeface="微软雅黑" pitchFamily="34" charset="-122"/>
+              </a:rPr>
+              <a:t>，</a:t>
+            </a:r>
+            <a:r>
+              <a:rPr lang="zh-CN" altLang="en-US" sz="1600" dirty="0" smtClean="0">
+                <a:solidFill>
+                  <a:schemeClr val="tx1"/>
+                </a:solidFill>
+                <a:latin typeface="微软雅黑" pitchFamily="34" charset="-122"/>
+                <a:ea typeface="微软雅黑" pitchFamily="34" charset="-122"/>
+              </a:rPr>
+              <a:t>其他业务不全，比如定检和特殊检测仅保存检测结果，应急处置也是简单记录；</a:t>
+            </a:r>
+            <a:endParaRPr lang="en-US" altLang="zh-CN" sz="1600" dirty="0" smtClean="0">
+              <a:solidFill>
+                <a:schemeClr val="tx1"/>
+              </a:solidFill>
+              <a:latin typeface="微软雅黑" pitchFamily="34" charset="-122"/>
+              <a:ea typeface="微软雅黑" pitchFamily="34" charset="-122"/>
+            </a:endParaRPr>
+          </a:p>
+          <a:p>
+            <a:pPr marL="342900" indent="-342900" algn="l" latinLnBrk="0">
+              <a:lnSpc>
+                <a:spcPct val="200000"/>
+              </a:lnSpc>
+              <a:buFont typeface="Wingdings" panose="05000000000000000000" pitchFamily="2" charset="2"/>
+              <a:buChar char="Ø"/>
+            </a:pPr>
+            <a:r>
+              <a:rPr lang="zh-CN" altLang="en-US" sz="1600" dirty="0" smtClean="0">
+                <a:solidFill>
+                  <a:schemeClr val="tx1"/>
+                </a:solidFill>
+                <a:latin typeface="微软雅黑" pitchFamily="34" charset="-122"/>
+                <a:ea typeface="微软雅黑" pitchFamily="34" charset="-122"/>
+              </a:rPr>
+              <a:t>对业务变化的扩展考虑过于机械；</a:t>
+            </a:r>
+            <a:endParaRPr lang="en-US" altLang="zh-CN" sz="1600" dirty="0">
+              <a:solidFill>
+                <a:schemeClr val="tx1"/>
+              </a:solidFill>
+              <a:latin typeface="微软雅黑" pitchFamily="34" charset="-122"/>
+              <a:ea typeface="微软雅黑" pitchFamily="34" charset="-122"/>
+            </a:endParaRPr>
+          </a:p>
+          <a:p>
+            <a:pPr marL="342900" indent="-342900" algn="l">
+              <a:lnSpc>
+                <a:spcPct val="200000"/>
+              </a:lnSpc>
+              <a:buFont typeface="Wingdings" panose="05000000000000000000" pitchFamily="2" charset="2"/>
+              <a:buChar char="Ø"/>
+            </a:pPr>
+            <a:endParaRPr lang="en-US" altLang="zh-CN" sz="1600" dirty="0" smtClean="0">
+              <a:solidFill>
+                <a:schemeClr val="tx1"/>
+              </a:solidFill>
+              <a:latin typeface="微软雅黑" pitchFamily="34" charset="-122"/>
+              <a:ea typeface="微软雅黑" pitchFamily="34" charset="-122"/>
+            </a:endParaRPr>
+          </a:p>
+        </p:txBody>
+      </p:sp>
+    </p:spTree>
+    <p:extLst>
+      <p:ext uri="{BB962C8B-B14F-4D97-AF65-F5344CB8AC3E}">
+        <p14:creationId xmlns:p14="http://schemas.microsoft.com/office/powerpoint/2010/main" val="2846577582"/>
+      </p:ext>
+    </p:extLst>
+  </p:cSld>
+  <p:clrMapOvr>
+    <a:masterClrMapping/>
+  </p:clrMapOvr>
+  <p:transition spd="slow">
+    <p:fade/>
+  </p:transition>
+  <p:timing>
+    <p:tnLst>
+      <p:par>
+        <p:cTn id="1" dur="indefinite" restart="never" nodeType="tmRoot"/>
+      </p:par>
+    </p:tnLst>
+  </p:timing>
+</p:sld>
+</file>
+
+<file path=ppt/slides/slide4.xml><?xml version="1.0" encoding="utf-8"?>
+<p:sld xmlns:a="http://schemas.openxmlformats.org/drawingml/2006/main" xmlns:r="http://schemas.openxmlformats.org/officeDocument/2006/relationships" xmlns:p="http://schemas.openxmlformats.org/presentationml/2006/main">
+  <p:cSld>
+    <p:spTree>
+      <p:nvGrpSpPr>
+        <p:cNvPr id="1" name=""/>
+        <p:cNvGrpSpPr/>
+        <p:nvPr/>
+      </p:nvGrpSpPr>
+      <p:grpSpPr>
+        <a:xfrm>
+          <a:off x="0" y="0"/>
+          <a:ext cx="0" cy="0"/>
+          <a:chOff x="0" y="0"/>
+          <a:chExt cx="0" cy="0"/>
+        </a:xfrm>
+      </p:grpSpPr>
+      <p:sp>
+        <p:nvSpPr>
+          <p:cNvPr id="7170" name="Rectangle 2"/>
+          <p:cNvSpPr>
+            <a:spLocks noGrp="1" noChangeArrowheads="1"/>
+          </p:cNvSpPr>
+          <p:nvPr>
+            <p:ph type="title" idx="4294967295"/>
+          </p:nvPr>
+        </p:nvSpPr>
+        <p:spPr>
+          <a:xfrm>
+            <a:off x="114672" y="333375"/>
+            <a:ext cx="5105400" cy="452438"/>
+          </a:xfrm>
+        </p:spPr>
+        <p:txBody>
+          <a:bodyPr/>
+          <a:lstStyle/>
+          <a:p>
+            <a:pPr eaLnBrk="1" hangingPunct="1"/>
+            <a:r>
+              <a:rPr lang="zh-CN" altLang="en-US" sz="2800" dirty="0" smtClean="0">
+                <a:solidFill>
+                  <a:srgbClr val="CC0000"/>
+                </a:solidFill>
+                <a:latin typeface="微软雅黑" pitchFamily="34" charset="-122"/>
+                <a:ea typeface="微软雅黑" pitchFamily="34" charset="-122"/>
+              </a:rPr>
+              <a:t>一、 深高速养护系统</a:t>
+            </a:r>
+          </a:p>
+        </p:txBody>
+      </p:sp>
+      <p:sp>
+        <p:nvSpPr>
+          <p:cNvPr id="4" name="内容占位符 2"/>
+          <p:cNvSpPr txBox="1">
+            <a:spLocks/>
+          </p:cNvSpPr>
+          <p:nvPr/>
+        </p:nvSpPr>
+        <p:spPr>
+          <a:xfrm>
+            <a:off x="539552" y="1196752"/>
+            <a:ext cx="7231445" cy="504056"/>
+          </a:xfrm>
+          <a:prstGeom prst="rect">
+            <a:avLst/>
+          </a:prstGeom>
+        </p:spPr>
+        <p:txBody>
+          <a:bodyPr>
+            <a:noAutofit/>
+          </a:bodyPr>
+          <a:lstStyle>
+            <a:lvl1pPr marL="342900" indent="-342900" algn="l" rtl="0" eaLnBrk="0" fontAlgn="base" hangingPunct="0">
+              <a:lnSpc>
+                <a:spcPct val="120000"/>
+              </a:lnSpc>
+              <a:spcBef>
+                <a:spcPct val="20000"/>
+              </a:spcBef>
+              <a:spcAft>
+                <a:spcPct val="0"/>
+              </a:spcAft>
+              <a:buClr>
+                <a:schemeClr val="accent2"/>
+              </a:buClr>
+              <a:buChar char="•"/>
+              <a:defRPr sz="2000" b="1">
+                <a:solidFill>
+                  <a:schemeClr val="tx1"/>
+                </a:solidFill>
+                <a:latin typeface="+mn-lt"/>
+                <a:ea typeface="+mn-ea"/>
+                <a:cs typeface="+mn-cs"/>
+              </a:defRPr>
+            </a:lvl1pPr>
+            <a:lvl2pPr marL="742950" indent="-285750" algn="l" rtl="0" eaLnBrk="0" fontAlgn="base" hangingPunct="0">
+              <a:lnSpc>
+                <a:spcPct val="120000"/>
+              </a:lnSpc>
+              <a:spcBef>
+                <a:spcPct val="20000"/>
+              </a:spcBef>
+              <a:spcAft>
+                <a:spcPct val="0"/>
+              </a:spcAft>
+              <a:buClr>
+                <a:schemeClr val="accent2"/>
+              </a:buClr>
+              <a:buSzPct val="80000"/>
+              <a:buFont typeface="Wingdings" pitchFamily="2" charset="2"/>
+              <a:buChar char="p"/>
+              <a:defRPr sz="2400" b="1">
+                <a:solidFill>
+                  <a:schemeClr val="tx1"/>
+                </a:solidFill>
+                <a:latin typeface="+mn-lt"/>
+                <a:ea typeface="+mn-ea"/>
+              </a:defRPr>
+            </a:lvl2pPr>
+            <a:lvl3pPr marL="1143000" indent="-228600" algn="l" rtl="0" eaLnBrk="0" fontAlgn="base" hangingPunct="0">
+              <a:lnSpc>
+                <a:spcPct val="120000"/>
+              </a:lnSpc>
+              <a:spcBef>
+                <a:spcPct val="20000"/>
+              </a:spcBef>
+              <a:spcAft>
+                <a:spcPct val="0"/>
+              </a:spcAft>
+              <a:buClr>
+                <a:schemeClr val="accent2"/>
+              </a:buClr>
+              <a:buSzPct val="60000"/>
+              <a:buFont typeface="Wingdings" pitchFamily="2" charset="2"/>
+              <a:buChar char="n"/>
+              <a:defRPr sz="2000" b="1">
+                <a:solidFill>
+                  <a:schemeClr val="tx1"/>
+                </a:solidFill>
+                <a:latin typeface="+mn-lt"/>
+                <a:ea typeface="+mn-ea"/>
+              </a:defRPr>
+            </a:lvl3pPr>
+            <a:lvl4pPr marL="1600200" indent="-228600" algn="l" rtl="0" eaLnBrk="0" fontAlgn="base" hangingPunct="0">
+              <a:lnSpc>
+                <a:spcPct val="120000"/>
+              </a:lnSpc>
+              <a:spcBef>
+                <a:spcPct val="20000"/>
+              </a:spcBef>
+              <a:spcAft>
+                <a:spcPct val="0"/>
+              </a:spcAft>
+              <a:buClr>
+                <a:schemeClr val="accent2"/>
+              </a:buClr>
+              <a:buFont typeface="Arial" charset="0"/>
+              <a:buChar char="–"/>
+              <a:defRPr sz="1600" b="1">
+                <a:solidFill>
+                  <a:schemeClr val="tx1"/>
+                </a:solidFill>
+                <a:latin typeface="+mn-lt"/>
+                <a:ea typeface="+mn-ea"/>
+              </a:defRPr>
+            </a:lvl4pPr>
+            <a:lvl5pPr marL="2057400" indent="-228600" algn="l" rtl="0" eaLnBrk="0" fontAlgn="base" hangingPunct="0">
+              <a:lnSpc>
+                <a:spcPct val="120000"/>
+              </a:lnSpc>
+              <a:spcBef>
+                <a:spcPct val="20000"/>
+              </a:spcBef>
+              <a:spcAft>
+                <a:spcPct val="0"/>
+              </a:spcAft>
+              <a:buClr>
+                <a:schemeClr val="accent2"/>
+              </a:buClr>
+              <a:buFont typeface="Arial" charset="0"/>
+              <a:buChar char="»"/>
+              <a:defRPr sz="1400" b="1">
+                <a:solidFill>
+                  <a:schemeClr val="tx1"/>
+                </a:solidFill>
+                <a:latin typeface="+mn-lt"/>
+                <a:ea typeface="+mn-ea"/>
+              </a:defRPr>
+            </a:lvl5pPr>
+            <a:lvl6pPr marL="2514600" indent="-228600" algn="l" rtl="0" fontAlgn="base">
+              <a:lnSpc>
+                <a:spcPct val="120000"/>
+              </a:lnSpc>
+              <a:spcBef>
+                <a:spcPct val="20000"/>
+              </a:spcBef>
+              <a:spcAft>
+                <a:spcPct val="0"/>
+              </a:spcAft>
+              <a:buClr>
+                <a:schemeClr val="accent2"/>
+              </a:buClr>
+              <a:buFont typeface="Arial" pitchFamily="34" charset="0"/>
+              <a:buChar char="»"/>
+              <a:defRPr sz="1400" b="1">
+                <a:solidFill>
+                  <a:schemeClr val="tx1"/>
+                </a:solidFill>
+                <a:latin typeface="+mn-lt"/>
+                <a:ea typeface="+mn-ea"/>
+              </a:defRPr>
+            </a:lvl6pPr>
+            <a:lvl7pPr marL="2971800" indent="-228600" algn="l" rtl="0" fontAlgn="base">
+              <a:lnSpc>
+                <a:spcPct val="120000"/>
+              </a:lnSpc>
+              <a:spcBef>
+                <a:spcPct val="20000"/>
+              </a:spcBef>
+              <a:spcAft>
+                <a:spcPct val="0"/>
+              </a:spcAft>
+              <a:buClr>
+                <a:schemeClr val="accent2"/>
+              </a:buClr>
+              <a:buFont typeface="Arial" pitchFamily="34" charset="0"/>
+              <a:buChar char="»"/>
+              <a:defRPr sz="1400" b="1">
+                <a:solidFill>
+                  <a:schemeClr val="tx1"/>
+                </a:solidFill>
+                <a:latin typeface="+mn-lt"/>
+                <a:ea typeface="+mn-ea"/>
+              </a:defRPr>
+            </a:lvl7pPr>
+            <a:lvl8pPr marL="3429000" indent="-228600" algn="l" rtl="0" fontAlgn="base">
+              <a:lnSpc>
+                <a:spcPct val="120000"/>
+              </a:lnSpc>
+              <a:spcBef>
+                <a:spcPct val="20000"/>
+              </a:spcBef>
+              <a:spcAft>
+                <a:spcPct val="0"/>
+              </a:spcAft>
+              <a:buClr>
+                <a:schemeClr val="accent2"/>
+              </a:buClr>
+              <a:buFont typeface="Arial" pitchFamily="34" charset="0"/>
+              <a:buChar char="»"/>
+              <a:defRPr sz="1400" b="1">
+                <a:solidFill>
+                  <a:schemeClr val="tx1"/>
+                </a:solidFill>
+                <a:latin typeface="+mn-lt"/>
+                <a:ea typeface="+mn-ea"/>
+              </a:defRPr>
+            </a:lvl8pPr>
+            <a:lvl9pPr marL="3886200" indent="-228600" algn="l" rtl="0" fontAlgn="base">
+              <a:lnSpc>
+                <a:spcPct val="120000"/>
+              </a:lnSpc>
+              <a:spcBef>
+                <a:spcPct val="20000"/>
+              </a:spcBef>
+              <a:spcAft>
+                <a:spcPct val="0"/>
+              </a:spcAft>
+              <a:buClr>
+                <a:schemeClr val="accent2"/>
+              </a:buClr>
+              <a:buFont typeface="Arial" pitchFamily="34" charset="0"/>
+              <a:buChar char="»"/>
+              <a:defRPr sz="1400" b="1">
+                <a:solidFill>
+                  <a:schemeClr val="tx1"/>
+                </a:solidFill>
+                <a:latin typeface="+mn-lt"/>
+                <a:ea typeface="+mn-ea"/>
+              </a:defRPr>
+            </a:lvl9pPr>
+          </a:lstStyle>
+          <a:p>
+            <a:pPr marL="0" indent="0">
+              <a:buNone/>
+            </a:pPr>
+            <a:r>
+              <a:rPr lang="en-US" altLang="zh-CN" sz="2400" b="0" kern="0" dirty="0" smtClean="0">
+                <a:latin typeface="微软雅黑" panose="020B0503020204020204" pitchFamily="34" charset="-122"/>
+                <a:ea typeface="微软雅黑" panose="020B0503020204020204" pitchFamily="34" charset="-122"/>
+              </a:rPr>
+              <a:t>2. </a:t>
+            </a:r>
+            <a:r>
+              <a:rPr lang="zh-CN" altLang="en-US" sz="2400" b="0" kern="0" dirty="0" smtClean="0">
+                <a:latin typeface="微软雅黑" panose="020B0503020204020204" pitchFamily="34" charset="-122"/>
+                <a:ea typeface="微软雅黑" panose="020B0503020204020204" pitchFamily="34" charset="-122"/>
+              </a:rPr>
+              <a:t>存在问题</a:t>
+            </a:r>
+            <a:endParaRPr lang="en-US" altLang="zh-CN" sz="2400" b="0" kern="0" dirty="0">
+              <a:latin typeface="微软雅黑" panose="020B0503020204020204" pitchFamily="34" charset="-122"/>
+              <a:ea typeface="微软雅黑" panose="020B0503020204020204" pitchFamily="34" charset="-122"/>
+            </a:endParaRPr>
+          </a:p>
+        </p:txBody>
+      </p:sp>
+      <p:pic>
+        <p:nvPicPr>
+          <p:cNvPr id="2" name="图片 1"/>
+          <p:cNvPicPr>
+            <a:picLocks noChangeAspect="1"/>
+          </p:cNvPicPr>
+          <p:nvPr/>
+        </p:nvPicPr>
+        <p:blipFill>
+          <a:blip r:embed="rId3"/>
+          <a:stretch>
+            <a:fillRect/>
+          </a:stretch>
+        </p:blipFill>
+        <p:spPr>
+          <a:xfrm>
+            <a:off x="1187624" y="1700808"/>
+            <a:ext cx="6408712" cy="4534660"/>
+          </a:xfrm>
+          <a:prstGeom prst="rect">
+            <a:avLst/>
+          </a:prstGeom>
+        </p:spPr>
+      </p:pic>
+    </p:spTree>
+    <p:extLst>
+      <p:ext uri="{BB962C8B-B14F-4D97-AF65-F5344CB8AC3E}">
+        <p14:creationId xmlns:p14="http://schemas.microsoft.com/office/powerpoint/2010/main" val="1038917971"/>
+      </p:ext>
+    </p:extLst>
+  </p:cSld>
+  <p:clrMapOvr>
+    <a:masterClrMapping/>
+  </p:clrMapOvr>
+  <p:transition spd="slow">
+    <p:fade/>
+  </p:transition>
+  <p:timing>
+    <p:tnLst>
+      <p:par>
+        <p:cTn id="1" dur="indefinite" restart="never" nodeType="tmRoot"/>
+      </p:par>
+    </p:tnLst>
+  </p:timing>
+</p:sld>
+</file>
+
+<file path=ppt/slides/slide5.xml><?xml version="1.0" encoding="utf-8"?>
+<p:sld xmlns:a="http://schemas.openxmlformats.org/drawingml/2006/main" xmlns:r="http://schemas.openxmlformats.org/officeDocument/2006/relationships" xmlns:p="http://schemas.openxmlformats.org/presentationml/2006/main">
+  <p:cSld>
+    <p:spTree>
+      <p:nvGrpSpPr>
+        <p:cNvPr id="1" name=""/>
+        <p:cNvGrpSpPr/>
+        <p:nvPr/>
+      </p:nvGrpSpPr>
+      <p:grpSpPr>
+        <a:xfrm>
+          <a:off x="0" y="0"/>
+          <a:ext cx="0" cy="0"/>
+          <a:chOff x="0" y="0"/>
+          <a:chExt cx="0" cy="0"/>
+        </a:xfrm>
+      </p:grpSpPr>
+      <p:sp>
+        <p:nvSpPr>
+          <p:cNvPr id="7170" name="Rectangle 2"/>
+          <p:cNvSpPr>
+            <a:spLocks noGrp="1" noChangeArrowheads="1"/>
+          </p:cNvSpPr>
+          <p:nvPr>
+            <p:ph type="title" idx="4294967295"/>
+          </p:nvPr>
+        </p:nvSpPr>
+        <p:spPr>
+          <a:xfrm>
+            <a:off x="114672" y="333375"/>
+            <a:ext cx="5321424" cy="452438"/>
+          </a:xfrm>
+        </p:spPr>
+        <p:txBody>
+          <a:bodyPr/>
+          <a:lstStyle/>
+          <a:p>
+            <a:pPr eaLnBrk="1" hangingPunct="1"/>
+            <a:r>
+              <a:rPr lang="zh-CN" altLang="en-US" sz="2800" dirty="0">
+                <a:solidFill>
+                  <a:srgbClr val="CC0000"/>
+                </a:solidFill>
+                <a:latin typeface="微软雅黑" pitchFamily="34" charset="-122"/>
+                <a:ea typeface="微软雅黑" pitchFamily="34" charset="-122"/>
+              </a:rPr>
+              <a:t>二、 </a:t>
+            </a:r>
+            <a:r>
+              <a:rPr lang="zh-CN" altLang="en-US" sz="2800" dirty="0" smtClean="0">
+                <a:solidFill>
+                  <a:srgbClr val="CC0000"/>
+                </a:solidFill>
+                <a:latin typeface="微软雅黑" pitchFamily="34" charset="-122"/>
+                <a:ea typeface="微软雅黑" pitchFamily="34" charset="-122"/>
+              </a:rPr>
+              <a:t>产品化数据库设计</a:t>
+            </a:r>
+            <a:endParaRPr lang="zh-CN" altLang="en-US" sz="2800" dirty="0" smtClean="0">
+              <a:solidFill>
+                <a:srgbClr val="CC0000"/>
+              </a:solidFill>
+              <a:latin typeface="微软雅黑" pitchFamily="34" charset="-122"/>
+              <a:ea typeface="微软雅黑" pitchFamily="34" charset="-122"/>
+            </a:endParaRPr>
+          </a:p>
+        </p:txBody>
+      </p:sp>
+      <p:sp>
+        <p:nvSpPr>
+          <p:cNvPr id="4" name="内容占位符 2"/>
+          <p:cNvSpPr txBox="1">
+            <a:spLocks/>
+          </p:cNvSpPr>
+          <p:nvPr/>
+        </p:nvSpPr>
+        <p:spPr>
+          <a:xfrm>
+            <a:off x="539552" y="1196752"/>
+            <a:ext cx="7231445" cy="504056"/>
+          </a:xfrm>
+          <a:prstGeom prst="rect">
+            <a:avLst/>
+          </a:prstGeom>
+        </p:spPr>
+        <p:txBody>
+          <a:bodyPr>
+            <a:noAutofit/>
+          </a:bodyPr>
+          <a:lstStyle>
+            <a:lvl1pPr marL="342900" indent="-342900" algn="l" rtl="0" eaLnBrk="0" fontAlgn="base" hangingPunct="0">
+              <a:lnSpc>
+                <a:spcPct val="120000"/>
+              </a:lnSpc>
+              <a:spcBef>
+                <a:spcPct val="20000"/>
+              </a:spcBef>
+              <a:spcAft>
+                <a:spcPct val="0"/>
+              </a:spcAft>
+              <a:buClr>
+                <a:schemeClr val="accent2"/>
+              </a:buClr>
+              <a:buChar char="•"/>
+              <a:defRPr sz="2000" b="1">
+                <a:solidFill>
+                  <a:schemeClr val="tx1"/>
+                </a:solidFill>
+                <a:latin typeface="+mn-lt"/>
+                <a:ea typeface="+mn-ea"/>
+                <a:cs typeface="+mn-cs"/>
+              </a:defRPr>
+            </a:lvl1pPr>
+            <a:lvl2pPr marL="742950" indent="-285750" algn="l" rtl="0" eaLnBrk="0" fontAlgn="base" hangingPunct="0">
+              <a:lnSpc>
+                <a:spcPct val="120000"/>
+              </a:lnSpc>
+              <a:spcBef>
+                <a:spcPct val="20000"/>
+              </a:spcBef>
+              <a:spcAft>
+                <a:spcPct val="0"/>
+              </a:spcAft>
+              <a:buClr>
+                <a:schemeClr val="accent2"/>
+              </a:buClr>
+              <a:buSzPct val="80000"/>
+              <a:buFont typeface="Wingdings" pitchFamily="2" charset="2"/>
+              <a:buChar char="p"/>
+              <a:defRPr sz="2400" b="1">
+                <a:solidFill>
+                  <a:schemeClr val="tx1"/>
+                </a:solidFill>
+                <a:latin typeface="+mn-lt"/>
+                <a:ea typeface="+mn-ea"/>
+              </a:defRPr>
+            </a:lvl2pPr>
+            <a:lvl3pPr marL="1143000" indent="-228600" algn="l" rtl="0" eaLnBrk="0" fontAlgn="base" hangingPunct="0">
+              <a:lnSpc>
+                <a:spcPct val="120000"/>
+              </a:lnSpc>
+              <a:spcBef>
+                <a:spcPct val="20000"/>
+              </a:spcBef>
+              <a:spcAft>
+                <a:spcPct val="0"/>
+              </a:spcAft>
+              <a:buClr>
+                <a:schemeClr val="accent2"/>
+              </a:buClr>
+              <a:buSzPct val="60000"/>
+              <a:buFont typeface="Wingdings" pitchFamily="2" charset="2"/>
+              <a:buChar char="n"/>
+              <a:defRPr sz="2000" b="1">
+                <a:solidFill>
+                  <a:schemeClr val="tx1"/>
+                </a:solidFill>
+                <a:latin typeface="+mn-lt"/>
+                <a:ea typeface="+mn-ea"/>
+              </a:defRPr>
+            </a:lvl3pPr>
+            <a:lvl4pPr marL="1600200" indent="-228600" algn="l" rtl="0" eaLnBrk="0" fontAlgn="base" hangingPunct="0">
+              <a:lnSpc>
+                <a:spcPct val="120000"/>
+              </a:lnSpc>
+              <a:spcBef>
+                <a:spcPct val="20000"/>
+              </a:spcBef>
+              <a:spcAft>
+                <a:spcPct val="0"/>
+              </a:spcAft>
+              <a:buClr>
+                <a:schemeClr val="accent2"/>
+              </a:buClr>
+              <a:buFont typeface="Arial" charset="0"/>
+              <a:buChar char="–"/>
+              <a:defRPr sz="1600" b="1">
+                <a:solidFill>
+                  <a:schemeClr val="tx1"/>
+                </a:solidFill>
+                <a:latin typeface="+mn-lt"/>
+                <a:ea typeface="+mn-ea"/>
+              </a:defRPr>
+            </a:lvl4pPr>
+            <a:lvl5pPr marL="2057400" indent="-228600" algn="l" rtl="0" eaLnBrk="0" fontAlgn="base" hangingPunct="0">
+              <a:lnSpc>
+                <a:spcPct val="120000"/>
+              </a:lnSpc>
+              <a:spcBef>
+                <a:spcPct val="20000"/>
+              </a:spcBef>
+              <a:spcAft>
+                <a:spcPct val="0"/>
+              </a:spcAft>
+              <a:buClr>
+                <a:schemeClr val="accent2"/>
+              </a:buClr>
+              <a:buFont typeface="Arial" charset="0"/>
+              <a:buChar char="»"/>
+              <a:defRPr sz="1400" b="1">
+                <a:solidFill>
+                  <a:schemeClr val="tx1"/>
+                </a:solidFill>
+                <a:latin typeface="+mn-lt"/>
+                <a:ea typeface="+mn-ea"/>
+              </a:defRPr>
+            </a:lvl5pPr>
+            <a:lvl6pPr marL="2514600" indent="-228600" algn="l" rtl="0" fontAlgn="base">
+              <a:lnSpc>
+                <a:spcPct val="120000"/>
+              </a:lnSpc>
+              <a:spcBef>
+                <a:spcPct val="20000"/>
+              </a:spcBef>
+              <a:spcAft>
+                <a:spcPct val="0"/>
+              </a:spcAft>
+              <a:buClr>
+                <a:schemeClr val="accent2"/>
+              </a:buClr>
+              <a:buFont typeface="Arial" pitchFamily="34" charset="0"/>
+              <a:buChar char="»"/>
+              <a:defRPr sz="1400" b="1">
+                <a:solidFill>
+                  <a:schemeClr val="tx1"/>
+                </a:solidFill>
+                <a:latin typeface="+mn-lt"/>
+                <a:ea typeface="+mn-ea"/>
+              </a:defRPr>
+            </a:lvl6pPr>
+            <a:lvl7pPr marL="2971800" indent="-228600" algn="l" rtl="0" fontAlgn="base">
+              <a:lnSpc>
+                <a:spcPct val="120000"/>
+              </a:lnSpc>
+              <a:spcBef>
+                <a:spcPct val="20000"/>
+              </a:spcBef>
+              <a:spcAft>
+                <a:spcPct val="0"/>
+              </a:spcAft>
+              <a:buClr>
+                <a:schemeClr val="accent2"/>
+              </a:buClr>
+              <a:buFont typeface="Arial" pitchFamily="34" charset="0"/>
+              <a:buChar char="»"/>
+              <a:defRPr sz="1400" b="1">
+                <a:solidFill>
+                  <a:schemeClr val="tx1"/>
+                </a:solidFill>
+                <a:latin typeface="+mn-lt"/>
+                <a:ea typeface="+mn-ea"/>
+              </a:defRPr>
+            </a:lvl7pPr>
+            <a:lvl8pPr marL="3429000" indent="-228600" algn="l" rtl="0" fontAlgn="base">
+              <a:lnSpc>
+                <a:spcPct val="120000"/>
+              </a:lnSpc>
+              <a:spcBef>
+                <a:spcPct val="20000"/>
+              </a:spcBef>
+              <a:spcAft>
+                <a:spcPct val="0"/>
+              </a:spcAft>
+              <a:buClr>
+                <a:schemeClr val="accent2"/>
+              </a:buClr>
+              <a:buFont typeface="Arial" pitchFamily="34" charset="0"/>
+              <a:buChar char="»"/>
+              <a:defRPr sz="1400" b="1">
+                <a:solidFill>
+                  <a:schemeClr val="tx1"/>
+                </a:solidFill>
+                <a:latin typeface="+mn-lt"/>
+                <a:ea typeface="+mn-ea"/>
+              </a:defRPr>
+            </a:lvl8pPr>
+            <a:lvl9pPr marL="3886200" indent="-228600" algn="l" rtl="0" fontAlgn="base">
+              <a:lnSpc>
+                <a:spcPct val="120000"/>
+              </a:lnSpc>
+              <a:spcBef>
+                <a:spcPct val="20000"/>
+              </a:spcBef>
+              <a:spcAft>
+                <a:spcPct val="0"/>
+              </a:spcAft>
+              <a:buClr>
+                <a:schemeClr val="accent2"/>
+              </a:buClr>
+              <a:buFont typeface="Arial" pitchFamily="34" charset="0"/>
+              <a:buChar char="»"/>
+              <a:defRPr sz="1400" b="1">
+                <a:solidFill>
+                  <a:schemeClr val="tx1"/>
+                </a:solidFill>
+                <a:latin typeface="+mn-lt"/>
+                <a:ea typeface="+mn-ea"/>
+              </a:defRPr>
+            </a:lvl9pPr>
+          </a:lstStyle>
+          <a:p>
+            <a:pPr marL="0" indent="0">
+              <a:buNone/>
+            </a:pPr>
+            <a:r>
+              <a:rPr lang="en-US" altLang="zh-CN" sz="2400" b="0" kern="0" dirty="0" smtClean="0">
+                <a:latin typeface="微软雅黑" panose="020B0503020204020204" pitchFamily="34" charset="-122"/>
+                <a:ea typeface="微软雅黑" panose="020B0503020204020204" pitchFamily="34" charset="-122"/>
+              </a:rPr>
+              <a:t>1. </a:t>
+            </a:r>
+            <a:r>
+              <a:rPr lang="zh-CN" altLang="en-US" sz="2400" b="0" kern="0" dirty="0" smtClean="0">
+                <a:latin typeface="微软雅黑" panose="020B0503020204020204" pitchFamily="34" charset="-122"/>
+                <a:ea typeface="微软雅黑" panose="020B0503020204020204" pitchFamily="34" charset="-122"/>
+              </a:rPr>
+              <a:t>设计目标</a:t>
+            </a:r>
+            <a:endParaRPr lang="en-US" altLang="zh-CN" sz="2400" b="0" kern="0" dirty="0">
+              <a:latin typeface="微软雅黑" panose="020B0503020204020204" pitchFamily="34" charset="-122"/>
+              <a:ea typeface="微软雅黑" panose="020B0503020204020204" pitchFamily="34" charset="-122"/>
+            </a:endParaRPr>
+          </a:p>
+        </p:txBody>
+      </p:sp>
+      <p:sp>
+        <p:nvSpPr>
+          <p:cNvPr id="10" name="矩形 9"/>
+          <p:cNvSpPr/>
+          <p:nvPr/>
+        </p:nvSpPr>
+        <p:spPr>
+          <a:xfrm>
+            <a:off x="971600" y="1681064"/>
+            <a:ext cx="6799397" cy="3785652"/>
+          </a:xfrm>
+          <a:prstGeom prst="rect">
+            <a:avLst/>
+          </a:prstGeom>
+        </p:spPr>
+        <p:txBody>
+          <a:bodyPr wrap="square" anchor="ctr">
+            <a:spAutoFit/>
+          </a:bodyPr>
+          <a:lstStyle/>
+          <a:p>
+            <a:pPr marL="285750" indent="-285750" algn="l">
+              <a:lnSpc>
+                <a:spcPct val="200000"/>
+              </a:lnSpc>
+              <a:buFont typeface="Wingdings" panose="05000000000000000000" pitchFamily="2" charset="2"/>
+              <a:buChar char="Ø"/>
+            </a:pPr>
+            <a:r>
+              <a:rPr lang="zh-CN" altLang="en-US" sz="2000" dirty="0">
+                <a:solidFill>
+                  <a:schemeClr val="tx1"/>
+                </a:solidFill>
+                <a:latin typeface="微软雅黑" pitchFamily="34" charset="-122"/>
+                <a:ea typeface="微软雅黑" pitchFamily="34" charset="-122"/>
+              </a:rPr>
+              <a:t>数据库设计规范化</a:t>
+            </a:r>
+            <a:endParaRPr lang="en-US" altLang="zh-CN" sz="2000" dirty="0">
+              <a:solidFill>
+                <a:schemeClr val="tx1"/>
+              </a:solidFill>
+              <a:latin typeface="微软雅黑" pitchFamily="34" charset="-122"/>
+              <a:ea typeface="微软雅黑" pitchFamily="34" charset="-122"/>
+            </a:endParaRPr>
+          </a:p>
+          <a:p>
+            <a:pPr marL="285750" indent="-285750" algn="l">
+              <a:lnSpc>
+                <a:spcPct val="200000"/>
+              </a:lnSpc>
+              <a:buFont typeface="Wingdings" panose="05000000000000000000" pitchFamily="2" charset="2"/>
+              <a:buChar char="Ø"/>
+            </a:pPr>
+            <a:r>
+              <a:rPr lang="zh-CN" altLang="en-US" sz="2000" dirty="0" smtClean="0">
+                <a:solidFill>
+                  <a:schemeClr val="tx1"/>
+                </a:solidFill>
+                <a:latin typeface="微软雅黑" pitchFamily="34" charset="-122"/>
+                <a:ea typeface="微软雅黑" pitchFamily="34" charset="-122"/>
+              </a:rPr>
+              <a:t>满足业务管理</a:t>
+            </a:r>
+            <a:r>
+              <a:rPr lang="zh-CN" altLang="en-US" sz="2000" dirty="0">
+                <a:solidFill>
+                  <a:schemeClr val="tx1"/>
+                </a:solidFill>
+                <a:latin typeface="微软雅黑" pitchFamily="34" charset="-122"/>
+                <a:ea typeface="微软雅黑" pitchFamily="34" charset="-122"/>
+              </a:rPr>
+              <a:t>需要</a:t>
+            </a:r>
+            <a:r>
+              <a:rPr lang="zh-CN" altLang="en-US" sz="2000" dirty="0" smtClean="0">
+                <a:solidFill>
+                  <a:schemeClr val="tx1"/>
+                </a:solidFill>
+                <a:latin typeface="微软雅黑" pitchFamily="34" charset="-122"/>
+                <a:ea typeface="微软雅黑" pitchFamily="34" charset="-122"/>
+              </a:rPr>
+              <a:t>，并适当</a:t>
+            </a:r>
+            <a:r>
+              <a:rPr lang="zh-CN" altLang="en-US" sz="2000" dirty="0" smtClean="0">
+                <a:solidFill>
+                  <a:schemeClr val="tx1"/>
+                </a:solidFill>
+                <a:latin typeface="微软雅黑" pitchFamily="34" charset="-122"/>
+                <a:ea typeface="微软雅黑" pitchFamily="34" charset="-122"/>
+              </a:rPr>
+              <a:t>预留适应业务变化，例如：</a:t>
+            </a:r>
+            <a:endParaRPr lang="en-US" altLang="zh-CN" sz="2000" dirty="0" smtClean="0">
+              <a:solidFill>
+                <a:schemeClr val="tx1"/>
+              </a:solidFill>
+              <a:latin typeface="微软雅黑" pitchFamily="34" charset="-122"/>
+              <a:ea typeface="微软雅黑" pitchFamily="34" charset="-122"/>
+            </a:endParaRPr>
+          </a:p>
+          <a:p>
+            <a:pPr marL="285750" indent="-285750" algn="l">
+              <a:lnSpc>
+                <a:spcPct val="200000"/>
+              </a:lnSpc>
+              <a:buFont typeface="Wingdings" panose="05000000000000000000" pitchFamily="2" charset="2"/>
+              <a:buChar char="Ø"/>
+            </a:pPr>
+            <a:endParaRPr lang="en-US" altLang="zh-CN" sz="2000" dirty="0" smtClean="0">
+              <a:solidFill>
+                <a:schemeClr val="tx1"/>
+              </a:solidFill>
+              <a:latin typeface="微软雅黑" pitchFamily="34" charset="-122"/>
+              <a:ea typeface="微软雅黑" pitchFamily="34" charset="-122"/>
+            </a:endParaRPr>
+          </a:p>
+          <a:p>
+            <a:pPr marL="285750" indent="-285750" algn="l">
+              <a:lnSpc>
+                <a:spcPct val="200000"/>
+              </a:lnSpc>
+              <a:buFont typeface="Wingdings" panose="05000000000000000000" pitchFamily="2" charset="2"/>
+              <a:buChar char="Ø"/>
+            </a:pPr>
+            <a:endParaRPr lang="en-US" altLang="zh-CN" sz="2000" dirty="0" smtClean="0">
+              <a:solidFill>
+                <a:schemeClr val="tx1"/>
+              </a:solidFill>
+              <a:latin typeface="微软雅黑" pitchFamily="34" charset="-122"/>
+              <a:ea typeface="微软雅黑" pitchFamily="34" charset="-122"/>
+            </a:endParaRPr>
+          </a:p>
+          <a:p>
+            <a:pPr algn="l">
+              <a:lnSpc>
+                <a:spcPct val="200000"/>
+              </a:lnSpc>
+            </a:pPr>
+            <a:endParaRPr lang="en-US" altLang="zh-CN" sz="2000" dirty="0">
+              <a:solidFill>
+                <a:schemeClr val="tx1"/>
+              </a:solidFill>
+              <a:latin typeface="微软雅黑" pitchFamily="34" charset="-122"/>
+              <a:ea typeface="微软雅黑" pitchFamily="34" charset="-122"/>
+            </a:endParaRPr>
+          </a:p>
+          <a:p>
+            <a:pPr marL="285750" indent="-285750" algn="l">
+              <a:lnSpc>
+                <a:spcPct val="200000"/>
+              </a:lnSpc>
+              <a:buFont typeface="Wingdings" panose="05000000000000000000" pitchFamily="2" charset="2"/>
+              <a:buChar char="Ø"/>
+            </a:pPr>
+            <a:r>
+              <a:rPr lang="zh-CN" altLang="en-US" sz="2000" dirty="0" smtClean="0">
+                <a:solidFill>
+                  <a:schemeClr val="tx1"/>
+                </a:solidFill>
+                <a:latin typeface="微软雅黑" pitchFamily="34" charset="-122"/>
+                <a:ea typeface="微软雅黑" pitchFamily="34" charset="-122"/>
+              </a:rPr>
+              <a:t>与公司新平台设计无缝集成</a:t>
+            </a:r>
+            <a:endParaRPr lang="en-US" altLang="zh-CN" sz="2000" dirty="0" smtClean="0">
+              <a:solidFill>
+                <a:schemeClr val="tx1"/>
+              </a:solidFill>
+              <a:latin typeface="微软雅黑" pitchFamily="34" charset="-122"/>
+              <a:ea typeface="微软雅黑" pitchFamily="34" charset="-122"/>
+            </a:endParaRPr>
+          </a:p>
+        </p:txBody>
+      </p:sp>
+      <p:sp>
+        <p:nvSpPr>
+          <p:cNvPr id="11" name="矩形 10"/>
+          <p:cNvSpPr/>
+          <p:nvPr/>
+        </p:nvSpPr>
+        <p:spPr>
+          <a:xfrm>
+            <a:off x="1295128" y="3068960"/>
+            <a:ext cx="7848872" cy="2169825"/>
+          </a:xfrm>
+          <a:prstGeom prst="rect">
+            <a:avLst/>
+          </a:prstGeom>
+        </p:spPr>
+        <p:txBody>
+          <a:bodyPr wrap="square">
+            <a:spAutoFit/>
+          </a:bodyPr>
+          <a:lstStyle/>
+          <a:p>
+            <a:pPr marL="285750" indent="-285750" algn="l">
+              <a:lnSpc>
+                <a:spcPct val="150000"/>
+              </a:lnSpc>
+              <a:buFont typeface="Wingdings" panose="05000000000000000000" pitchFamily="2" charset="2"/>
+              <a:buChar char="p"/>
+            </a:pPr>
+            <a:r>
+              <a:rPr lang="zh-CN" altLang="en-US" sz="1800" dirty="0" smtClean="0">
+                <a:solidFill>
+                  <a:schemeClr val="tx1"/>
+                </a:solidFill>
+                <a:latin typeface="微软雅黑" pitchFamily="34" charset="-122"/>
+                <a:ea typeface="微软雅黑" pitchFamily="34" charset="-122"/>
+              </a:rPr>
+              <a:t>统一规划涉及的主要</a:t>
+            </a:r>
+            <a:r>
+              <a:rPr lang="zh-CN" altLang="en-US" sz="1800" dirty="0" smtClean="0">
+                <a:solidFill>
+                  <a:schemeClr val="tx1"/>
+                </a:solidFill>
+                <a:latin typeface="微软雅黑" pitchFamily="34" charset="-122"/>
+                <a:ea typeface="微软雅黑" pitchFamily="34" charset="-122"/>
+              </a:rPr>
+              <a:t>业务对象；</a:t>
+            </a:r>
+            <a:endParaRPr lang="en-US" altLang="zh-CN" sz="1800" dirty="0" smtClean="0">
+              <a:solidFill>
+                <a:schemeClr val="tx1"/>
+              </a:solidFill>
+              <a:latin typeface="微软雅黑" pitchFamily="34" charset="-122"/>
+              <a:ea typeface="微软雅黑" pitchFamily="34" charset="-122"/>
+            </a:endParaRPr>
+          </a:p>
+          <a:p>
+            <a:pPr marL="285750" indent="-285750" algn="l">
+              <a:lnSpc>
+                <a:spcPct val="150000"/>
+              </a:lnSpc>
+              <a:buFont typeface="Wingdings" panose="05000000000000000000" pitchFamily="2" charset="2"/>
+              <a:buChar char="p"/>
+            </a:pPr>
+            <a:r>
+              <a:rPr lang="zh-CN" altLang="en-US" sz="1800" dirty="0" smtClean="0">
+                <a:solidFill>
+                  <a:schemeClr val="tx1"/>
+                </a:solidFill>
+                <a:latin typeface="微软雅黑" pitchFamily="34" charset="-122"/>
+                <a:ea typeface="微软雅黑" pitchFamily="34" charset="-122"/>
+              </a:rPr>
+              <a:t>支持</a:t>
+            </a:r>
+            <a:r>
+              <a:rPr lang="en-US" altLang="zh-CN" sz="1800" dirty="0" smtClean="0">
+                <a:solidFill>
+                  <a:schemeClr val="tx1"/>
+                </a:solidFill>
+                <a:latin typeface="微软雅黑" pitchFamily="34" charset="-122"/>
+                <a:ea typeface="微软雅黑" pitchFamily="34" charset="-122"/>
+              </a:rPr>
+              <a:t>BIM</a:t>
+            </a:r>
+            <a:r>
+              <a:rPr lang="zh-CN" altLang="en-US" sz="1800" dirty="0" smtClean="0">
+                <a:solidFill>
+                  <a:schemeClr val="tx1"/>
+                </a:solidFill>
+                <a:latin typeface="微软雅黑" pitchFamily="34" charset="-122"/>
+                <a:ea typeface="微软雅黑" pitchFamily="34" charset="-122"/>
+              </a:rPr>
+              <a:t>应用扩展；</a:t>
+            </a:r>
+            <a:endParaRPr lang="en-US" altLang="zh-CN" sz="1800" dirty="0" smtClean="0">
+              <a:solidFill>
+                <a:schemeClr val="tx1"/>
+              </a:solidFill>
+              <a:latin typeface="微软雅黑" pitchFamily="34" charset="-122"/>
+              <a:ea typeface="微软雅黑" pitchFamily="34" charset="-122"/>
+            </a:endParaRPr>
+          </a:p>
+          <a:p>
+            <a:pPr marL="285750" indent="-285750" algn="l">
+              <a:lnSpc>
+                <a:spcPct val="150000"/>
+              </a:lnSpc>
+              <a:buFont typeface="Wingdings" panose="05000000000000000000" pitchFamily="2" charset="2"/>
+              <a:buChar char="p"/>
+            </a:pPr>
+            <a:r>
+              <a:rPr lang="zh-CN" altLang="en-US" sz="1800" dirty="0" smtClean="0">
+                <a:solidFill>
+                  <a:schemeClr val="tx1"/>
+                </a:solidFill>
+                <a:latin typeface="微软雅黑" pitchFamily="34" charset="-122"/>
+                <a:ea typeface="微软雅黑" pitchFamily="34" charset="-122"/>
+              </a:rPr>
+              <a:t>设施</a:t>
+            </a:r>
+            <a:r>
+              <a:rPr lang="zh-CN" altLang="en-US" sz="1800" dirty="0">
+                <a:solidFill>
+                  <a:schemeClr val="tx1"/>
+                </a:solidFill>
+                <a:latin typeface="微软雅黑" pitchFamily="34" charset="-122"/>
+                <a:ea typeface="微软雅黑" pitchFamily="34" charset="-122"/>
+              </a:rPr>
+              <a:t>资产属性一定程度的自定义支持；</a:t>
+            </a:r>
+            <a:endParaRPr lang="en-US" altLang="zh-CN" sz="1800" dirty="0">
+              <a:solidFill>
+                <a:schemeClr val="tx1"/>
+              </a:solidFill>
+              <a:latin typeface="微软雅黑" pitchFamily="34" charset="-122"/>
+              <a:ea typeface="微软雅黑" pitchFamily="34" charset="-122"/>
+            </a:endParaRPr>
+          </a:p>
+          <a:p>
+            <a:pPr marL="285750" indent="-285750" algn="l">
+              <a:lnSpc>
+                <a:spcPct val="150000"/>
+              </a:lnSpc>
+              <a:buFont typeface="Wingdings" panose="05000000000000000000" pitchFamily="2" charset="2"/>
+              <a:buChar char="p"/>
+            </a:pPr>
+            <a:r>
+              <a:rPr lang="zh-CN" altLang="en-US" sz="1800" dirty="0" smtClean="0">
+                <a:solidFill>
+                  <a:schemeClr val="tx1"/>
+                </a:solidFill>
+                <a:latin typeface="微软雅黑" pitchFamily="34" charset="-122"/>
+                <a:ea typeface="微软雅黑" pitchFamily="34" charset="-122"/>
+              </a:rPr>
+              <a:t>主要工单信息提供</a:t>
+            </a:r>
+            <a:r>
+              <a:rPr lang="zh-CN" altLang="en-US" sz="1800" dirty="0">
+                <a:solidFill>
+                  <a:schemeClr val="tx1"/>
+                </a:solidFill>
+                <a:latin typeface="微软雅黑" pitchFamily="34" charset="-122"/>
+                <a:ea typeface="微软雅黑" pitchFamily="34" charset="-122"/>
+              </a:rPr>
+              <a:t>一定程度的自定义</a:t>
+            </a:r>
+            <a:r>
+              <a:rPr lang="zh-CN" altLang="en-US" sz="1800" dirty="0" smtClean="0">
+                <a:solidFill>
+                  <a:schemeClr val="tx1"/>
+                </a:solidFill>
+                <a:latin typeface="微软雅黑" pitchFamily="34" charset="-122"/>
+                <a:ea typeface="微软雅黑" pitchFamily="34" charset="-122"/>
+              </a:rPr>
+              <a:t>支持；</a:t>
+            </a:r>
+            <a:endParaRPr lang="en-US" altLang="zh-CN" sz="1800" dirty="0" smtClean="0">
+              <a:solidFill>
+                <a:schemeClr val="tx1"/>
+              </a:solidFill>
+              <a:latin typeface="微软雅黑" pitchFamily="34" charset="-122"/>
+              <a:ea typeface="微软雅黑" pitchFamily="34" charset="-122"/>
+            </a:endParaRPr>
+          </a:p>
+          <a:p>
+            <a:pPr marL="285750" indent="-285750" algn="l">
+              <a:lnSpc>
+                <a:spcPct val="150000"/>
+              </a:lnSpc>
+              <a:buFont typeface="Wingdings" panose="05000000000000000000" pitchFamily="2" charset="2"/>
+              <a:buChar char="p"/>
+            </a:pPr>
+            <a:endParaRPr lang="en-US" altLang="zh-CN" sz="1800" dirty="0" smtClean="0">
+              <a:solidFill>
+                <a:schemeClr val="tx1"/>
+              </a:solidFill>
+              <a:latin typeface="微软雅黑" pitchFamily="34" charset="-122"/>
+              <a:ea typeface="微软雅黑" pitchFamily="34" charset="-122"/>
+            </a:endParaRPr>
+          </a:p>
+        </p:txBody>
+      </p:sp>
+    </p:spTree>
+    <p:extLst>
+      <p:ext uri="{BB962C8B-B14F-4D97-AF65-F5344CB8AC3E}">
+        <p14:creationId xmlns:p14="http://schemas.microsoft.com/office/powerpoint/2010/main" val="1447167485"/>
+      </p:ext>
+    </p:extLst>
+  </p:cSld>
+  <p:clrMapOvr>
+    <a:masterClrMapping/>
+  </p:clrMapOvr>
+  <p:transition spd="slow">
+    <p:fade/>
+  </p:transition>
+  <p:timing>
+    <p:tnLst>
+      <p:par>
+        <p:cTn id="1" dur="indefinite" restart="never" nodeType="tmRoot"/>
+      </p:par>
+    </p:tnLst>
+  </p:timing>
+</p:sld>
+</file>
+
+<file path=ppt/slides/slide6.xml><?xml version="1.0" encoding="utf-8"?>
+<p:sld xmlns:a="http://schemas.openxmlformats.org/drawingml/2006/main" xmlns:r="http://schemas.openxmlformats.org/officeDocument/2006/relationships" xmlns:p="http://schemas.openxmlformats.org/presentationml/2006/main">
+  <p:cSld>
+    <p:spTree>
+      <p:nvGrpSpPr>
+        <p:cNvPr id="1" name=""/>
+        <p:cNvGrpSpPr/>
+        <p:nvPr/>
+      </p:nvGrpSpPr>
+      <p:grpSpPr>
+        <a:xfrm>
+          <a:off x="0" y="0"/>
+          <a:ext cx="0" cy="0"/>
+          <a:chOff x="0" y="0"/>
+          <a:chExt cx="0" cy="0"/>
+        </a:xfrm>
+      </p:grpSpPr>
+      <p:sp>
+        <p:nvSpPr>
+          <p:cNvPr id="7170" name="Rectangle 2"/>
+          <p:cNvSpPr>
+            <a:spLocks noGrp="1" noChangeArrowheads="1"/>
+          </p:cNvSpPr>
+          <p:nvPr>
+            <p:ph type="title" idx="4294967295"/>
+          </p:nvPr>
+        </p:nvSpPr>
+        <p:spPr>
+          <a:xfrm>
+            <a:off x="114672" y="333375"/>
+            <a:ext cx="5321424" cy="452438"/>
+          </a:xfrm>
+        </p:spPr>
+        <p:txBody>
+          <a:bodyPr/>
+          <a:lstStyle/>
+          <a:p>
+            <a:pPr eaLnBrk="1" hangingPunct="1"/>
+            <a:r>
+              <a:rPr lang="zh-CN" altLang="en-US" sz="2800" dirty="0">
+                <a:solidFill>
+                  <a:srgbClr val="CC0000"/>
+                </a:solidFill>
+                <a:latin typeface="微软雅黑" pitchFamily="34" charset="-122"/>
+                <a:ea typeface="微软雅黑" pitchFamily="34" charset="-122"/>
+              </a:rPr>
+              <a:t>二、 </a:t>
+            </a:r>
+            <a:r>
+              <a:rPr lang="zh-CN" altLang="en-US" sz="2800" dirty="0" smtClean="0">
+                <a:solidFill>
+                  <a:srgbClr val="CC0000"/>
+                </a:solidFill>
+                <a:latin typeface="微软雅黑" pitchFamily="34" charset="-122"/>
+                <a:ea typeface="微软雅黑" pitchFamily="34" charset="-122"/>
+              </a:rPr>
+              <a:t>产品化数据库设计</a:t>
+            </a:r>
+            <a:endParaRPr lang="zh-CN" altLang="en-US" sz="2800" dirty="0" smtClean="0">
+              <a:solidFill>
+                <a:srgbClr val="CC0000"/>
+              </a:solidFill>
+              <a:latin typeface="微软雅黑" pitchFamily="34" charset="-122"/>
+              <a:ea typeface="微软雅黑" pitchFamily="34" charset="-122"/>
+            </a:endParaRPr>
+          </a:p>
+        </p:txBody>
+      </p:sp>
+      <p:sp>
+        <p:nvSpPr>
+          <p:cNvPr id="4" name="内容占位符 2"/>
+          <p:cNvSpPr txBox="1">
+            <a:spLocks/>
+          </p:cNvSpPr>
+          <p:nvPr/>
+        </p:nvSpPr>
+        <p:spPr>
+          <a:xfrm>
+            <a:off x="539552" y="1196752"/>
+            <a:ext cx="7231445" cy="504056"/>
+          </a:xfrm>
+          <a:prstGeom prst="rect">
+            <a:avLst/>
+          </a:prstGeom>
+        </p:spPr>
+        <p:txBody>
+          <a:bodyPr>
+            <a:noAutofit/>
+          </a:bodyPr>
+          <a:lstStyle>
+            <a:lvl1pPr marL="342900" indent="-342900" algn="l" rtl="0" eaLnBrk="0" fontAlgn="base" hangingPunct="0">
+              <a:lnSpc>
+                <a:spcPct val="120000"/>
+              </a:lnSpc>
+              <a:spcBef>
+                <a:spcPct val="20000"/>
+              </a:spcBef>
+              <a:spcAft>
+                <a:spcPct val="0"/>
+              </a:spcAft>
+              <a:buClr>
+                <a:schemeClr val="accent2"/>
+              </a:buClr>
+              <a:buChar char="•"/>
+              <a:defRPr sz="2000" b="1">
+                <a:solidFill>
+                  <a:schemeClr val="tx1"/>
+                </a:solidFill>
+                <a:latin typeface="+mn-lt"/>
+                <a:ea typeface="+mn-ea"/>
+                <a:cs typeface="+mn-cs"/>
+              </a:defRPr>
+            </a:lvl1pPr>
+            <a:lvl2pPr marL="742950" indent="-285750" algn="l" rtl="0" eaLnBrk="0" fontAlgn="base" hangingPunct="0">
+              <a:lnSpc>
+                <a:spcPct val="120000"/>
+              </a:lnSpc>
+              <a:spcBef>
+                <a:spcPct val="20000"/>
+              </a:spcBef>
+              <a:spcAft>
+                <a:spcPct val="0"/>
+              </a:spcAft>
+              <a:buClr>
+                <a:schemeClr val="accent2"/>
+              </a:buClr>
+              <a:buSzPct val="80000"/>
+              <a:buFont typeface="Wingdings" pitchFamily="2" charset="2"/>
+              <a:buChar char="p"/>
+              <a:defRPr sz="2400" b="1">
+                <a:solidFill>
+                  <a:schemeClr val="tx1"/>
+                </a:solidFill>
+                <a:latin typeface="+mn-lt"/>
+                <a:ea typeface="+mn-ea"/>
+              </a:defRPr>
+            </a:lvl2pPr>
+            <a:lvl3pPr marL="1143000" indent="-228600" algn="l" rtl="0" eaLnBrk="0" fontAlgn="base" hangingPunct="0">
+              <a:lnSpc>
+                <a:spcPct val="120000"/>
+              </a:lnSpc>
+              <a:spcBef>
+                <a:spcPct val="20000"/>
+              </a:spcBef>
+              <a:spcAft>
+                <a:spcPct val="0"/>
+              </a:spcAft>
+              <a:buClr>
+                <a:schemeClr val="accent2"/>
+              </a:buClr>
+              <a:buSzPct val="60000"/>
+              <a:buFont typeface="Wingdings" pitchFamily="2" charset="2"/>
+              <a:buChar char="n"/>
+              <a:defRPr sz="2000" b="1">
+                <a:solidFill>
+                  <a:schemeClr val="tx1"/>
+                </a:solidFill>
+                <a:latin typeface="+mn-lt"/>
+                <a:ea typeface="+mn-ea"/>
+              </a:defRPr>
+            </a:lvl3pPr>
+            <a:lvl4pPr marL="1600200" indent="-228600" algn="l" rtl="0" eaLnBrk="0" fontAlgn="base" hangingPunct="0">
+              <a:lnSpc>
+                <a:spcPct val="120000"/>
+              </a:lnSpc>
+              <a:spcBef>
+                <a:spcPct val="20000"/>
+              </a:spcBef>
+              <a:spcAft>
+                <a:spcPct val="0"/>
+              </a:spcAft>
+              <a:buClr>
+                <a:schemeClr val="accent2"/>
+              </a:buClr>
+              <a:buFont typeface="Arial" charset="0"/>
+              <a:buChar char="–"/>
+              <a:defRPr sz="1600" b="1">
+                <a:solidFill>
+                  <a:schemeClr val="tx1"/>
+                </a:solidFill>
+                <a:latin typeface="+mn-lt"/>
+                <a:ea typeface="+mn-ea"/>
+              </a:defRPr>
+            </a:lvl4pPr>
+            <a:lvl5pPr marL="2057400" indent="-228600" algn="l" rtl="0" eaLnBrk="0" fontAlgn="base" hangingPunct="0">
+              <a:lnSpc>
+                <a:spcPct val="120000"/>
+              </a:lnSpc>
+              <a:spcBef>
+                <a:spcPct val="20000"/>
+              </a:spcBef>
+              <a:spcAft>
+                <a:spcPct val="0"/>
+              </a:spcAft>
+              <a:buClr>
+                <a:schemeClr val="accent2"/>
+              </a:buClr>
+              <a:buFont typeface="Arial" charset="0"/>
+              <a:buChar char="»"/>
+              <a:defRPr sz="1400" b="1">
+                <a:solidFill>
+                  <a:schemeClr val="tx1"/>
+                </a:solidFill>
+                <a:latin typeface="+mn-lt"/>
+                <a:ea typeface="+mn-ea"/>
+              </a:defRPr>
+            </a:lvl5pPr>
+            <a:lvl6pPr marL="2514600" indent="-228600" algn="l" rtl="0" fontAlgn="base">
+              <a:lnSpc>
+                <a:spcPct val="120000"/>
+              </a:lnSpc>
+              <a:spcBef>
+                <a:spcPct val="20000"/>
+              </a:spcBef>
+              <a:spcAft>
+                <a:spcPct val="0"/>
+              </a:spcAft>
+              <a:buClr>
+                <a:schemeClr val="accent2"/>
+              </a:buClr>
+              <a:buFont typeface="Arial" pitchFamily="34" charset="0"/>
+              <a:buChar char="»"/>
+              <a:defRPr sz="1400" b="1">
+                <a:solidFill>
+                  <a:schemeClr val="tx1"/>
+                </a:solidFill>
+                <a:latin typeface="+mn-lt"/>
+                <a:ea typeface="+mn-ea"/>
+              </a:defRPr>
+            </a:lvl6pPr>
+            <a:lvl7pPr marL="2971800" indent="-228600" algn="l" rtl="0" fontAlgn="base">
+              <a:lnSpc>
+                <a:spcPct val="120000"/>
+              </a:lnSpc>
+              <a:spcBef>
+                <a:spcPct val="20000"/>
+              </a:spcBef>
+              <a:spcAft>
+                <a:spcPct val="0"/>
+              </a:spcAft>
+              <a:buClr>
+                <a:schemeClr val="accent2"/>
+              </a:buClr>
+              <a:buFont typeface="Arial" pitchFamily="34" charset="0"/>
+              <a:buChar char="»"/>
+              <a:defRPr sz="1400" b="1">
+                <a:solidFill>
+                  <a:schemeClr val="tx1"/>
+                </a:solidFill>
+                <a:latin typeface="+mn-lt"/>
+                <a:ea typeface="+mn-ea"/>
+              </a:defRPr>
+            </a:lvl7pPr>
+            <a:lvl8pPr marL="3429000" indent="-228600" algn="l" rtl="0" fontAlgn="base">
+              <a:lnSpc>
+                <a:spcPct val="120000"/>
+              </a:lnSpc>
+              <a:spcBef>
+                <a:spcPct val="20000"/>
+              </a:spcBef>
+              <a:spcAft>
+                <a:spcPct val="0"/>
+              </a:spcAft>
+              <a:buClr>
+                <a:schemeClr val="accent2"/>
+              </a:buClr>
+              <a:buFont typeface="Arial" pitchFamily="34" charset="0"/>
+              <a:buChar char="»"/>
+              <a:defRPr sz="1400" b="1">
+                <a:solidFill>
+                  <a:schemeClr val="tx1"/>
+                </a:solidFill>
+                <a:latin typeface="+mn-lt"/>
+                <a:ea typeface="+mn-ea"/>
+              </a:defRPr>
+            </a:lvl8pPr>
+            <a:lvl9pPr marL="3886200" indent="-228600" algn="l" rtl="0" fontAlgn="base">
+              <a:lnSpc>
+                <a:spcPct val="120000"/>
+              </a:lnSpc>
+              <a:spcBef>
+                <a:spcPct val="20000"/>
+              </a:spcBef>
+              <a:spcAft>
+                <a:spcPct val="0"/>
+              </a:spcAft>
+              <a:buClr>
+                <a:schemeClr val="accent2"/>
+              </a:buClr>
+              <a:buFont typeface="Arial" pitchFamily="34" charset="0"/>
+              <a:buChar char="»"/>
+              <a:defRPr sz="1400" b="1">
+                <a:solidFill>
+                  <a:schemeClr val="tx1"/>
+                </a:solidFill>
+                <a:latin typeface="+mn-lt"/>
+                <a:ea typeface="+mn-ea"/>
+              </a:defRPr>
+            </a:lvl9pPr>
+          </a:lstStyle>
+          <a:p>
+            <a:pPr marL="0" indent="0">
+              <a:buNone/>
+            </a:pPr>
+            <a:r>
+              <a:rPr lang="en-US" altLang="zh-CN" sz="2400" b="0" kern="0" dirty="0" smtClean="0">
+                <a:latin typeface="微软雅黑" panose="020B0503020204020204" pitchFamily="34" charset="-122"/>
+                <a:ea typeface="微软雅黑" panose="020B0503020204020204" pitchFamily="34" charset="-122"/>
+              </a:rPr>
+              <a:t>2. </a:t>
+            </a:r>
+            <a:r>
+              <a:rPr lang="zh-CN" altLang="en-US" sz="2400" b="0" kern="0" dirty="0" smtClean="0">
+                <a:latin typeface="微软雅黑" panose="020B0503020204020204" pitchFamily="34" charset="-122"/>
+                <a:ea typeface="微软雅黑" panose="020B0503020204020204" pitchFamily="34" charset="-122"/>
+              </a:rPr>
+              <a:t>设计原则与思路</a:t>
+            </a:r>
+            <a:endParaRPr lang="en-US" altLang="zh-CN" sz="2400" b="0" kern="0" dirty="0">
+              <a:latin typeface="微软雅黑" panose="020B0503020204020204" pitchFamily="34" charset="-122"/>
+              <a:ea typeface="微软雅黑" panose="020B0503020204020204" pitchFamily="34" charset="-122"/>
+            </a:endParaRPr>
+          </a:p>
+        </p:txBody>
+      </p:sp>
+      <p:sp>
+        <p:nvSpPr>
+          <p:cNvPr id="8" name="矩形 7"/>
+          <p:cNvSpPr/>
+          <p:nvPr/>
+        </p:nvSpPr>
+        <p:spPr>
+          <a:xfrm>
+            <a:off x="971600" y="1941931"/>
+            <a:ext cx="7344816" cy="4401205"/>
+          </a:xfrm>
+          <a:prstGeom prst="rect">
+            <a:avLst/>
+          </a:prstGeom>
+        </p:spPr>
+        <p:txBody>
+          <a:bodyPr wrap="square">
+            <a:spAutoFit/>
+          </a:bodyPr>
+          <a:lstStyle/>
+          <a:p>
+            <a:pPr marL="342900" indent="-342900" algn="l" latinLnBrk="0">
+              <a:lnSpc>
+                <a:spcPct val="200000"/>
+              </a:lnSpc>
+              <a:buFont typeface="Wingdings" panose="05000000000000000000" pitchFamily="2" charset="2"/>
+              <a:buChar char="Ø"/>
+            </a:pPr>
+            <a:r>
+              <a:rPr lang="zh-CN" altLang="en-US" sz="2000" dirty="0" smtClean="0">
+                <a:solidFill>
+                  <a:schemeClr val="tx1"/>
+                </a:solidFill>
+                <a:latin typeface="微软雅黑" pitchFamily="34" charset="-122"/>
+                <a:ea typeface="微软雅黑" pitchFamily="34" charset="-122"/>
+              </a:rPr>
+              <a:t>数据表</a:t>
+            </a:r>
+            <a:r>
+              <a:rPr lang="zh-CN" altLang="en-US" sz="2000" dirty="0">
+                <a:solidFill>
+                  <a:schemeClr val="tx1"/>
+                </a:solidFill>
+                <a:latin typeface="微软雅黑" pitchFamily="34" charset="-122"/>
+                <a:ea typeface="微软雅黑" pitchFamily="34" charset="-122"/>
+              </a:rPr>
+              <a:t>及其字段之间的关系</a:t>
+            </a:r>
+            <a:r>
+              <a:rPr lang="en-US" altLang="zh-CN" sz="2000" dirty="0">
+                <a:solidFill>
+                  <a:schemeClr val="tx1"/>
+                </a:solidFill>
+                <a:latin typeface="微软雅黑" pitchFamily="34" charset="-122"/>
+                <a:ea typeface="微软雅黑" pitchFamily="34" charset="-122"/>
+              </a:rPr>
+              <a:t>, </a:t>
+            </a:r>
+            <a:r>
+              <a:rPr lang="zh-CN" altLang="en-US" sz="2000" dirty="0">
+                <a:solidFill>
+                  <a:schemeClr val="tx1"/>
+                </a:solidFill>
+                <a:latin typeface="微软雅黑" pitchFamily="34" charset="-122"/>
+                <a:ea typeface="微软雅黑" pitchFamily="34" charset="-122"/>
+              </a:rPr>
+              <a:t>应尽量满足第三范式</a:t>
+            </a:r>
+            <a:r>
+              <a:rPr lang="zh-CN" altLang="en-US" sz="2000" dirty="0" smtClean="0">
+                <a:solidFill>
+                  <a:schemeClr val="tx1"/>
+                </a:solidFill>
+                <a:latin typeface="微软雅黑" pitchFamily="34" charset="-122"/>
+                <a:ea typeface="微软雅黑" pitchFamily="34" charset="-122"/>
+              </a:rPr>
+              <a:t>；反规范化必须有足够的理由（如为效率而冗余）；</a:t>
+            </a:r>
+            <a:endParaRPr lang="en-US" altLang="zh-CN" sz="2000" dirty="0">
+              <a:solidFill>
+                <a:schemeClr val="tx1"/>
+              </a:solidFill>
+              <a:latin typeface="微软雅黑" pitchFamily="34" charset="-122"/>
+              <a:ea typeface="微软雅黑" pitchFamily="34" charset="-122"/>
+            </a:endParaRPr>
+          </a:p>
+          <a:p>
+            <a:pPr marL="342900" indent="-342900" algn="l">
+              <a:lnSpc>
+                <a:spcPct val="200000"/>
+              </a:lnSpc>
+              <a:buFont typeface="Wingdings" panose="05000000000000000000" pitchFamily="2" charset="2"/>
+              <a:buChar char="Ø"/>
+            </a:pPr>
+            <a:r>
+              <a:rPr lang="zh-CN" altLang="en-US" sz="2000" dirty="0" smtClean="0">
+                <a:solidFill>
+                  <a:schemeClr val="tx1"/>
+                </a:solidFill>
+                <a:latin typeface="微软雅黑" pitchFamily="34" charset="-122"/>
+                <a:ea typeface="微软雅黑" pitchFamily="34" charset="-122"/>
+              </a:rPr>
+              <a:t>数据</a:t>
+            </a:r>
+            <a:r>
+              <a:rPr lang="zh-CN" altLang="en-US" sz="2000" dirty="0">
+                <a:solidFill>
+                  <a:schemeClr val="tx1"/>
+                </a:solidFill>
+                <a:latin typeface="微软雅黑" pitchFamily="34" charset="-122"/>
+                <a:ea typeface="微软雅黑" pitchFamily="34" charset="-122"/>
+              </a:rPr>
+              <a:t>字段属性定义</a:t>
+            </a:r>
+            <a:r>
+              <a:rPr lang="zh-CN" altLang="en-US" sz="2000" dirty="0" smtClean="0">
+                <a:solidFill>
+                  <a:schemeClr val="tx1"/>
+                </a:solidFill>
+                <a:latin typeface="微软雅黑" pitchFamily="34" charset="-122"/>
+                <a:ea typeface="微软雅黑" pitchFamily="34" charset="-122"/>
+              </a:rPr>
+              <a:t>规范化；</a:t>
+            </a:r>
+            <a:endParaRPr lang="en-US" altLang="zh-CN" sz="2000" dirty="0" smtClean="0">
+              <a:solidFill>
+                <a:schemeClr val="tx1"/>
+              </a:solidFill>
+              <a:latin typeface="微软雅黑" pitchFamily="34" charset="-122"/>
+              <a:ea typeface="微软雅黑" pitchFamily="34" charset="-122"/>
+            </a:endParaRPr>
+          </a:p>
+          <a:p>
+            <a:pPr marL="342900" indent="-342900" algn="l">
+              <a:lnSpc>
+                <a:spcPct val="200000"/>
+              </a:lnSpc>
+              <a:buFont typeface="Wingdings" panose="05000000000000000000" pitchFamily="2" charset="2"/>
+              <a:buChar char="Ø"/>
+            </a:pPr>
+            <a:r>
+              <a:rPr lang="zh-CN" altLang="en-US" sz="2000" dirty="0" smtClean="0">
+                <a:solidFill>
+                  <a:schemeClr val="tx1"/>
+                </a:solidFill>
+                <a:latin typeface="微软雅黑" pitchFamily="34" charset="-122"/>
+                <a:ea typeface="微软雅黑" pitchFamily="34" charset="-122"/>
+              </a:rPr>
+              <a:t>一般外</a:t>
+            </a:r>
+            <a:r>
+              <a:rPr lang="zh-CN" altLang="en-US" sz="2000" dirty="0" smtClean="0">
+                <a:solidFill>
+                  <a:schemeClr val="tx1"/>
+                </a:solidFill>
+                <a:latin typeface="微软雅黑" pitchFamily="34" charset="-122"/>
+                <a:ea typeface="微软雅黑" pitchFamily="34" charset="-122"/>
+              </a:rPr>
+              <a:t>键与值约束在应用中管理；</a:t>
+            </a:r>
+            <a:endParaRPr lang="en-US" altLang="zh-CN" sz="2000" dirty="0" smtClean="0">
+              <a:solidFill>
+                <a:schemeClr val="tx1"/>
+              </a:solidFill>
+              <a:latin typeface="微软雅黑" pitchFamily="34" charset="-122"/>
+              <a:ea typeface="微软雅黑" pitchFamily="34" charset="-122"/>
+            </a:endParaRPr>
+          </a:p>
+          <a:p>
+            <a:pPr marL="342900" indent="-342900" algn="l">
+              <a:lnSpc>
+                <a:spcPct val="200000"/>
+              </a:lnSpc>
+              <a:buFont typeface="Wingdings" panose="05000000000000000000" pitchFamily="2" charset="2"/>
+              <a:buChar char="Ø"/>
+            </a:pPr>
+            <a:r>
+              <a:rPr lang="zh-CN" altLang="en-US" sz="2000" dirty="0">
+                <a:solidFill>
+                  <a:schemeClr val="tx1"/>
+                </a:solidFill>
+                <a:latin typeface="微软雅黑" pitchFamily="34" charset="-122"/>
+                <a:ea typeface="微软雅黑" pitchFamily="34" charset="-122"/>
+              </a:rPr>
+              <a:t>借鉴</a:t>
+            </a:r>
+            <a:r>
+              <a:rPr lang="en-US" altLang="zh-CN" sz="2000" dirty="0">
+                <a:solidFill>
+                  <a:schemeClr val="tx1"/>
+                </a:solidFill>
+                <a:latin typeface="微软雅黑" pitchFamily="34" charset="-122"/>
+                <a:ea typeface="微软雅黑" pitchFamily="34" charset="-122"/>
+              </a:rPr>
+              <a:t>Bentley </a:t>
+            </a:r>
+            <a:r>
+              <a:rPr lang="en-US" altLang="zh-CN" sz="2000" dirty="0" err="1" smtClean="0">
+                <a:solidFill>
+                  <a:schemeClr val="tx1"/>
+                </a:solidFill>
+                <a:latin typeface="微软雅黑" pitchFamily="34" charset="-122"/>
+                <a:ea typeface="微软雅黑" pitchFamily="34" charset="-122"/>
+              </a:rPr>
+              <a:t>eB</a:t>
+            </a:r>
+            <a:r>
+              <a:rPr lang="zh-CN" altLang="en-US" sz="2000" dirty="0" smtClean="0">
+                <a:solidFill>
+                  <a:schemeClr val="tx1"/>
+                </a:solidFill>
+                <a:latin typeface="微软雅黑" pitchFamily="34" charset="-122"/>
+                <a:ea typeface="微软雅黑" pitchFamily="34" charset="-122"/>
+              </a:rPr>
+              <a:t>设计；</a:t>
+            </a:r>
+            <a:endParaRPr lang="en-US" altLang="zh-CN" sz="2000" dirty="0">
+              <a:solidFill>
+                <a:schemeClr val="tx1"/>
+              </a:solidFill>
+              <a:latin typeface="微软雅黑" pitchFamily="34" charset="-122"/>
+              <a:ea typeface="微软雅黑" pitchFamily="34" charset="-122"/>
+            </a:endParaRPr>
+          </a:p>
+          <a:p>
+            <a:pPr marL="342900" indent="-342900" algn="l">
+              <a:lnSpc>
+                <a:spcPct val="200000"/>
+              </a:lnSpc>
+              <a:buFont typeface="Wingdings" panose="05000000000000000000" pitchFamily="2" charset="2"/>
+              <a:buChar char="Ø"/>
+            </a:pPr>
+            <a:r>
+              <a:rPr lang="zh-CN" altLang="en-US" sz="2000" dirty="0" smtClean="0">
+                <a:solidFill>
+                  <a:schemeClr val="tx1"/>
+                </a:solidFill>
+                <a:latin typeface="微软雅黑" pitchFamily="34" charset="-122"/>
+                <a:ea typeface="微软雅黑" pitchFamily="34" charset="-122"/>
+              </a:rPr>
+              <a:t>按照“边做项目边做产品”的思想，渐进式实现。</a:t>
+            </a:r>
+            <a:endParaRPr lang="en-US" altLang="zh-CN" sz="2000" dirty="0">
+              <a:solidFill>
+                <a:schemeClr val="tx1"/>
+              </a:solidFill>
+              <a:latin typeface="微软雅黑" pitchFamily="34" charset="-122"/>
+              <a:ea typeface="微软雅黑" pitchFamily="34" charset="-122"/>
+            </a:endParaRPr>
+          </a:p>
+          <a:p>
+            <a:pPr marL="342900" indent="-342900" algn="l">
+              <a:lnSpc>
+                <a:spcPct val="200000"/>
+              </a:lnSpc>
+              <a:buFont typeface="Wingdings" panose="05000000000000000000" pitchFamily="2" charset="2"/>
+              <a:buChar char="Ø"/>
+            </a:pPr>
+            <a:endParaRPr lang="en-US" altLang="zh-CN" sz="2000" dirty="0" smtClean="0">
+              <a:solidFill>
+                <a:schemeClr val="tx1"/>
+              </a:solidFill>
+              <a:latin typeface="微软雅黑" pitchFamily="34" charset="-122"/>
+              <a:ea typeface="微软雅黑" pitchFamily="34" charset="-122"/>
+            </a:endParaRPr>
+          </a:p>
+        </p:txBody>
+      </p:sp>
+    </p:spTree>
+    <p:extLst>
+      <p:ext uri="{BB962C8B-B14F-4D97-AF65-F5344CB8AC3E}">
+        <p14:creationId xmlns:p14="http://schemas.microsoft.com/office/powerpoint/2010/main" val="328447344"/>
+      </p:ext>
+    </p:extLst>
+  </p:cSld>
+  <p:clrMapOvr>
+    <a:masterClrMapping/>
+  </p:clrMapOvr>
+  <p:transition spd="slow">
+    <p:fade/>
+  </p:transition>
+  <p:timing>
+    <p:tnLst>
+      <p:par>
+        <p:cTn id="1" dur="indefinite" restart="never" nodeType="tmRoot"/>
+      </p:par>
+    </p:tnLst>
+  </p:timing>
+</p:sld>
+</file>
+
+<file path=ppt/slides/slide7.xml><?xml version="1.0" encoding="utf-8"?>
+<p:sld xmlns:a="http://schemas.openxmlformats.org/drawingml/2006/main" xmlns:r="http://schemas.openxmlformats.org/officeDocument/2006/relationships" xmlns:p="http://schemas.openxmlformats.org/presentationml/2006/main">
+  <p:cSld>
+    <p:spTree>
+      <p:nvGrpSpPr>
+        <p:cNvPr id="1" name=""/>
+        <p:cNvGrpSpPr/>
+        <p:nvPr/>
+      </p:nvGrpSpPr>
+      <p:grpSpPr>
+        <a:xfrm>
+          <a:off x="0" y="0"/>
+          <a:ext cx="0" cy="0"/>
+          <a:chOff x="0" y="0"/>
+          <a:chExt cx="0" cy="0"/>
+        </a:xfrm>
+      </p:grpSpPr>
+      <p:sp>
+        <p:nvSpPr>
+          <p:cNvPr id="7170" name="Rectangle 2"/>
+          <p:cNvSpPr>
+            <a:spLocks noGrp="1" noChangeArrowheads="1"/>
+          </p:cNvSpPr>
+          <p:nvPr>
+            <p:ph type="title" idx="4294967295"/>
+          </p:nvPr>
+        </p:nvSpPr>
+        <p:spPr>
+          <a:xfrm>
+            <a:off x="114672" y="333375"/>
+            <a:ext cx="5105400" cy="452438"/>
+          </a:xfrm>
+        </p:spPr>
+        <p:txBody>
+          <a:bodyPr/>
+          <a:lstStyle/>
+          <a:p>
+            <a:pPr eaLnBrk="1" hangingPunct="1"/>
+            <a:r>
+              <a:rPr lang="zh-CN" altLang="en-US" sz="2800" dirty="0" smtClean="0">
+                <a:solidFill>
+                  <a:srgbClr val="CC0000"/>
+                </a:solidFill>
+                <a:latin typeface="微软雅黑" pitchFamily="34" charset="-122"/>
+                <a:ea typeface="微软雅黑" pitchFamily="34" charset="-122"/>
+              </a:rPr>
+              <a:t>二、 </a:t>
+            </a:r>
+            <a:r>
+              <a:rPr lang="zh-CN" altLang="en-US" sz="2800" dirty="0" smtClean="0">
+                <a:solidFill>
+                  <a:srgbClr val="CC0000"/>
+                </a:solidFill>
+                <a:latin typeface="微软雅黑" pitchFamily="34" charset="-122"/>
+                <a:ea typeface="微软雅黑" pitchFamily="34" charset="-122"/>
+              </a:rPr>
+              <a:t>产品化数据库设计</a:t>
+            </a:r>
+            <a:endParaRPr lang="zh-CN" altLang="en-US" sz="2800" dirty="0" smtClean="0">
+              <a:solidFill>
+                <a:srgbClr val="CC0000"/>
+              </a:solidFill>
+              <a:latin typeface="微软雅黑" pitchFamily="34" charset="-122"/>
+              <a:ea typeface="微软雅黑" pitchFamily="34" charset="-122"/>
+            </a:endParaRPr>
+          </a:p>
+        </p:txBody>
+      </p:sp>
+      <p:sp>
+        <p:nvSpPr>
+          <p:cNvPr id="4" name="内容占位符 2"/>
+          <p:cNvSpPr txBox="1">
+            <a:spLocks/>
+          </p:cNvSpPr>
+          <p:nvPr/>
+        </p:nvSpPr>
+        <p:spPr>
+          <a:xfrm>
+            <a:off x="868947" y="1795760"/>
+            <a:ext cx="7231445" cy="2929384"/>
+          </a:xfrm>
+          <a:prstGeom prst="rect">
+            <a:avLst/>
+          </a:prstGeom>
+        </p:spPr>
+        <p:txBody>
+          <a:bodyPr>
+            <a:normAutofit/>
+          </a:bodyPr>
+          <a:lstStyle>
+            <a:lvl1pPr marL="342900" indent="-342900" algn="l" rtl="0" eaLnBrk="0" fontAlgn="base" hangingPunct="0">
+              <a:lnSpc>
+                <a:spcPct val="120000"/>
+              </a:lnSpc>
+              <a:spcBef>
+                <a:spcPct val="20000"/>
+              </a:spcBef>
+              <a:spcAft>
+                <a:spcPct val="0"/>
+              </a:spcAft>
+              <a:buClr>
+                <a:schemeClr val="accent2"/>
+              </a:buClr>
+              <a:buChar char="•"/>
+              <a:defRPr sz="2000" b="1">
+                <a:solidFill>
+                  <a:schemeClr val="tx1"/>
+                </a:solidFill>
+                <a:latin typeface="+mn-lt"/>
+                <a:ea typeface="+mn-ea"/>
+                <a:cs typeface="+mn-cs"/>
+              </a:defRPr>
+            </a:lvl1pPr>
+            <a:lvl2pPr marL="742950" indent="-285750" algn="l" rtl="0" eaLnBrk="0" fontAlgn="base" hangingPunct="0">
+              <a:lnSpc>
+                <a:spcPct val="120000"/>
+              </a:lnSpc>
+              <a:spcBef>
+                <a:spcPct val="20000"/>
+              </a:spcBef>
+              <a:spcAft>
+                <a:spcPct val="0"/>
+              </a:spcAft>
+              <a:buClr>
+                <a:schemeClr val="accent2"/>
+              </a:buClr>
+              <a:buSzPct val="80000"/>
+              <a:buFont typeface="Wingdings" pitchFamily="2" charset="2"/>
+              <a:buChar char="p"/>
+              <a:defRPr sz="2400" b="1">
+                <a:solidFill>
+                  <a:schemeClr val="tx1"/>
+                </a:solidFill>
+                <a:latin typeface="+mn-lt"/>
+                <a:ea typeface="+mn-ea"/>
+              </a:defRPr>
+            </a:lvl2pPr>
+            <a:lvl3pPr marL="1143000" indent="-228600" algn="l" rtl="0" eaLnBrk="0" fontAlgn="base" hangingPunct="0">
+              <a:lnSpc>
+                <a:spcPct val="120000"/>
+              </a:lnSpc>
+              <a:spcBef>
+                <a:spcPct val="20000"/>
+              </a:spcBef>
+              <a:spcAft>
+                <a:spcPct val="0"/>
+              </a:spcAft>
+              <a:buClr>
+                <a:schemeClr val="accent2"/>
+              </a:buClr>
+              <a:buSzPct val="60000"/>
+              <a:buFont typeface="Wingdings" pitchFamily="2" charset="2"/>
+              <a:buChar char="n"/>
+              <a:defRPr sz="2000" b="1">
+                <a:solidFill>
+                  <a:schemeClr val="tx1"/>
+                </a:solidFill>
+                <a:latin typeface="+mn-lt"/>
+                <a:ea typeface="+mn-ea"/>
+              </a:defRPr>
+            </a:lvl3pPr>
+            <a:lvl4pPr marL="1600200" indent="-228600" algn="l" rtl="0" eaLnBrk="0" fontAlgn="base" hangingPunct="0">
+              <a:lnSpc>
+                <a:spcPct val="120000"/>
+              </a:lnSpc>
+              <a:spcBef>
+                <a:spcPct val="20000"/>
+              </a:spcBef>
+              <a:spcAft>
+                <a:spcPct val="0"/>
+              </a:spcAft>
+              <a:buClr>
+                <a:schemeClr val="accent2"/>
+              </a:buClr>
+              <a:buFont typeface="Arial" charset="0"/>
+              <a:buChar char="–"/>
+              <a:defRPr sz="1600" b="1">
+                <a:solidFill>
+                  <a:schemeClr val="tx1"/>
+                </a:solidFill>
+                <a:latin typeface="+mn-lt"/>
+                <a:ea typeface="+mn-ea"/>
+              </a:defRPr>
+            </a:lvl4pPr>
+            <a:lvl5pPr marL="2057400" indent="-228600" algn="l" rtl="0" eaLnBrk="0" fontAlgn="base" hangingPunct="0">
+              <a:lnSpc>
+                <a:spcPct val="120000"/>
+              </a:lnSpc>
+              <a:spcBef>
+                <a:spcPct val="20000"/>
+              </a:spcBef>
+              <a:spcAft>
+                <a:spcPct val="0"/>
+              </a:spcAft>
+              <a:buClr>
+                <a:schemeClr val="accent2"/>
+              </a:buClr>
+              <a:buFont typeface="Arial" charset="0"/>
+              <a:buChar char="»"/>
+              <a:defRPr sz="1400" b="1">
+                <a:solidFill>
+                  <a:schemeClr val="tx1"/>
+                </a:solidFill>
+                <a:latin typeface="+mn-lt"/>
+                <a:ea typeface="+mn-ea"/>
+              </a:defRPr>
+            </a:lvl5pPr>
+            <a:lvl6pPr marL="2514600" indent="-228600" algn="l" rtl="0" fontAlgn="base">
+              <a:lnSpc>
+                <a:spcPct val="120000"/>
+              </a:lnSpc>
+              <a:spcBef>
+                <a:spcPct val="20000"/>
+              </a:spcBef>
+              <a:spcAft>
+                <a:spcPct val="0"/>
+              </a:spcAft>
+              <a:buClr>
+                <a:schemeClr val="accent2"/>
+              </a:buClr>
+              <a:buFont typeface="Arial" pitchFamily="34" charset="0"/>
+              <a:buChar char="»"/>
+              <a:defRPr sz="1400" b="1">
+                <a:solidFill>
+                  <a:schemeClr val="tx1"/>
+                </a:solidFill>
+                <a:latin typeface="+mn-lt"/>
+                <a:ea typeface="+mn-ea"/>
+              </a:defRPr>
+            </a:lvl6pPr>
+            <a:lvl7pPr marL="2971800" indent="-228600" algn="l" rtl="0" fontAlgn="base">
+              <a:lnSpc>
+                <a:spcPct val="120000"/>
+              </a:lnSpc>
+              <a:spcBef>
+                <a:spcPct val="20000"/>
+              </a:spcBef>
+              <a:spcAft>
+                <a:spcPct val="0"/>
+              </a:spcAft>
+              <a:buClr>
+                <a:schemeClr val="accent2"/>
+              </a:buClr>
+              <a:buFont typeface="Arial" pitchFamily="34" charset="0"/>
+              <a:buChar char="»"/>
+              <a:defRPr sz="1400" b="1">
+                <a:solidFill>
+                  <a:schemeClr val="tx1"/>
+                </a:solidFill>
+                <a:latin typeface="+mn-lt"/>
+                <a:ea typeface="+mn-ea"/>
+              </a:defRPr>
+            </a:lvl7pPr>
+            <a:lvl8pPr marL="3429000" indent="-228600" algn="l" rtl="0" fontAlgn="base">
+              <a:lnSpc>
+                <a:spcPct val="120000"/>
+              </a:lnSpc>
+              <a:spcBef>
+                <a:spcPct val="20000"/>
+              </a:spcBef>
+              <a:spcAft>
+                <a:spcPct val="0"/>
+              </a:spcAft>
+              <a:buClr>
+                <a:schemeClr val="accent2"/>
+              </a:buClr>
+              <a:buFont typeface="Arial" pitchFamily="34" charset="0"/>
+              <a:buChar char="»"/>
+              <a:defRPr sz="1400" b="1">
+                <a:solidFill>
+                  <a:schemeClr val="tx1"/>
+                </a:solidFill>
+                <a:latin typeface="+mn-lt"/>
+                <a:ea typeface="+mn-ea"/>
+              </a:defRPr>
+            </a:lvl8pPr>
+            <a:lvl9pPr marL="3886200" indent="-228600" algn="l" rtl="0" fontAlgn="base">
+              <a:lnSpc>
+                <a:spcPct val="120000"/>
+              </a:lnSpc>
+              <a:spcBef>
+                <a:spcPct val="20000"/>
+              </a:spcBef>
+              <a:spcAft>
+                <a:spcPct val="0"/>
+              </a:spcAft>
+              <a:buClr>
+                <a:schemeClr val="accent2"/>
+              </a:buClr>
+              <a:buFont typeface="Arial" pitchFamily="34" charset="0"/>
+              <a:buChar char="»"/>
+              <a:defRPr sz="1400" b="1">
+                <a:solidFill>
+                  <a:schemeClr val="tx1"/>
+                </a:solidFill>
+                <a:latin typeface="+mn-lt"/>
+                <a:ea typeface="+mn-ea"/>
+              </a:defRPr>
+            </a:lvl9pPr>
+          </a:lstStyle>
+          <a:p>
+            <a:pPr>
+              <a:buNone/>
+            </a:pPr>
+            <a:endParaRPr lang="en-US" altLang="zh-CN" b="0" kern="0" dirty="0"/>
+          </a:p>
+        </p:txBody>
+      </p:sp>
+      <p:sp>
+        <p:nvSpPr>
+          <p:cNvPr id="2" name="矩形 1"/>
+          <p:cNvSpPr/>
+          <p:nvPr/>
+        </p:nvSpPr>
+        <p:spPr>
+          <a:xfrm>
+            <a:off x="827398" y="1868985"/>
+            <a:ext cx="7848872" cy="3000821"/>
+          </a:xfrm>
+          <a:prstGeom prst="rect">
+            <a:avLst/>
+          </a:prstGeom>
+        </p:spPr>
+        <p:txBody>
+          <a:bodyPr wrap="square">
+            <a:spAutoFit/>
+          </a:bodyPr>
+          <a:lstStyle/>
+          <a:p>
+            <a:pPr marL="342900" indent="-342900" algn="l">
+              <a:lnSpc>
+                <a:spcPct val="150000"/>
+              </a:lnSpc>
+              <a:buAutoNum type="arabicPeriod"/>
+            </a:pPr>
+            <a:r>
+              <a:rPr lang="zh-CN" altLang="en-US" sz="1800" dirty="0" smtClean="0">
+                <a:solidFill>
+                  <a:schemeClr val="tx1"/>
+                </a:solidFill>
+                <a:latin typeface="微软雅黑" pitchFamily="34" charset="-122"/>
+                <a:ea typeface="微软雅黑" pitchFamily="34" charset="-122"/>
+              </a:rPr>
+              <a:t>资产：各种交通基础设施</a:t>
+            </a:r>
+            <a:r>
+              <a:rPr lang="zh-CN" altLang="en-US" sz="1800" dirty="0">
+                <a:solidFill>
+                  <a:schemeClr val="tx1"/>
+                </a:solidFill>
+                <a:latin typeface="微软雅黑" pitchFamily="34" charset="-122"/>
+                <a:ea typeface="微软雅黑" pitchFamily="34" charset="-122"/>
+              </a:rPr>
+              <a:t>、</a:t>
+            </a:r>
+            <a:r>
+              <a:rPr lang="zh-CN" altLang="en-US" sz="1800" dirty="0" smtClean="0">
+                <a:solidFill>
+                  <a:schemeClr val="tx1"/>
+                </a:solidFill>
+                <a:latin typeface="微软雅黑" pitchFamily="34" charset="-122"/>
+                <a:ea typeface="微软雅黑" pitchFamily="34" charset="-122"/>
+              </a:rPr>
+              <a:t>文档；</a:t>
+            </a:r>
+            <a:endParaRPr lang="en-US" altLang="zh-CN" sz="1800" dirty="0" smtClean="0">
+              <a:solidFill>
+                <a:schemeClr val="tx1"/>
+              </a:solidFill>
+              <a:latin typeface="微软雅黑" pitchFamily="34" charset="-122"/>
+              <a:ea typeface="微软雅黑" pitchFamily="34" charset="-122"/>
+            </a:endParaRPr>
+          </a:p>
+          <a:p>
+            <a:pPr marL="342900" indent="-342900" algn="l">
+              <a:lnSpc>
+                <a:spcPct val="150000"/>
+              </a:lnSpc>
+              <a:buAutoNum type="arabicPeriod"/>
+            </a:pPr>
+            <a:r>
+              <a:rPr lang="zh-CN" altLang="en-US" sz="1800" dirty="0" smtClean="0">
+                <a:solidFill>
+                  <a:schemeClr val="tx1"/>
+                </a:solidFill>
+                <a:latin typeface="微软雅黑" pitchFamily="34" charset="-122"/>
+                <a:ea typeface="微软雅黑" pitchFamily="34" charset="-122"/>
+              </a:rPr>
+              <a:t>单位、人员</a:t>
+            </a:r>
+            <a:endParaRPr lang="en-US" altLang="zh-CN" sz="1800" dirty="0" smtClean="0">
+              <a:solidFill>
+                <a:schemeClr val="tx1"/>
+              </a:solidFill>
+              <a:latin typeface="微软雅黑" pitchFamily="34" charset="-122"/>
+              <a:ea typeface="微软雅黑" pitchFamily="34" charset="-122"/>
+            </a:endParaRPr>
+          </a:p>
+          <a:p>
+            <a:pPr marL="342900" indent="-342900" algn="l">
+              <a:lnSpc>
+                <a:spcPct val="150000"/>
+              </a:lnSpc>
+              <a:buAutoNum type="arabicPeriod"/>
+            </a:pPr>
+            <a:r>
+              <a:rPr lang="zh-CN" altLang="en-US" sz="1800" dirty="0" smtClean="0">
+                <a:solidFill>
+                  <a:schemeClr val="tx1"/>
+                </a:solidFill>
+                <a:latin typeface="微软雅黑" pitchFamily="34" charset="-122"/>
+                <a:ea typeface="微软雅黑" pitchFamily="34" charset="-122"/>
+              </a:rPr>
+              <a:t>养护合同、标段（项目）；</a:t>
+            </a:r>
+            <a:endParaRPr lang="en-US" altLang="zh-CN" sz="1800" dirty="0" smtClean="0">
+              <a:solidFill>
+                <a:schemeClr val="tx1"/>
+              </a:solidFill>
+              <a:latin typeface="微软雅黑" pitchFamily="34" charset="-122"/>
+              <a:ea typeface="微软雅黑" pitchFamily="34" charset="-122"/>
+            </a:endParaRPr>
+          </a:p>
+          <a:p>
+            <a:pPr marL="342900" indent="-342900" algn="l">
+              <a:lnSpc>
+                <a:spcPct val="150000"/>
+              </a:lnSpc>
+              <a:buAutoNum type="arabicPeriod"/>
+            </a:pPr>
+            <a:r>
+              <a:rPr lang="zh-CN" altLang="en-US" sz="1800" dirty="0" smtClean="0">
+                <a:solidFill>
+                  <a:schemeClr val="tx1"/>
+                </a:solidFill>
+                <a:latin typeface="微软雅黑" pitchFamily="34" charset="-122"/>
+                <a:ea typeface="微软雅黑" pitchFamily="34" charset="-122"/>
+              </a:rPr>
+              <a:t>病害：病害的生成到结束的生命周期管理；</a:t>
+            </a:r>
+            <a:endParaRPr lang="en-US" altLang="zh-CN" sz="1800" dirty="0" smtClean="0">
+              <a:solidFill>
+                <a:schemeClr val="tx1"/>
+              </a:solidFill>
+              <a:latin typeface="微软雅黑" pitchFamily="34" charset="-122"/>
+              <a:ea typeface="微软雅黑" pitchFamily="34" charset="-122"/>
+            </a:endParaRPr>
+          </a:p>
+          <a:p>
+            <a:pPr marL="342900" indent="-342900" algn="l">
+              <a:lnSpc>
+                <a:spcPct val="150000"/>
+              </a:lnSpc>
+              <a:buAutoNum type="arabicPeriod"/>
+            </a:pPr>
+            <a:endParaRPr lang="en-US" altLang="zh-CN" sz="1800" dirty="0" smtClean="0">
+              <a:solidFill>
+                <a:schemeClr val="tx1"/>
+              </a:solidFill>
+              <a:latin typeface="微软雅黑" pitchFamily="34" charset="-122"/>
+              <a:ea typeface="微软雅黑" pitchFamily="34" charset="-122"/>
+            </a:endParaRPr>
+          </a:p>
+          <a:p>
+            <a:pPr marL="342900" indent="-342900" algn="l">
+              <a:lnSpc>
+                <a:spcPct val="150000"/>
+              </a:lnSpc>
+              <a:buAutoNum type="arabicPeriod"/>
+            </a:pPr>
+            <a:r>
+              <a:rPr lang="zh-CN" altLang="en-US" sz="1800" dirty="0" smtClean="0">
+                <a:solidFill>
+                  <a:schemeClr val="tx1"/>
+                </a:solidFill>
+                <a:latin typeface="微软雅黑" pitchFamily="34" charset="-122"/>
+                <a:ea typeface="微软雅黑" pitchFamily="34" charset="-122"/>
+              </a:rPr>
+              <a:t>活动对象：巡查，小修保养（作业单、验收、支付）</a:t>
+            </a:r>
+            <a:endParaRPr lang="zh-CN" altLang="en-US" sz="1800" dirty="0">
+              <a:solidFill>
+                <a:schemeClr val="tx1"/>
+              </a:solidFill>
+              <a:latin typeface="微软雅黑" pitchFamily="34" charset="-122"/>
+              <a:ea typeface="微软雅黑" pitchFamily="34" charset="-122"/>
+            </a:endParaRPr>
+          </a:p>
+          <a:p>
+            <a:pPr algn="l">
+              <a:lnSpc>
+                <a:spcPct val="150000"/>
+              </a:lnSpc>
+            </a:pPr>
+            <a:endParaRPr lang="zh-CN" altLang="en-US" sz="1800" dirty="0"/>
+          </a:p>
+        </p:txBody>
+      </p:sp>
+      <p:sp>
+        <p:nvSpPr>
+          <p:cNvPr id="5" name="内容占位符 2"/>
+          <p:cNvSpPr txBox="1">
+            <a:spLocks/>
+          </p:cNvSpPr>
+          <p:nvPr/>
+        </p:nvSpPr>
+        <p:spPr>
+          <a:xfrm>
+            <a:off x="539552" y="1196752"/>
+            <a:ext cx="7231445" cy="504056"/>
+          </a:xfrm>
+          <a:prstGeom prst="rect">
+            <a:avLst/>
+          </a:prstGeom>
+        </p:spPr>
+        <p:txBody>
+          <a:bodyPr>
+            <a:noAutofit/>
+          </a:bodyPr>
+          <a:lstStyle>
+            <a:lvl1pPr marL="342900" indent="-342900" algn="l" rtl="0" eaLnBrk="0" fontAlgn="base" hangingPunct="0">
+              <a:lnSpc>
+                <a:spcPct val="120000"/>
+              </a:lnSpc>
+              <a:spcBef>
+                <a:spcPct val="20000"/>
+              </a:spcBef>
+              <a:spcAft>
+                <a:spcPct val="0"/>
+              </a:spcAft>
+              <a:buClr>
+                <a:schemeClr val="accent2"/>
+              </a:buClr>
+              <a:buChar char="•"/>
+              <a:defRPr sz="2000" b="1">
+                <a:solidFill>
+                  <a:schemeClr val="tx1"/>
+                </a:solidFill>
+                <a:latin typeface="+mn-lt"/>
+                <a:ea typeface="+mn-ea"/>
+                <a:cs typeface="+mn-cs"/>
+              </a:defRPr>
+            </a:lvl1pPr>
+            <a:lvl2pPr marL="742950" indent="-285750" algn="l" rtl="0" eaLnBrk="0" fontAlgn="base" hangingPunct="0">
+              <a:lnSpc>
+                <a:spcPct val="120000"/>
+              </a:lnSpc>
+              <a:spcBef>
+                <a:spcPct val="20000"/>
+              </a:spcBef>
+              <a:spcAft>
+                <a:spcPct val="0"/>
+              </a:spcAft>
+              <a:buClr>
+                <a:schemeClr val="accent2"/>
+              </a:buClr>
+              <a:buSzPct val="80000"/>
+              <a:buFont typeface="Wingdings" pitchFamily="2" charset="2"/>
+              <a:buChar char="p"/>
+              <a:defRPr sz="2400" b="1">
+                <a:solidFill>
+                  <a:schemeClr val="tx1"/>
+                </a:solidFill>
+                <a:latin typeface="+mn-lt"/>
+                <a:ea typeface="+mn-ea"/>
+              </a:defRPr>
+            </a:lvl2pPr>
+            <a:lvl3pPr marL="1143000" indent="-228600" algn="l" rtl="0" eaLnBrk="0" fontAlgn="base" hangingPunct="0">
+              <a:lnSpc>
+                <a:spcPct val="120000"/>
+              </a:lnSpc>
+              <a:spcBef>
+                <a:spcPct val="20000"/>
+              </a:spcBef>
+              <a:spcAft>
+                <a:spcPct val="0"/>
+              </a:spcAft>
+              <a:buClr>
+                <a:schemeClr val="accent2"/>
+              </a:buClr>
+              <a:buSzPct val="60000"/>
+              <a:buFont typeface="Wingdings" pitchFamily="2" charset="2"/>
+              <a:buChar char="n"/>
+              <a:defRPr sz="2000" b="1">
+                <a:solidFill>
+                  <a:schemeClr val="tx1"/>
+                </a:solidFill>
+                <a:latin typeface="+mn-lt"/>
+                <a:ea typeface="+mn-ea"/>
+              </a:defRPr>
+            </a:lvl3pPr>
+            <a:lvl4pPr marL="1600200" indent="-228600" algn="l" rtl="0" eaLnBrk="0" fontAlgn="base" hangingPunct="0">
+              <a:lnSpc>
+                <a:spcPct val="120000"/>
+              </a:lnSpc>
+              <a:spcBef>
+                <a:spcPct val="20000"/>
+              </a:spcBef>
+              <a:spcAft>
+                <a:spcPct val="0"/>
+              </a:spcAft>
+              <a:buClr>
+                <a:schemeClr val="accent2"/>
+              </a:buClr>
+              <a:buFont typeface="Arial" charset="0"/>
+              <a:buChar char="–"/>
+              <a:defRPr sz="1600" b="1">
+                <a:solidFill>
+                  <a:schemeClr val="tx1"/>
+                </a:solidFill>
+                <a:latin typeface="+mn-lt"/>
+                <a:ea typeface="+mn-ea"/>
+              </a:defRPr>
+            </a:lvl4pPr>
+            <a:lvl5pPr marL="2057400" indent="-228600" algn="l" rtl="0" eaLnBrk="0" fontAlgn="base" hangingPunct="0">
+              <a:lnSpc>
+                <a:spcPct val="120000"/>
+              </a:lnSpc>
+              <a:spcBef>
+                <a:spcPct val="20000"/>
+              </a:spcBef>
+              <a:spcAft>
+                <a:spcPct val="0"/>
+              </a:spcAft>
+              <a:buClr>
+                <a:schemeClr val="accent2"/>
+              </a:buClr>
+              <a:buFont typeface="Arial" charset="0"/>
+              <a:buChar char="»"/>
+              <a:defRPr sz="1400" b="1">
+                <a:solidFill>
+                  <a:schemeClr val="tx1"/>
+                </a:solidFill>
+                <a:latin typeface="+mn-lt"/>
+                <a:ea typeface="+mn-ea"/>
+              </a:defRPr>
+            </a:lvl5pPr>
+            <a:lvl6pPr marL="2514600" indent="-228600" algn="l" rtl="0" fontAlgn="base">
+              <a:lnSpc>
+                <a:spcPct val="120000"/>
+              </a:lnSpc>
+              <a:spcBef>
+                <a:spcPct val="20000"/>
+              </a:spcBef>
+              <a:spcAft>
+                <a:spcPct val="0"/>
+              </a:spcAft>
+              <a:buClr>
+                <a:schemeClr val="accent2"/>
+              </a:buClr>
+              <a:buFont typeface="Arial" pitchFamily="34" charset="0"/>
+              <a:buChar char="»"/>
+              <a:defRPr sz="1400" b="1">
+                <a:solidFill>
+                  <a:schemeClr val="tx1"/>
+                </a:solidFill>
+                <a:latin typeface="+mn-lt"/>
+                <a:ea typeface="+mn-ea"/>
+              </a:defRPr>
+            </a:lvl6pPr>
+            <a:lvl7pPr marL="2971800" indent="-228600" algn="l" rtl="0" fontAlgn="base">
+              <a:lnSpc>
+                <a:spcPct val="120000"/>
+              </a:lnSpc>
+              <a:spcBef>
+                <a:spcPct val="20000"/>
+              </a:spcBef>
+              <a:spcAft>
+                <a:spcPct val="0"/>
+              </a:spcAft>
+              <a:buClr>
+                <a:schemeClr val="accent2"/>
+              </a:buClr>
+              <a:buFont typeface="Arial" pitchFamily="34" charset="0"/>
+              <a:buChar char="»"/>
+              <a:defRPr sz="1400" b="1">
+                <a:solidFill>
+                  <a:schemeClr val="tx1"/>
+                </a:solidFill>
+                <a:latin typeface="+mn-lt"/>
+                <a:ea typeface="+mn-ea"/>
+              </a:defRPr>
+            </a:lvl7pPr>
+            <a:lvl8pPr marL="3429000" indent="-228600" algn="l" rtl="0" fontAlgn="base">
+              <a:lnSpc>
+                <a:spcPct val="120000"/>
+              </a:lnSpc>
+              <a:spcBef>
+                <a:spcPct val="20000"/>
+              </a:spcBef>
+              <a:spcAft>
+                <a:spcPct val="0"/>
+              </a:spcAft>
+              <a:buClr>
+                <a:schemeClr val="accent2"/>
+              </a:buClr>
+              <a:buFont typeface="Arial" pitchFamily="34" charset="0"/>
+              <a:buChar char="»"/>
+              <a:defRPr sz="1400" b="1">
+                <a:solidFill>
+                  <a:schemeClr val="tx1"/>
+                </a:solidFill>
+                <a:latin typeface="+mn-lt"/>
+                <a:ea typeface="+mn-ea"/>
+              </a:defRPr>
+            </a:lvl8pPr>
+            <a:lvl9pPr marL="3886200" indent="-228600" algn="l" rtl="0" fontAlgn="base">
+              <a:lnSpc>
+                <a:spcPct val="120000"/>
+              </a:lnSpc>
+              <a:spcBef>
+                <a:spcPct val="20000"/>
+              </a:spcBef>
+              <a:spcAft>
+                <a:spcPct val="0"/>
+              </a:spcAft>
+              <a:buClr>
+                <a:schemeClr val="accent2"/>
+              </a:buClr>
+              <a:buFont typeface="Arial" pitchFamily="34" charset="0"/>
+              <a:buChar char="»"/>
+              <a:defRPr sz="1400" b="1">
+                <a:solidFill>
+                  <a:schemeClr val="tx1"/>
+                </a:solidFill>
+                <a:latin typeface="+mn-lt"/>
+                <a:ea typeface="+mn-ea"/>
+              </a:defRPr>
+            </a:lvl9pPr>
+          </a:lstStyle>
+          <a:p>
+            <a:pPr marL="0" indent="0">
+              <a:buNone/>
+            </a:pPr>
+            <a:r>
+              <a:rPr lang="en-US" altLang="zh-CN" sz="2400" b="0" kern="0" dirty="0" smtClean="0">
+                <a:latin typeface="微软雅黑" panose="020B0503020204020204" pitchFamily="34" charset="-122"/>
+                <a:ea typeface="微软雅黑" panose="020B0503020204020204" pitchFamily="34" charset="-122"/>
+              </a:rPr>
+              <a:t>3. </a:t>
+            </a:r>
+            <a:r>
+              <a:rPr lang="zh-CN" altLang="en-US" sz="2400" b="0" kern="0" dirty="0" smtClean="0">
+                <a:latin typeface="微软雅黑" panose="020B0503020204020204" pitchFamily="34" charset="-122"/>
+                <a:ea typeface="微软雅黑" panose="020B0503020204020204" pitchFamily="34" charset="-122"/>
+              </a:rPr>
+              <a:t>领域对象分析</a:t>
+            </a:r>
+            <a:endParaRPr lang="en-US" altLang="zh-CN" sz="2400" b="0" kern="0" dirty="0">
+              <a:latin typeface="微软雅黑" panose="020B0503020204020204" pitchFamily="34" charset="-122"/>
+              <a:ea typeface="微软雅黑" panose="020B0503020204020204" pitchFamily="34" charset="-122"/>
+            </a:endParaRPr>
+          </a:p>
+        </p:txBody>
+      </p:sp>
+    </p:spTree>
+    <p:extLst>
+      <p:ext uri="{BB962C8B-B14F-4D97-AF65-F5344CB8AC3E}">
+        <p14:creationId xmlns:p14="http://schemas.microsoft.com/office/powerpoint/2010/main" val="1383934587"/>
+      </p:ext>
+    </p:extLst>
+  </p:cSld>
+  <p:clrMapOvr>
+    <a:masterClrMapping/>
+  </p:clrMapOvr>
+  <p:transition spd="slow">
+    <p:fade/>
+  </p:transition>
+  <p:timing>
+    <p:tnLst>
+      <p:par>
+        <p:cTn id="1" dur="indefinite" restart="never" nodeType="tmRoot"/>
+      </p:par>
+    </p:tnLst>
+  </p:timing>
+</p:sld>
+</file>
+
+<file path=ppt/slides/slide8.xml><?xml version="1.0" encoding="utf-8"?>
+<p:sld xmlns:a="http://schemas.openxmlformats.org/drawingml/2006/main" xmlns:r="http://schemas.openxmlformats.org/officeDocument/2006/relationships" xmlns:p="http://schemas.openxmlformats.org/presentationml/2006/main">
+  <p:cSld>
+    <p:spTree>
+      <p:nvGrpSpPr>
+        <p:cNvPr id="1" name=""/>
+        <p:cNvGrpSpPr/>
+        <p:nvPr/>
+      </p:nvGrpSpPr>
+      <p:grpSpPr>
+        <a:xfrm>
+          <a:off x="0" y="0"/>
+          <a:ext cx="0" cy="0"/>
+          <a:chOff x="0" y="0"/>
+          <a:chExt cx="0" cy="0"/>
+        </a:xfrm>
+      </p:grpSpPr>
+      <p:sp>
+        <p:nvSpPr>
+          <p:cNvPr id="7170" name="Rectangle 2"/>
+          <p:cNvSpPr>
+            <a:spLocks noGrp="1" noChangeArrowheads="1"/>
+          </p:cNvSpPr>
+          <p:nvPr>
+            <p:ph type="title" idx="4294967295"/>
+          </p:nvPr>
+        </p:nvSpPr>
+        <p:spPr>
+          <a:xfrm>
+            <a:off x="114672" y="333375"/>
+            <a:ext cx="5105400" cy="452438"/>
+          </a:xfrm>
+        </p:spPr>
+        <p:txBody>
+          <a:bodyPr/>
+          <a:lstStyle/>
+          <a:p>
+            <a:pPr eaLnBrk="1" hangingPunct="1"/>
+            <a:r>
+              <a:rPr lang="zh-CN" altLang="en-US" sz="2800" dirty="0" smtClean="0">
+                <a:solidFill>
+                  <a:srgbClr val="CC0000"/>
+                </a:solidFill>
+                <a:latin typeface="微软雅黑" pitchFamily="34" charset="-122"/>
+                <a:ea typeface="微软雅黑" pitchFamily="34" charset="-122"/>
+              </a:rPr>
+              <a:t>二、 </a:t>
+            </a:r>
+            <a:r>
+              <a:rPr lang="zh-CN" altLang="en-US" sz="2800" dirty="0" smtClean="0">
+                <a:solidFill>
+                  <a:srgbClr val="CC0000"/>
+                </a:solidFill>
+                <a:latin typeface="微软雅黑" pitchFamily="34" charset="-122"/>
+                <a:ea typeface="微软雅黑" pitchFamily="34" charset="-122"/>
+              </a:rPr>
+              <a:t>产品化数据库设计</a:t>
+            </a:r>
+            <a:endParaRPr lang="zh-CN" altLang="en-US" sz="2800" dirty="0" smtClean="0">
+              <a:solidFill>
+                <a:srgbClr val="CC0000"/>
+              </a:solidFill>
+              <a:latin typeface="微软雅黑" pitchFamily="34" charset="-122"/>
+              <a:ea typeface="微软雅黑" pitchFamily="34" charset="-122"/>
+            </a:endParaRPr>
+          </a:p>
+        </p:txBody>
+      </p:sp>
+      <p:sp>
+        <p:nvSpPr>
+          <p:cNvPr id="4" name="内容占位符 2"/>
+          <p:cNvSpPr txBox="1">
+            <a:spLocks/>
+          </p:cNvSpPr>
+          <p:nvPr/>
+        </p:nvSpPr>
+        <p:spPr>
+          <a:xfrm>
+            <a:off x="868947" y="1795760"/>
+            <a:ext cx="7231445" cy="2929384"/>
+          </a:xfrm>
+          <a:prstGeom prst="rect">
+            <a:avLst/>
+          </a:prstGeom>
+        </p:spPr>
+        <p:txBody>
+          <a:bodyPr>
+            <a:normAutofit/>
+          </a:bodyPr>
+          <a:lstStyle>
+            <a:lvl1pPr marL="342900" indent="-342900" algn="l" rtl="0" eaLnBrk="0" fontAlgn="base" hangingPunct="0">
+              <a:lnSpc>
+                <a:spcPct val="120000"/>
+              </a:lnSpc>
+              <a:spcBef>
+                <a:spcPct val="20000"/>
+              </a:spcBef>
+              <a:spcAft>
+                <a:spcPct val="0"/>
+              </a:spcAft>
+              <a:buClr>
+                <a:schemeClr val="accent2"/>
+              </a:buClr>
+              <a:buChar char="•"/>
+              <a:defRPr sz="2000" b="1">
+                <a:solidFill>
+                  <a:schemeClr val="tx1"/>
+                </a:solidFill>
+                <a:latin typeface="+mn-lt"/>
+                <a:ea typeface="+mn-ea"/>
+                <a:cs typeface="+mn-cs"/>
+              </a:defRPr>
+            </a:lvl1pPr>
+            <a:lvl2pPr marL="742950" indent="-285750" algn="l" rtl="0" eaLnBrk="0" fontAlgn="base" hangingPunct="0">
+              <a:lnSpc>
+                <a:spcPct val="120000"/>
+              </a:lnSpc>
+              <a:spcBef>
+                <a:spcPct val="20000"/>
+              </a:spcBef>
+              <a:spcAft>
+                <a:spcPct val="0"/>
+              </a:spcAft>
+              <a:buClr>
+                <a:schemeClr val="accent2"/>
+              </a:buClr>
+              <a:buSzPct val="80000"/>
+              <a:buFont typeface="Wingdings" pitchFamily="2" charset="2"/>
+              <a:buChar char="p"/>
+              <a:defRPr sz="2400" b="1">
+                <a:solidFill>
+                  <a:schemeClr val="tx1"/>
+                </a:solidFill>
+                <a:latin typeface="+mn-lt"/>
+                <a:ea typeface="+mn-ea"/>
+              </a:defRPr>
+            </a:lvl2pPr>
+            <a:lvl3pPr marL="1143000" indent="-228600" algn="l" rtl="0" eaLnBrk="0" fontAlgn="base" hangingPunct="0">
+              <a:lnSpc>
+                <a:spcPct val="120000"/>
+              </a:lnSpc>
+              <a:spcBef>
+                <a:spcPct val="20000"/>
+              </a:spcBef>
+              <a:spcAft>
+                <a:spcPct val="0"/>
+              </a:spcAft>
+              <a:buClr>
+                <a:schemeClr val="accent2"/>
+              </a:buClr>
+              <a:buSzPct val="60000"/>
+              <a:buFont typeface="Wingdings" pitchFamily="2" charset="2"/>
+              <a:buChar char="n"/>
+              <a:defRPr sz="2000" b="1">
+                <a:solidFill>
+                  <a:schemeClr val="tx1"/>
+                </a:solidFill>
+                <a:latin typeface="+mn-lt"/>
+                <a:ea typeface="+mn-ea"/>
+              </a:defRPr>
+            </a:lvl3pPr>
+            <a:lvl4pPr marL="1600200" indent="-228600" algn="l" rtl="0" eaLnBrk="0" fontAlgn="base" hangingPunct="0">
+              <a:lnSpc>
+                <a:spcPct val="120000"/>
+              </a:lnSpc>
+              <a:spcBef>
+                <a:spcPct val="20000"/>
+              </a:spcBef>
+              <a:spcAft>
+                <a:spcPct val="0"/>
+              </a:spcAft>
+              <a:buClr>
+                <a:schemeClr val="accent2"/>
+              </a:buClr>
+              <a:buFont typeface="Arial" charset="0"/>
+              <a:buChar char="–"/>
+              <a:defRPr sz="1600" b="1">
+                <a:solidFill>
+                  <a:schemeClr val="tx1"/>
+                </a:solidFill>
+                <a:latin typeface="+mn-lt"/>
+                <a:ea typeface="+mn-ea"/>
+              </a:defRPr>
+            </a:lvl4pPr>
+            <a:lvl5pPr marL="2057400" indent="-228600" algn="l" rtl="0" eaLnBrk="0" fontAlgn="base" hangingPunct="0">
+              <a:lnSpc>
+                <a:spcPct val="120000"/>
+              </a:lnSpc>
+              <a:spcBef>
+                <a:spcPct val="20000"/>
+              </a:spcBef>
+              <a:spcAft>
+                <a:spcPct val="0"/>
+              </a:spcAft>
+              <a:buClr>
+                <a:schemeClr val="accent2"/>
+              </a:buClr>
+              <a:buFont typeface="Arial" charset="0"/>
+              <a:buChar char="»"/>
+              <a:defRPr sz="1400" b="1">
+                <a:solidFill>
+                  <a:schemeClr val="tx1"/>
+                </a:solidFill>
+                <a:latin typeface="+mn-lt"/>
+                <a:ea typeface="+mn-ea"/>
+              </a:defRPr>
+            </a:lvl5pPr>
+            <a:lvl6pPr marL="2514600" indent="-228600" algn="l" rtl="0" fontAlgn="base">
+              <a:lnSpc>
+                <a:spcPct val="120000"/>
+              </a:lnSpc>
+              <a:spcBef>
+                <a:spcPct val="20000"/>
+              </a:spcBef>
+              <a:spcAft>
+                <a:spcPct val="0"/>
+              </a:spcAft>
+              <a:buClr>
+                <a:schemeClr val="accent2"/>
+              </a:buClr>
+              <a:buFont typeface="Arial" pitchFamily="34" charset="0"/>
+              <a:buChar char="»"/>
+              <a:defRPr sz="1400" b="1">
+                <a:solidFill>
+                  <a:schemeClr val="tx1"/>
+                </a:solidFill>
+                <a:latin typeface="+mn-lt"/>
+                <a:ea typeface="+mn-ea"/>
+              </a:defRPr>
+            </a:lvl6pPr>
+            <a:lvl7pPr marL="2971800" indent="-228600" algn="l" rtl="0" fontAlgn="base">
+              <a:lnSpc>
+                <a:spcPct val="120000"/>
+              </a:lnSpc>
+              <a:spcBef>
+                <a:spcPct val="20000"/>
+              </a:spcBef>
+              <a:spcAft>
+                <a:spcPct val="0"/>
+              </a:spcAft>
+              <a:buClr>
+                <a:schemeClr val="accent2"/>
+              </a:buClr>
+              <a:buFont typeface="Arial" pitchFamily="34" charset="0"/>
+              <a:buChar char="»"/>
+              <a:defRPr sz="1400" b="1">
+                <a:solidFill>
+                  <a:schemeClr val="tx1"/>
+                </a:solidFill>
+                <a:latin typeface="+mn-lt"/>
+                <a:ea typeface="+mn-ea"/>
+              </a:defRPr>
+            </a:lvl7pPr>
+            <a:lvl8pPr marL="3429000" indent="-228600" algn="l" rtl="0" fontAlgn="base">
+              <a:lnSpc>
+                <a:spcPct val="120000"/>
+              </a:lnSpc>
+              <a:spcBef>
+                <a:spcPct val="20000"/>
+              </a:spcBef>
+              <a:spcAft>
+                <a:spcPct val="0"/>
+              </a:spcAft>
+              <a:buClr>
+                <a:schemeClr val="accent2"/>
+              </a:buClr>
+              <a:buFont typeface="Arial" pitchFamily="34" charset="0"/>
+              <a:buChar char="»"/>
+              <a:defRPr sz="1400" b="1">
+                <a:solidFill>
+                  <a:schemeClr val="tx1"/>
+                </a:solidFill>
+                <a:latin typeface="+mn-lt"/>
+                <a:ea typeface="+mn-ea"/>
+              </a:defRPr>
+            </a:lvl8pPr>
+            <a:lvl9pPr marL="3886200" indent="-228600" algn="l" rtl="0" fontAlgn="base">
+              <a:lnSpc>
+                <a:spcPct val="120000"/>
+              </a:lnSpc>
+              <a:spcBef>
+                <a:spcPct val="20000"/>
+              </a:spcBef>
+              <a:spcAft>
+                <a:spcPct val="0"/>
+              </a:spcAft>
+              <a:buClr>
+                <a:schemeClr val="accent2"/>
+              </a:buClr>
+              <a:buFont typeface="Arial" pitchFamily="34" charset="0"/>
+              <a:buChar char="»"/>
+              <a:defRPr sz="1400" b="1">
+                <a:solidFill>
+                  <a:schemeClr val="tx1"/>
+                </a:solidFill>
+                <a:latin typeface="+mn-lt"/>
+                <a:ea typeface="+mn-ea"/>
+              </a:defRPr>
+            </a:lvl9pPr>
+          </a:lstStyle>
+          <a:p>
+            <a:pPr>
+              <a:buNone/>
+            </a:pPr>
+            <a:endParaRPr lang="en-US" altLang="zh-CN" b="0" kern="0" dirty="0"/>
+          </a:p>
+        </p:txBody>
+      </p:sp>
+      <p:sp>
+        <p:nvSpPr>
+          <p:cNvPr id="5" name="内容占位符 2"/>
+          <p:cNvSpPr txBox="1">
+            <a:spLocks/>
+          </p:cNvSpPr>
+          <p:nvPr/>
+        </p:nvSpPr>
+        <p:spPr>
+          <a:xfrm>
+            <a:off x="539552" y="1196752"/>
+            <a:ext cx="7231445" cy="504056"/>
+          </a:xfrm>
+          <a:prstGeom prst="rect">
+            <a:avLst/>
+          </a:prstGeom>
+        </p:spPr>
+        <p:txBody>
+          <a:bodyPr>
+            <a:noAutofit/>
+          </a:bodyPr>
+          <a:lstStyle>
+            <a:lvl1pPr marL="342900" indent="-342900" algn="l" rtl="0" eaLnBrk="0" fontAlgn="base" hangingPunct="0">
+              <a:lnSpc>
+                <a:spcPct val="120000"/>
+              </a:lnSpc>
+              <a:spcBef>
+                <a:spcPct val="20000"/>
+              </a:spcBef>
+              <a:spcAft>
+                <a:spcPct val="0"/>
+              </a:spcAft>
+              <a:buClr>
+                <a:schemeClr val="accent2"/>
+              </a:buClr>
+              <a:buChar char="•"/>
+              <a:defRPr sz="2000" b="1">
+                <a:solidFill>
+                  <a:schemeClr val="tx1"/>
+                </a:solidFill>
+                <a:latin typeface="+mn-lt"/>
+                <a:ea typeface="+mn-ea"/>
+                <a:cs typeface="+mn-cs"/>
+              </a:defRPr>
+            </a:lvl1pPr>
+            <a:lvl2pPr marL="742950" indent="-285750" algn="l" rtl="0" eaLnBrk="0" fontAlgn="base" hangingPunct="0">
+              <a:lnSpc>
+                <a:spcPct val="120000"/>
+              </a:lnSpc>
+              <a:spcBef>
+                <a:spcPct val="20000"/>
+              </a:spcBef>
+              <a:spcAft>
+                <a:spcPct val="0"/>
+              </a:spcAft>
+              <a:buClr>
+                <a:schemeClr val="accent2"/>
+              </a:buClr>
+              <a:buSzPct val="80000"/>
+              <a:buFont typeface="Wingdings" pitchFamily="2" charset="2"/>
+              <a:buChar char="p"/>
+              <a:defRPr sz="2400" b="1">
+                <a:solidFill>
+                  <a:schemeClr val="tx1"/>
+                </a:solidFill>
+                <a:latin typeface="+mn-lt"/>
+                <a:ea typeface="+mn-ea"/>
+              </a:defRPr>
+            </a:lvl2pPr>
+            <a:lvl3pPr marL="1143000" indent="-228600" algn="l" rtl="0" eaLnBrk="0" fontAlgn="base" hangingPunct="0">
+              <a:lnSpc>
+                <a:spcPct val="120000"/>
+              </a:lnSpc>
+              <a:spcBef>
+                <a:spcPct val="20000"/>
+              </a:spcBef>
+              <a:spcAft>
+                <a:spcPct val="0"/>
+              </a:spcAft>
+              <a:buClr>
+                <a:schemeClr val="accent2"/>
+              </a:buClr>
+              <a:buSzPct val="60000"/>
+              <a:buFont typeface="Wingdings" pitchFamily="2" charset="2"/>
+              <a:buChar char="n"/>
+              <a:defRPr sz="2000" b="1">
+                <a:solidFill>
+                  <a:schemeClr val="tx1"/>
+                </a:solidFill>
+                <a:latin typeface="+mn-lt"/>
+                <a:ea typeface="+mn-ea"/>
+              </a:defRPr>
+            </a:lvl3pPr>
+            <a:lvl4pPr marL="1600200" indent="-228600" algn="l" rtl="0" eaLnBrk="0" fontAlgn="base" hangingPunct="0">
+              <a:lnSpc>
+                <a:spcPct val="120000"/>
+              </a:lnSpc>
+              <a:spcBef>
+                <a:spcPct val="20000"/>
+              </a:spcBef>
+              <a:spcAft>
+                <a:spcPct val="0"/>
+              </a:spcAft>
+              <a:buClr>
+                <a:schemeClr val="accent2"/>
+              </a:buClr>
+              <a:buFont typeface="Arial" charset="0"/>
+              <a:buChar char="–"/>
+              <a:defRPr sz="1600" b="1">
+                <a:solidFill>
+                  <a:schemeClr val="tx1"/>
+                </a:solidFill>
+                <a:latin typeface="+mn-lt"/>
+                <a:ea typeface="+mn-ea"/>
+              </a:defRPr>
+            </a:lvl4pPr>
+            <a:lvl5pPr marL="2057400" indent="-228600" algn="l" rtl="0" eaLnBrk="0" fontAlgn="base" hangingPunct="0">
+              <a:lnSpc>
+                <a:spcPct val="120000"/>
+              </a:lnSpc>
+              <a:spcBef>
+                <a:spcPct val="20000"/>
+              </a:spcBef>
+              <a:spcAft>
+                <a:spcPct val="0"/>
+              </a:spcAft>
+              <a:buClr>
+                <a:schemeClr val="accent2"/>
+              </a:buClr>
+              <a:buFont typeface="Arial" charset="0"/>
+              <a:buChar char="»"/>
+              <a:defRPr sz="1400" b="1">
+                <a:solidFill>
+                  <a:schemeClr val="tx1"/>
+                </a:solidFill>
+                <a:latin typeface="+mn-lt"/>
+                <a:ea typeface="+mn-ea"/>
+              </a:defRPr>
+            </a:lvl5pPr>
+            <a:lvl6pPr marL="2514600" indent="-228600" algn="l" rtl="0" fontAlgn="base">
+              <a:lnSpc>
+                <a:spcPct val="120000"/>
+              </a:lnSpc>
+              <a:spcBef>
+                <a:spcPct val="20000"/>
+              </a:spcBef>
+              <a:spcAft>
+                <a:spcPct val="0"/>
+              </a:spcAft>
+              <a:buClr>
+                <a:schemeClr val="accent2"/>
+              </a:buClr>
+              <a:buFont typeface="Arial" pitchFamily="34" charset="0"/>
+              <a:buChar char="»"/>
+              <a:defRPr sz="1400" b="1">
+                <a:solidFill>
+                  <a:schemeClr val="tx1"/>
+                </a:solidFill>
+                <a:latin typeface="+mn-lt"/>
+                <a:ea typeface="+mn-ea"/>
+              </a:defRPr>
+            </a:lvl6pPr>
+            <a:lvl7pPr marL="2971800" indent="-228600" algn="l" rtl="0" fontAlgn="base">
+              <a:lnSpc>
+                <a:spcPct val="120000"/>
+              </a:lnSpc>
+              <a:spcBef>
+                <a:spcPct val="20000"/>
+              </a:spcBef>
+              <a:spcAft>
+                <a:spcPct val="0"/>
+              </a:spcAft>
+              <a:buClr>
+                <a:schemeClr val="accent2"/>
+              </a:buClr>
+              <a:buFont typeface="Arial" pitchFamily="34" charset="0"/>
+              <a:buChar char="»"/>
+              <a:defRPr sz="1400" b="1">
+                <a:solidFill>
+                  <a:schemeClr val="tx1"/>
+                </a:solidFill>
+                <a:latin typeface="+mn-lt"/>
+                <a:ea typeface="+mn-ea"/>
+              </a:defRPr>
+            </a:lvl7pPr>
+            <a:lvl8pPr marL="3429000" indent="-228600" algn="l" rtl="0" fontAlgn="base">
+              <a:lnSpc>
+                <a:spcPct val="120000"/>
+              </a:lnSpc>
+              <a:spcBef>
+                <a:spcPct val="20000"/>
+              </a:spcBef>
+              <a:spcAft>
+                <a:spcPct val="0"/>
+              </a:spcAft>
+              <a:buClr>
+                <a:schemeClr val="accent2"/>
+              </a:buClr>
+              <a:buFont typeface="Arial" pitchFamily="34" charset="0"/>
+              <a:buChar char="»"/>
+              <a:defRPr sz="1400" b="1">
+                <a:solidFill>
+                  <a:schemeClr val="tx1"/>
+                </a:solidFill>
+                <a:latin typeface="+mn-lt"/>
+                <a:ea typeface="+mn-ea"/>
+              </a:defRPr>
+            </a:lvl8pPr>
+            <a:lvl9pPr marL="3886200" indent="-228600" algn="l" rtl="0" fontAlgn="base">
+              <a:lnSpc>
+                <a:spcPct val="120000"/>
+              </a:lnSpc>
+              <a:spcBef>
+                <a:spcPct val="20000"/>
+              </a:spcBef>
+              <a:spcAft>
+                <a:spcPct val="0"/>
+              </a:spcAft>
+              <a:buClr>
+                <a:schemeClr val="accent2"/>
+              </a:buClr>
+              <a:buFont typeface="Arial" pitchFamily="34" charset="0"/>
+              <a:buChar char="»"/>
+              <a:defRPr sz="1400" b="1">
+                <a:solidFill>
+                  <a:schemeClr val="tx1"/>
+                </a:solidFill>
+                <a:latin typeface="+mn-lt"/>
+                <a:ea typeface="+mn-ea"/>
+              </a:defRPr>
+            </a:lvl9pPr>
+          </a:lstStyle>
+          <a:p>
+            <a:pPr marL="0" indent="0">
+              <a:buNone/>
+            </a:pPr>
+            <a:r>
+              <a:rPr lang="en-US" altLang="zh-CN" sz="2400" b="0" kern="0" dirty="0" smtClean="0">
+                <a:latin typeface="微软雅黑" panose="020B0503020204020204" pitchFamily="34" charset="-122"/>
+                <a:ea typeface="微软雅黑" panose="020B0503020204020204" pitchFamily="34" charset="-122"/>
+              </a:rPr>
+              <a:t>2. </a:t>
+            </a:r>
+            <a:r>
+              <a:rPr lang="zh-CN" altLang="en-US" sz="2400" b="0" kern="0" dirty="0" smtClean="0">
+                <a:latin typeface="微软雅黑" panose="020B0503020204020204" pitchFamily="34" charset="-122"/>
+                <a:ea typeface="微软雅黑" panose="020B0503020204020204" pitchFamily="34" charset="-122"/>
+              </a:rPr>
+              <a:t>设计方案</a:t>
+            </a:r>
+            <a:r>
+              <a:rPr lang="en-US" altLang="zh-CN" sz="2400" b="0" kern="0" dirty="0" smtClean="0">
+                <a:latin typeface="微软雅黑" panose="020B0503020204020204" pitchFamily="34" charset="-122"/>
+                <a:ea typeface="微软雅黑" panose="020B0503020204020204" pitchFamily="34" charset="-122"/>
+              </a:rPr>
+              <a:t>—</a:t>
+            </a:r>
+            <a:r>
+              <a:rPr lang="zh-CN" altLang="en-US" sz="2400" b="0" kern="0" dirty="0" smtClean="0">
+                <a:latin typeface="微软雅黑" panose="020B0503020204020204" pitchFamily="34" charset="-122"/>
+                <a:ea typeface="微软雅黑" panose="020B0503020204020204" pitchFamily="34" charset="-122"/>
+              </a:rPr>
+              <a:t>交通基础</a:t>
+            </a:r>
+            <a:r>
+              <a:rPr lang="zh-CN" altLang="en-US" sz="2400" b="0" kern="0" dirty="0" smtClean="0">
+                <a:latin typeface="微软雅黑" panose="020B0503020204020204" pitchFamily="34" charset="-122"/>
+                <a:ea typeface="微软雅黑" panose="020B0503020204020204" pitchFamily="34" charset="-122"/>
+              </a:rPr>
+              <a:t>设施数据</a:t>
+            </a:r>
+            <a:endParaRPr lang="en-US" altLang="zh-CN" sz="2400" b="0" kern="0" dirty="0">
+              <a:latin typeface="微软雅黑" panose="020B0503020204020204" pitchFamily="34" charset="-122"/>
+              <a:ea typeface="微软雅黑" panose="020B0503020204020204" pitchFamily="34" charset="-122"/>
+            </a:endParaRPr>
+          </a:p>
+        </p:txBody>
+      </p:sp>
+      <p:sp>
+        <p:nvSpPr>
+          <p:cNvPr id="6" name="矩形 5"/>
+          <p:cNvSpPr/>
+          <p:nvPr/>
+        </p:nvSpPr>
+        <p:spPr>
+          <a:xfrm>
+            <a:off x="430841" y="2708920"/>
+            <a:ext cx="3578181" cy="3293209"/>
+          </a:xfrm>
+          <a:prstGeom prst="rect">
+            <a:avLst/>
+          </a:prstGeom>
+        </p:spPr>
+        <p:txBody>
+          <a:bodyPr wrap="square">
+            <a:spAutoFit/>
+          </a:bodyPr>
+          <a:lstStyle/>
+          <a:p>
+            <a:pPr marL="342900" indent="-342900" algn="l">
+              <a:buAutoNum type="arabicPeriod"/>
+            </a:pPr>
+            <a:r>
+              <a:rPr lang="zh-CN" altLang="en-US" sz="1600" dirty="0" smtClean="0">
+                <a:solidFill>
+                  <a:schemeClr val="tx1"/>
+                </a:solidFill>
+                <a:latin typeface="微软雅黑" pitchFamily="34" charset="-122"/>
+                <a:ea typeface="微软雅黑" pitchFamily="34" charset="-122"/>
+              </a:rPr>
+              <a:t>每类设施建立一个基本表，建立</a:t>
+            </a:r>
+            <a:r>
+              <a:rPr lang="zh-CN" altLang="en-US" sz="1600" dirty="0">
+                <a:solidFill>
+                  <a:schemeClr val="tx1"/>
+                </a:solidFill>
+                <a:latin typeface="微软雅黑" pitchFamily="34" charset="-122"/>
+                <a:ea typeface="微软雅黑" pitchFamily="34" charset="-122"/>
+              </a:rPr>
+              <a:t>一</a:t>
+            </a:r>
+            <a:r>
+              <a:rPr lang="zh-CN" altLang="en-US" sz="1600" dirty="0" smtClean="0">
+                <a:solidFill>
+                  <a:schemeClr val="tx1"/>
+                </a:solidFill>
+                <a:latin typeface="微软雅黑" pitchFamily="34" charset="-122"/>
+                <a:ea typeface="微软雅黑" pitchFamily="34" charset="-122"/>
+              </a:rPr>
+              <a:t>个或多个扩展表，基本表和扩展表通过主键连接，记录是</a:t>
+            </a:r>
+            <a:r>
+              <a:rPr lang="en-US" altLang="zh-CN" sz="1600" dirty="0" smtClean="0">
+                <a:solidFill>
+                  <a:schemeClr val="tx1"/>
+                </a:solidFill>
+                <a:latin typeface="微软雅黑" pitchFamily="34" charset="-122"/>
+                <a:ea typeface="微软雅黑" pitchFamily="34" charset="-122"/>
+              </a:rPr>
+              <a:t>1</a:t>
+            </a:r>
+            <a:r>
+              <a:rPr lang="zh-CN" altLang="en-US" sz="1600" dirty="0" smtClean="0">
+                <a:solidFill>
+                  <a:schemeClr val="tx1"/>
+                </a:solidFill>
+                <a:latin typeface="微软雅黑" pitchFamily="34" charset="-122"/>
+                <a:ea typeface="微软雅黑" pitchFamily="34" charset="-122"/>
+              </a:rPr>
+              <a:t>：</a:t>
+            </a:r>
+            <a:r>
+              <a:rPr lang="en-US" altLang="zh-CN" sz="1600" dirty="0" smtClean="0">
+                <a:solidFill>
+                  <a:schemeClr val="tx1"/>
+                </a:solidFill>
+                <a:latin typeface="微软雅黑" pitchFamily="34" charset="-122"/>
+                <a:ea typeface="微软雅黑" pitchFamily="34" charset="-122"/>
+              </a:rPr>
+              <a:t>1</a:t>
+            </a:r>
+            <a:r>
+              <a:rPr lang="zh-CN" altLang="en-US" sz="1600" dirty="0" smtClean="0">
+                <a:solidFill>
+                  <a:schemeClr val="tx1"/>
+                </a:solidFill>
+                <a:latin typeface="微软雅黑" pitchFamily="34" charset="-122"/>
+                <a:ea typeface="微软雅黑" pitchFamily="34" charset="-122"/>
+              </a:rPr>
+              <a:t>的；</a:t>
+            </a:r>
+            <a:endParaRPr lang="en-US" altLang="zh-CN" sz="1600" dirty="0" smtClean="0">
+              <a:solidFill>
+                <a:schemeClr val="tx1"/>
+              </a:solidFill>
+              <a:latin typeface="微软雅黑" pitchFamily="34" charset="-122"/>
+              <a:ea typeface="微软雅黑" pitchFamily="34" charset="-122"/>
+            </a:endParaRPr>
+          </a:p>
+          <a:p>
+            <a:pPr marL="342900" indent="-342900" algn="l">
+              <a:buAutoNum type="arabicPeriod"/>
+            </a:pPr>
+            <a:r>
+              <a:rPr lang="zh-CN" altLang="en-US" sz="1600" dirty="0" smtClean="0">
+                <a:solidFill>
+                  <a:schemeClr val="tx1"/>
+                </a:solidFill>
+                <a:latin typeface="微软雅黑" pitchFamily="34" charset="-122"/>
+                <a:ea typeface="微软雅黑" pitchFamily="34" charset="-122"/>
+              </a:rPr>
+              <a:t>把</a:t>
+            </a:r>
+            <a:r>
+              <a:rPr lang="zh-CN" altLang="en-US" sz="1600" dirty="0">
+                <a:solidFill>
+                  <a:schemeClr val="tx1"/>
+                </a:solidFill>
+                <a:latin typeface="微软雅黑" pitchFamily="34" charset="-122"/>
+                <a:ea typeface="微软雅黑" pitchFamily="34" charset="-122"/>
+              </a:rPr>
+              <a:t>最基本的信息项</a:t>
+            </a:r>
+            <a:r>
+              <a:rPr lang="zh-CN" altLang="en-US" sz="1600" dirty="0" smtClean="0">
+                <a:solidFill>
+                  <a:schemeClr val="tx1"/>
+                </a:solidFill>
+                <a:latin typeface="微软雅黑" pitchFamily="34" charset="-122"/>
+                <a:ea typeface="微软雅黑" pitchFamily="34" charset="-122"/>
+              </a:rPr>
+              <a:t>作为</a:t>
+            </a:r>
+            <a:r>
+              <a:rPr lang="zh-CN" altLang="en-US" sz="1600" dirty="0">
+                <a:solidFill>
+                  <a:schemeClr val="tx1"/>
+                </a:solidFill>
+                <a:latin typeface="微软雅黑" pitchFamily="34" charset="-122"/>
+                <a:ea typeface="微软雅黑" pitchFamily="34" charset="-122"/>
+              </a:rPr>
+              <a:t>基本</a:t>
+            </a:r>
+            <a:r>
+              <a:rPr lang="zh-CN" altLang="en-US" sz="1600" dirty="0" smtClean="0">
+                <a:solidFill>
+                  <a:schemeClr val="tx1"/>
+                </a:solidFill>
+                <a:latin typeface="微软雅黑" pitchFamily="34" charset="-122"/>
+                <a:ea typeface="微软雅黑" pitchFamily="34" charset="-122"/>
+              </a:rPr>
+              <a:t>表的字段</a:t>
+            </a:r>
+            <a:r>
+              <a:rPr lang="zh-CN" altLang="en-US" sz="1600" dirty="0">
+                <a:solidFill>
+                  <a:schemeClr val="tx1"/>
+                </a:solidFill>
+                <a:latin typeface="微软雅黑" pitchFamily="34" charset="-122"/>
+                <a:ea typeface="微软雅黑" pitchFamily="34" charset="-122"/>
+              </a:rPr>
+              <a:t>；这些字段一般都可用于作为查询和统计条件进行查询</a:t>
+            </a:r>
+            <a:r>
+              <a:rPr lang="zh-CN" altLang="en-US" sz="1600" dirty="0" smtClean="0">
+                <a:solidFill>
+                  <a:schemeClr val="tx1"/>
+                </a:solidFill>
+                <a:latin typeface="微软雅黑" pitchFamily="34" charset="-122"/>
+                <a:ea typeface="微软雅黑" pitchFamily="34" charset="-122"/>
+              </a:rPr>
+              <a:t>；</a:t>
+            </a:r>
+            <a:endParaRPr lang="en-US" altLang="zh-CN" sz="1600" dirty="0" smtClean="0">
+              <a:solidFill>
+                <a:schemeClr val="tx1"/>
+              </a:solidFill>
+              <a:latin typeface="微软雅黑" pitchFamily="34" charset="-122"/>
+              <a:ea typeface="微软雅黑" pitchFamily="34" charset="-122"/>
+            </a:endParaRPr>
+          </a:p>
+          <a:p>
+            <a:pPr marL="342900" indent="-342900" algn="l">
+              <a:buAutoNum type="arabicPeriod"/>
+            </a:pPr>
+            <a:r>
+              <a:rPr lang="zh-CN" altLang="en-US" sz="1600" dirty="0" smtClean="0">
+                <a:solidFill>
+                  <a:schemeClr val="tx1"/>
+                </a:solidFill>
+                <a:latin typeface="微软雅黑" pitchFamily="34" charset="-122"/>
+                <a:ea typeface="微软雅黑" pitchFamily="34" charset="-122"/>
+              </a:rPr>
+              <a:t>其它信息项存储到扩展表，为实现可自定义</a:t>
+            </a:r>
+            <a:r>
+              <a:rPr lang="zh-CN" altLang="en-US" sz="1600" dirty="0">
+                <a:solidFill>
+                  <a:schemeClr val="tx1"/>
+                </a:solidFill>
+                <a:latin typeface="微软雅黑" pitchFamily="34" charset="-122"/>
+                <a:ea typeface="微软雅黑" pitchFamily="34" charset="-122"/>
+              </a:rPr>
+              <a:t>字段</a:t>
+            </a:r>
+            <a:r>
+              <a:rPr lang="zh-CN" altLang="en-US" sz="1600" dirty="0" smtClean="0">
+                <a:solidFill>
+                  <a:schemeClr val="tx1"/>
+                </a:solidFill>
+                <a:latin typeface="微软雅黑" pitchFamily="34" charset="-122"/>
+                <a:ea typeface="微软雅黑" pitchFamily="34" charset="-122"/>
+              </a:rPr>
+              <a:t>和扩展字段，存储方案见后面讨论；</a:t>
+            </a:r>
+            <a:endParaRPr lang="en-US" altLang="zh-CN" sz="1600" dirty="0" smtClean="0">
+              <a:solidFill>
+                <a:schemeClr val="tx1"/>
+              </a:solidFill>
+              <a:latin typeface="微软雅黑" pitchFamily="34" charset="-122"/>
+              <a:ea typeface="微软雅黑" pitchFamily="34" charset="-122"/>
+            </a:endParaRPr>
+          </a:p>
+          <a:p>
+            <a:pPr marL="342900" indent="-342900" algn="l">
+              <a:buFontTx/>
+              <a:buAutoNum type="arabicPeriod"/>
+            </a:pPr>
+            <a:r>
+              <a:rPr lang="zh-CN" altLang="en-US" sz="1600" dirty="0">
+                <a:solidFill>
+                  <a:schemeClr val="tx1"/>
+                </a:solidFill>
+                <a:latin typeface="微软雅黑" pitchFamily="34" charset="-122"/>
+                <a:ea typeface="微软雅黑" pitchFamily="34" charset="-122"/>
+              </a:rPr>
+              <a:t>作为显示需要，对字段分组；</a:t>
+            </a:r>
+            <a:endParaRPr lang="en-US" altLang="zh-CN" sz="1600" dirty="0">
+              <a:solidFill>
+                <a:schemeClr val="tx1"/>
+              </a:solidFill>
+              <a:latin typeface="微软雅黑" pitchFamily="34" charset="-122"/>
+              <a:ea typeface="微软雅黑" pitchFamily="34" charset="-122"/>
+            </a:endParaRPr>
+          </a:p>
+          <a:p>
+            <a:pPr marL="342900" indent="-342900" algn="l">
+              <a:buAutoNum type="arabicPeriod"/>
+            </a:pPr>
+            <a:endParaRPr lang="en-US" altLang="zh-CN" sz="1600" dirty="0" smtClean="0">
+              <a:solidFill>
+                <a:schemeClr val="tx1"/>
+              </a:solidFill>
+              <a:latin typeface="微软雅黑" pitchFamily="34" charset="-122"/>
+              <a:ea typeface="微软雅黑" pitchFamily="34" charset="-122"/>
+            </a:endParaRPr>
+          </a:p>
+          <a:p>
+            <a:pPr marL="342900" indent="-342900" algn="l">
+              <a:buAutoNum type="arabicPeriod"/>
+            </a:pPr>
+            <a:endParaRPr lang="en-US" altLang="zh-CN" sz="1600" dirty="0" smtClean="0">
+              <a:solidFill>
+                <a:schemeClr val="tx1"/>
+              </a:solidFill>
+              <a:latin typeface="微软雅黑" pitchFamily="34" charset="-122"/>
+              <a:ea typeface="微软雅黑" pitchFamily="34" charset="-122"/>
+            </a:endParaRPr>
+          </a:p>
+          <a:p>
+            <a:pPr algn="l"/>
+            <a:endParaRPr lang="zh-CN" altLang="en-US" sz="1600" dirty="0"/>
+          </a:p>
+        </p:txBody>
+      </p:sp>
+      <p:pic>
+        <p:nvPicPr>
+          <p:cNvPr id="3" name="图片 2"/>
+          <p:cNvPicPr>
+            <a:picLocks noChangeAspect="1"/>
+          </p:cNvPicPr>
+          <p:nvPr/>
+        </p:nvPicPr>
+        <p:blipFill>
+          <a:blip r:embed="rId3"/>
+          <a:stretch>
+            <a:fillRect/>
+          </a:stretch>
+        </p:blipFill>
+        <p:spPr>
+          <a:xfrm>
+            <a:off x="5004048" y="2409090"/>
+            <a:ext cx="3534600" cy="2759900"/>
+          </a:xfrm>
+          <a:prstGeom prst="rect">
+            <a:avLst/>
+          </a:prstGeom>
+        </p:spPr>
+      </p:pic>
+    </p:spTree>
+    <p:extLst>
+      <p:ext uri="{BB962C8B-B14F-4D97-AF65-F5344CB8AC3E}">
+        <p14:creationId xmlns:p14="http://schemas.microsoft.com/office/powerpoint/2010/main" val="2210507751"/>
+      </p:ext>
+    </p:extLst>
+  </p:cSld>
+  <p:clrMapOvr>
+    <a:masterClrMapping/>
+  </p:clrMapOvr>
+  <p:transition spd="slow">
+    <p:fade/>
+  </p:transition>
+  <p:timing>
+    <p:tnLst>
+      <p:par>
+        <p:cTn id="1" dur="indefinite" restart="never" nodeType="tmRoot"/>
+      </p:par>
+    </p:tnLst>
+  </p:timing>
+</p:sld>
+</file>
+
+<file path=ppt/slides/slide9.xml><?xml version="1.0" encoding="utf-8"?>
+<p:sld xmlns:a="http://schemas.openxmlformats.org/drawingml/2006/main" xmlns:r="http://schemas.openxmlformats.org/officeDocument/2006/relationships" xmlns:p="http://schemas.openxmlformats.org/presentationml/2006/main">
+  <p:cSld>
+    <p:spTree>
+      <p:nvGrpSpPr>
+        <p:cNvPr id="1" name=""/>
+        <p:cNvGrpSpPr/>
+        <p:nvPr/>
+      </p:nvGrpSpPr>
+      <p:grpSpPr>
+        <a:xfrm>
+          <a:off x="0" y="0"/>
+          <a:ext cx="0" cy="0"/>
+          <a:chOff x="0" y="0"/>
+          <a:chExt cx="0" cy="0"/>
+        </a:xfrm>
+      </p:grpSpPr>
+      <p:sp>
+        <p:nvSpPr>
+          <p:cNvPr id="7170" name="Rectangle 2"/>
+          <p:cNvSpPr>
+            <a:spLocks noGrp="1" noChangeArrowheads="1"/>
+          </p:cNvSpPr>
+          <p:nvPr>
+            <p:ph type="title" idx="4294967295"/>
+          </p:nvPr>
+        </p:nvSpPr>
+        <p:spPr>
+          <a:xfrm>
+            <a:off x="114672" y="333375"/>
+            <a:ext cx="5105400" cy="452438"/>
+          </a:xfrm>
+        </p:spPr>
+        <p:txBody>
+          <a:bodyPr/>
+          <a:lstStyle/>
+          <a:p>
+            <a:pPr eaLnBrk="1" hangingPunct="1"/>
+            <a:r>
+              <a:rPr lang="zh-CN" altLang="en-US" sz="2800" dirty="0" smtClean="0">
+                <a:solidFill>
+                  <a:srgbClr val="CC0000"/>
+                </a:solidFill>
+                <a:latin typeface="微软雅黑" pitchFamily="34" charset="-122"/>
+                <a:ea typeface="微软雅黑" pitchFamily="34" charset="-122"/>
+              </a:rPr>
+              <a:t>一、</a:t>
+            </a:r>
+            <a:r>
+              <a:rPr lang="zh-CN" altLang="en-US" sz="2800" dirty="0" smtClean="0">
+                <a:solidFill>
+                  <a:srgbClr val="FF0000"/>
+                </a:solidFill>
+                <a:latin typeface="微软雅黑" pitchFamily="34" charset="-122"/>
+                <a:ea typeface="微软雅黑" pitchFamily="34" charset="-122"/>
+              </a:rPr>
+              <a:t>自定义</a:t>
+            </a:r>
+            <a:r>
+              <a:rPr lang="zh-CN" altLang="en-US" sz="2800" dirty="0">
+                <a:solidFill>
+                  <a:srgbClr val="FF0000"/>
+                </a:solidFill>
+                <a:latin typeface="微软雅黑" pitchFamily="34" charset="-122"/>
+                <a:ea typeface="微软雅黑" pitchFamily="34" charset="-122"/>
+              </a:rPr>
+              <a:t>字段和</a:t>
+            </a:r>
+            <a:r>
+              <a:rPr lang="zh-CN" altLang="en-US" sz="2800" dirty="0" smtClean="0">
+                <a:solidFill>
+                  <a:srgbClr val="FF0000"/>
+                </a:solidFill>
+                <a:latin typeface="微软雅黑" pitchFamily="34" charset="-122"/>
+                <a:ea typeface="微软雅黑" pitchFamily="34" charset="-122"/>
+              </a:rPr>
+              <a:t>扩展方案</a:t>
+            </a:r>
+            <a:r>
+              <a:rPr lang="en-US" altLang="zh-CN" sz="2800" dirty="0" smtClean="0">
+                <a:solidFill>
+                  <a:srgbClr val="FF0000"/>
+                </a:solidFill>
+                <a:latin typeface="微软雅黑" pitchFamily="34" charset="-122"/>
+                <a:ea typeface="微软雅黑" pitchFamily="34" charset="-122"/>
+              </a:rPr>
+              <a:t>1</a:t>
+            </a:r>
+            <a:endParaRPr lang="zh-CN" altLang="en-US" sz="2800" dirty="0" smtClean="0">
+              <a:solidFill>
+                <a:srgbClr val="FF0000"/>
+              </a:solidFill>
+              <a:latin typeface="微软雅黑" pitchFamily="34" charset="-122"/>
+              <a:ea typeface="微软雅黑" pitchFamily="34" charset="-122"/>
+            </a:endParaRPr>
+          </a:p>
+        </p:txBody>
+      </p:sp>
+      <p:sp>
+        <p:nvSpPr>
+          <p:cNvPr id="4" name="内容占位符 2"/>
+          <p:cNvSpPr txBox="1">
+            <a:spLocks/>
+          </p:cNvSpPr>
+          <p:nvPr/>
+        </p:nvSpPr>
+        <p:spPr>
+          <a:xfrm>
+            <a:off x="868947" y="1795760"/>
+            <a:ext cx="7231445" cy="2929384"/>
+          </a:xfrm>
+          <a:prstGeom prst="rect">
+            <a:avLst/>
+          </a:prstGeom>
+        </p:spPr>
+        <p:txBody>
+          <a:bodyPr>
+            <a:normAutofit/>
+          </a:bodyPr>
+          <a:lstStyle>
+            <a:lvl1pPr marL="342900" indent="-342900" algn="l" rtl="0" eaLnBrk="0" fontAlgn="base" hangingPunct="0">
+              <a:lnSpc>
+                <a:spcPct val="120000"/>
+              </a:lnSpc>
+              <a:spcBef>
+                <a:spcPct val="20000"/>
+              </a:spcBef>
+              <a:spcAft>
+                <a:spcPct val="0"/>
+              </a:spcAft>
+              <a:buClr>
+                <a:schemeClr val="accent2"/>
+              </a:buClr>
+              <a:buChar char="•"/>
+              <a:defRPr sz="2000" b="1">
+                <a:solidFill>
+                  <a:schemeClr val="tx1"/>
+                </a:solidFill>
+                <a:latin typeface="+mn-lt"/>
+                <a:ea typeface="+mn-ea"/>
+                <a:cs typeface="+mn-cs"/>
+              </a:defRPr>
+            </a:lvl1pPr>
+            <a:lvl2pPr marL="742950" indent="-285750" algn="l" rtl="0" eaLnBrk="0" fontAlgn="base" hangingPunct="0">
+              <a:lnSpc>
+                <a:spcPct val="120000"/>
+              </a:lnSpc>
+              <a:spcBef>
+                <a:spcPct val="20000"/>
+              </a:spcBef>
+              <a:spcAft>
+                <a:spcPct val="0"/>
+              </a:spcAft>
+              <a:buClr>
+                <a:schemeClr val="accent2"/>
+              </a:buClr>
+              <a:buSzPct val="80000"/>
+              <a:buFont typeface="Wingdings" pitchFamily="2" charset="2"/>
+              <a:buChar char="p"/>
+              <a:defRPr sz="2400" b="1">
+                <a:solidFill>
+                  <a:schemeClr val="tx1"/>
+                </a:solidFill>
+                <a:latin typeface="+mn-lt"/>
+                <a:ea typeface="+mn-ea"/>
+              </a:defRPr>
+            </a:lvl2pPr>
+            <a:lvl3pPr marL="1143000" indent="-228600" algn="l" rtl="0" eaLnBrk="0" fontAlgn="base" hangingPunct="0">
+              <a:lnSpc>
+                <a:spcPct val="120000"/>
+              </a:lnSpc>
+              <a:spcBef>
+                <a:spcPct val="20000"/>
+              </a:spcBef>
+              <a:spcAft>
+                <a:spcPct val="0"/>
+              </a:spcAft>
+              <a:buClr>
+                <a:schemeClr val="accent2"/>
+              </a:buClr>
+              <a:buSzPct val="60000"/>
+              <a:buFont typeface="Wingdings" pitchFamily="2" charset="2"/>
+              <a:buChar char="n"/>
+              <a:defRPr sz="2000" b="1">
+                <a:solidFill>
+                  <a:schemeClr val="tx1"/>
+                </a:solidFill>
+                <a:latin typeface="+mn-lt"/>
+                <a:ea typeface="+mn-ea"/>
+              </a:defRPr>
+            </a:lvl3pPr>
+            <a:lvl4pPr marL="1600200" indent="-228600" algn="l" rtl="0" eaLnBrk="0" fontAlgn="base" hangingPunct="0">
+              <a:lnSpc>
+                <a:spcPct val="120000"/>
+              </a:lnSpc>
+              <a:spcBef>
+                <a:spcPct val="20000"/>
+              </a:spcBef>
+              <a:spcAft>
+                <a:spcPct val="0"/>
+              </a:spcAft>
+              <a:buClr>
+                <a:schemeClr val="accent2"/>
+              </a:buClr>
+              <a:buFont typeface="Arial" charset="0"/>
+              <a:buChar char="–"/>
+              <a:defRPr sz="1600" b="1">
+                <a:solidFill>
+                  <a:schemeClr val="tx1"/>
+                </a:solidFill>
+                <a:latin typeface="+mn-lt"/>
+                <a:ea typeface="+mn-ea"/>
+              </a:defRPr>
+            </a:lvl4pPr>
+            <a:lvl5pPr marL="2057400" indent="-228600" algn="l" rtl="0" eaLnBrk="0" fontAlgn="base" hangingPunct="0">
+              <a:lnSpc>
+                <a:spcPct val="120000"/>
+              </a:lnSpc>
+              <a:spcBef>
+                <a:spcPct val="20000"/>
+              </a:spcBef>
+              <a:spcAft>
+                <a:spcPct val="0"/>
+              </a:spcAft>
+              <a:buClr>
+                <a:schemeClr val="accent2"/>
+              </a:buClr>
+              <a:buFont typeface="Arial" charset="0"/>
+              <a:buChar char="»"/>
+              <a:defRPr sz="1400" b="1">
+                <a:solidFill>
+                  <a:schemeClr val="tx1"/>
+                </a:solidFill>
+                <a:latin typeface="+mn-lt"/>
+                <a:ea typeface="+mn-ea"/>
+              </a:defRPr>
+            </a:lvl5pPr>
+            <a:lvl6pPr marL="2514600" indent="-228600" algn="l" rtl="0" fontAlgn="base">
+              <a:lnSpc>
+                <a:spcPct val="120000"/>
+              </a:lnSpc>
+              <a:spcBef>
+                <a:spcPct val="20000"/>
+              </a:spcBef>
+              <a:spcAft>
+                <a:spcPct val="0"/>
+              </a:spcAft>
+              <a:buClr>
+                <a:schemeClr val="accent2"/>
+              </a:buClr>
+              <a:buFont typeface="Arial" pitchFamily="34" charset="0"/>
+              <a:buChar char="»"/>
+              <a:defRPr sz="1400" b="1">
+                <a:solidFill>
+                  <a:schemeClr val="tx1"/>
+                </a:solidFill>
+                <a:latin typeface="+mn-lt"/>
+                <a:ea typeface="+mn-ea"/>
+              </a:defRPr>
+            </a:lvl6pPr>
+            <a:lvl7pPr marL="2971800" indent="-228600" algn="l" rtl="0" fontAlgn="base">
+              <a:lnSpc>
+                <a:spcPct val="120000"/>
+              </a:lnSpc>
+              <a:spcBef>
+                <a:spcPct val="20000"/>
+              </a:spcBef>
+              <a:spcAft>
+                <a:spcPct val="0"/>
+              </a:spcAft>
+              <a:buClr>
+                <a:schemeClr val="accent2"/>
+              </a:buClr>
+              <a:buFont typeface="Arial" pitchFamily="34" charset="0"/>
+              <a:buChar char="»"/>
+              <a:defRPr sz="1400" b="1">
+                <a:solidFill>
+                  <a:schemeClr val="tx1"/>
+                </a:solidFill>
+                <a:latin typeface="+mn-lt"/>
+                <a:ea typeface="+mn-ea"/>
+              </a:defRPr>
+            </a:lvl7pPr>
+            <a:lvl8pPr marL="3429000" indent="-228600" algn="l" rtl="0" fontAlgn="base">
+              <a:lnSpc>
+                <a:spcPct val="120000"/>
+              </a:lnSpc>
+              <a:spcBef>
+                <a:spcPct val="20000"/>
+              </a:spcBef>
+              <a:spcAft>
+                <a:spcPct val="0"/>
+              </a:spcAft>
+              <a:buClr>
+                <a:schemeClr val="accent2"/>
+              </a:buClr>
+              <a:buFont typeface="Arial" pitchFamily="34" charset="0"/>
+              <a:buChar char="»"/>
+              <a:defRPr sz="1400" b="1">
+                <a:solidFill>
+                  <a:schemeClr val="tx1"/>
+                </a:solidFill>
+                <a:latin typeface="+mn-lt"/>
+                <a:ea typeface="+mn-ea"/>
+              </a:defRPr>
+            </a:lvl8pPr>
+            <a:lvl9pPr marL="3886200" indent="-228600" algn="l" rtl="0" fontAlgn="base">
+              <a:lnSpc>
+                <a:spcPct val="120000"/>
+              </a:lnSpc>
+              <a:spcBef>
+                <a:spcPct val="20000"/>
+              </a:spcBef>
+              <a:spcAft>
+                <a:spcPct val="0"/>
+              </a:spcAft>
+              <a:buClr>
+                <a:schemeClr val="accent2"/>
+              </a:buClr>
+              <a:buFont typeface="Arial" pitchFamily="34" charset="0"/>
+              <a:buChar char="»"/>
+              <a:defRPr sz="1400" b="1">
+                <a:solidFill>
+                  <a:schemeClr val="tx1"/>
+                </a:solidFill>
+                <a:latin typeface="+mn-lt"/>
+                <a:ea typeface="+mn-ea"/>
+              </a:defRPr>
+            </a:lvl9pPr>
+          </a:lstStyle>
+          <a:p>
+            <a:pPr>
+              <a:buNone/>
+            </a:pPr>
+            <a:endParaRPr lang="en-US" altLang="zh-CN" b="0" kern="0" dirty="0"/>
+          </a:p>
+        </p:txBody>
+      </p:sp>
+      <p:sp>
+        <p:nvSpPr>
+          <p:cNvPr id="2" name="矩形 1"/>
+          <p:cNvSpPr/>
+          <p:nvPr/>
+        </p:nvSpPr>
+        <p:spPr>
+          <a:xfrm>
+            <a:off x="611560" y="1100222"/>
+            <a:ext cx="6655752" cy="338554"/>
+          </a:xfrm>
+          <a:prstGeom prst="rect">
+            <a:avLst/>
+          </a:prstGeom>
+        </p:spPr>
+        <p:txBody>
+          <a:bodyPr wrap="square">
+            <a:spAutoFit/>
+          </a:bodyPr>
+          <a:lstStyle/>
+          <a:p>
+            <a:pPr algn="l"/>
+            <a:r>
+              <a:rPr lang="en-US" altLang="zh-CN" sz="1600" dirty="0" smtClean="0">
+                <a:solidFill>
+                  <a:schemeClr val="tx1"/>
+                </a:solidFill>
+                <a:latin typeface="微软雅黑" pitchFamily="34" charset="-122"/>
+                <a:ea typeface="微软雅黑" pitchFamily="34" charset="-122"/>
+              </a:rPr>
+              <a:t>1. </a:t>
+            </a:r>
+            <a:r>
+              <a:rPr lang="zh-CN" altLang="en-US" sz="1600" dirty="0" smtClean="0">
+                <a:solidFill>
+                  <a:schemeClr val="tx1"/>
+                </a:solidFill>
+                <a:latin typeface="微软雅黑" pitchFamily="34" charset="-122"/>
+                <a:ea typeface="微软雅黑" pitchFamily="34" charset="-122"/>
+              </a:rPr>
+              <a:t>每个字段作为扩展表的一个字段；</a:t>
+            </a:r>
+            <a:endParaRPr lang="zh-CN" altLang="en-US" sz="1600" dirty="0"/>
+          </a:p>
+        </p:txBody>
+      </p:sp>
+    </p:spTree>
+    <p:extLst>
+      <p:ext uri="{BB962C8B-B14F-4D97-AF65-F5344CB8AC3E}">
+        <p14:creationId xmlns:p14="http://schemas.microsoft.com/office/powerpoint/2010/main" val="1446053503"/>
+      </p:ext>
+    </p:extLst>
   </p:cSld>
   <p:clrMapOvr>
     <a:masterClrMapping/>
